--- a/개인/석사학위논문/Manuscript Preparation.pptx
+++ b/개인/석사학위논문/Manuscript Preparation.pptx
@@ -247,7 +247,7 @@
           <a:p>
             <a:fld id="{CEDA20BB-A36C-44CB-A9A0-32BED543DE31}" type="datetimeFigureOut">
               <a:rPr lang="ko-KR" altLang="en-US" smtClean="0"/>
-              <a:t>2019-09-02</a:t>
+              <a:t>2019-09-05</a:t>
             </a:fld>
             <a:endParaRPr lang="ko-KR" altLang="en-US"/>
           </a:p>
@@ -417,7 +417,7 @@
           <a:p>
             <a:fld id="{CEDA20BB-A36C-44CB-A9A0-32BED543DE31}" type="datetimeFigureOut">
               <a:rPr lang="ko-KR" altLang="en-US" smtClean="0"/>
-              <a:t>2019-09-02</a:t>
+              <a:t>2019-09-05</a:t>
             </a:fld>
             <a:endParaRPr lang="ko-KR" altLang="en-US"/>
           </a:p>
@@ -597,7 +597,7 @@
           <a:p>
             <a:fld id="{CEDA20BB-A36C-44CB-A9A0-32BED543DE31}" type="datetimeFigureOut">
               <a:rPr lang="ko-KR" altLang="en-US" smtClean="0"/>
-              <a:t>2019-09-02</a:t>
+              <a:t>2019-09-05</a:t>
             </a:fld>
             <a:endParaRPr lang="ko-KR" altLang="en-US"/>
           </a:p>
@@ -767,7 +767,7 @@
           <a:p>
             <a:fld id="{CEDA20BB-A36C-44CB-A9A0-32BED543DE31}" type="datetimeFigureOut">
               <a:rPr lang="ko-KR" altLang="en-US" smtClean="0"/>
-              <a:t>2019-09-02</a:t>
+              <a:t>2019-09-05</a:t>
             </a:fld>
             <a:endParaRPr lang="ko-KR" altLang="en-US"/>
           </a:p>
@@ -1013,7 +1013,7 @@
           <a:p>
             <a:fld id="{CEDA20BB-A36C-44CB-A9A0-32BED543DE31}" type="datetimeFigureOut">
               <a:rPr lang="ko-KR" altLang="en-US" smtClean="0"/>
-              <a:t>2019-09-02</a:t>
+              <a:t>2019-09-05</a:t>
             </a:fld>
             <a:endParaRPr lang="ko-KR" altLang="en-US"/>
           </a:p>
@@ -1245,7 +1245,7 @@
           <a:p>
             <a:fld id="{CEDA20BB-A36C-44CB-A9A0-32BED543DE31}" type="datetimeFigureOut">
               <a:rPr lang="ko-KR" altLang="en-US" smtClean="0"/>
-              <a:t>2019-09-02</a:t>
+              <a:t>2019-09-05</a:t>
             </a:fld>
             <a:endParaRPr lang="ko-KR" altLang="en-US"/>
           </a:p>
@@ -1612,7 +1612,7 @@
           <a:p>
             <a:fld id="{CEDA20BB-A36C-44CB-A9A0-32BED543DE31}" type="datetimeFigureOut">
               <a:rPr lang="ko-KR" altLang="en-US" smtClean="0"/>
-              <a:t>2019-09-02</a:t>
+              <a:t>2019-09-05</a:t>
             </a:fld>
             <a:endParaRPr lang="ko-KR" altLang="en-US"/>
           </a:p>
@@ -1730,7 +1730,7 @@
           <a:p>
             <a:fld id="{CEDA20BB-A36C-44CB-A9A0-32BED543DE31}" type="datetimeFigureOut">
               <a:rPr lang="ko-KR" altLang="en-US" smtClean="0"/>
-              <a:t>2019-09-02</a:t>
+              <a:t>2019-09-05</a:t>
             </a:fld>
             <a:endParaRPr lang="ko-KR" altLang="en-US"/>
           </a:p>
@@ -1825,7 +1825,7 @@
           <a:p>
             <a:fld id="{CEDA20BB-A36C-44CB-A9A0-32BED543DE31}" type="datetimeFigureOut">
               <a:rPr lang="ko-KR" altLang="en-US" smtClean="0"/>
-              <a:t>2019-09-02</a:t>
+              <a:t>2019-09-05</a:t>
             </a:fld>
             <a:endParaRPr lang="ko-KR" altLang="en-US"/>
           </a:p>
@@ -2102,7 +2102,7 @@
           <a:p>
             <a:fld id="{CEDA20BB-A36C-44CB-A9A0-32BED543DE31}" type="datetimeFigureOut">
               <a:rPr lang="ko-KR" altLang="en-US" smtClean="0"/>
-              <a:t>2019-09-02</a:t>
+              <a:t>2019-09-05</a:t>
             </a:fld>
             <a:endParaRPr lang="ko-KR" altLang="en-US"/>
           </a:p>
@@ -2355,7 +2355,7 @@
           <a:p>
             <a:fld id="{CEDA20BB-A36C-44CB-A9A0-32BED543DE31}" type="datetimeFigureOut">
               <a:rPr lang="ko-KR" altLang="en-US" smtClean="0"/>
-              <a:t>2019-09-02</a:t>
+              <a:t>2019-09-05</a:t>
             </a:fld>
             <a:endParaRPr lang="ko-KR" altLang="en-US"/>
           </a:p>
@@ -2568,7 +2568,7 @@
           <a:p>
             <a:fld id="{CEDA20BB-A36C-44CB-A9A0-32BED543DE31}" type="datetimeFigureOut">
               <a:rPr lang="ko-KR" altLang="en-US" smtClean="0"/>
-              <a:t>2019-09-02</a:t>
+              <a:t>2019-09-05</a:t>
             </a:fld>
             <a:endParaRPr lang="ko-KR" altLang="en-US"/>
           </a:p>
@@ -4908,11 +4908,7 @@
             </a:pPr>
             <a:r>
               <a:rPr lang="en-US" altLang="ko-KR" sz="1600" dirty="0" smtClean="0"/>
-              <a:t>Perceptron-like machine learning </a:t>
-            </a:r>
-            <a:r>
-              <a:rPr lang="en-US" altLang="ko-KR" sz="1600" dirty="0" smtClean="0"/>
-              <a:t>algorithm[14]</a:t>
+              <a:t>Perceptron-like machine learning algorithm[14]</a:t>
             </a:r>
           </a:p>
           <a:p>
@@ -4925,11 +4921,7 @@
             </a:pPr>
             <a:r>
               <a:rPr lang="en-US" altLang="ko-KR" sz="1600" dirty="0" smtClean="0"/>
-              <a:t>20 </a:t>
-            </a:r>
-            <a:r>
-              <a:rPr lang="en-US" altLang="ko-KR" sz="1600" dirty="0" smtClean="0"/>
-              <a:t>x 10 binary matrix</a:t>
+              <a:t>20 x 10 binary matrix</a:t>
             </a:r>
           </a:p>
           <a:p>
@@ -4942,11 +4934,7 @@
             </a:pPr>
             <a:r>
               <a:rPr lang="en-US" altLang="ko-KR" sz="1600" dirty="0" smtClean="0"/>
-              <a:t>“1” for etched (air), “0” for not etched (Si</a:t>
-            </a:r>
-            <a:r>
-              <a:rPr lang="en-US" altLang="ko-KR" sz="1600" dirty="0" smtClean="0"/>
-              <a:t>)</a:t>
+              <a:t>“1” for etched (air), “0” for not etched (Si)</a:t>
             </a:r>
           </a:p>
           <a:p>
@@ -5542,11 +5530,7 @@
             </a:pPr>
             <a:r>
               <a:rPr lang="en-US" altLang="ko-KR" sz="1600" dirty="0" smtClean="0"/>
-              <a:t>“The two key criteria for a power splitter are low insertion loss, and excellent power uniformity.”[11</a:t>
-            </a:r>
-            <a:r>
-              <a:rPr lang="en-US" altLang="ko-KR" sz="1600" dirty="0" smtClean="0"/>
-              <a:t>]</a:t>
+              <a:t>“The two key criteria for a power splitter are low insertion loss, and excellent power uniformity.”[11]</a:t>
             </a:r>
           </a:p>
           <a:p>

--- a/개인/석사학위논문/Manuscript Preparation.pptx
+++ b/개인/석사학위논문/Manuscript Preparation.pptx
@@ -8,8 +8,7 @@
     <p:sldId id="264" r:id="rId2"/>
     <p:sldId id="265" r:id="rId3"/>
     <p:sldId id="267" r:id="rId4"/>
-    <p:sldId id="263" r:id="rId5"/>
-    <p:sldId id="258" r:id="rId6"/>
+    <p:sldId id="258" r:id="rId5"/>
   </p:sldIdLst>
   <p:sldSz cx="12192000" cy="6858000"/>
   <p:notesSz cx="6858000" cy="9144000"/>
@@ -247,7 +246,7 @@
           <a:p>
             <a:fld id="{CEDA20BB-A36C-44CB-A9A0-32BED543DE31}" type="datetimeFigureOut">
               <a:rPr lang="ko-KR" altLang="en-US" smtClean="0"/>
-              <a:t>2019-09-05</a:t>
+              <a:t>2019-09-09</a:t>
             </a:fld>
             <a:endParaRPr lang="ko-KR" altLang="en-US"/>
           </a:p>
@@ -417,7 +416,7 @@
           <a:p>
             <a:fld id="{CEDA20BB-A36C-44CB-A9A0-32BED543DE31}" type="datetimeFigureOut">
               <a:rPr lang="ko-KR" altLang="en-US" smtClean="0"/>
-              <a:t>2019-09-05</a:t>
+              <a:t>2019-09-09</a:t>
             </a:fld>
             <a:endParaRPr lang="ko-KR" altLang="en-US"/>
           </a:p>
@@ -597,7 +596,7 @@
           <a:p>
             <a:fld id="{CEDA20BB-A36C-44CB-A9A0-32BED543DE31}" type="datetimeFigureOut">
               <a:rPr lang="ko-KR" altLang="en-US" smtClean="0"/>
-              <a:t>2019-09-05</a:t>
+              <a:t>2019-09-09</a:t>
             </a:fld>
             <a:endParaRPr lang="ko-KR" altLang="en-US"/>
           </a:p>
@@ -767,7 +766,7 @@
           <a:p>
             <a:fld id="{CEDA20BB-A36C-44CB-A9A0-32BED543DE31}" type="datetimeFigureOut">
               <a:rPr lang="ko-KR" altLang="en-US" smtClean="0"/>
-              <a:t>2019-09-05</a:t>
+              <a:t>2019-09-09</a:t>
             </a:fld>
             <a:endParaRPr lang="ko-KR" altLang="en-US"/>
           </a:p>
@@ -1013,7 +1012,7 @@
           <a:p>
             <a:fld id="{CEDA20BB-A36C-44CB-A9A0-32BED543DE31}" type="datetimeFigureOut">
               <a:rPr lang="ko-KR" altLang="en-US" smtClean="0"/>
-              <a:t>2019-09-05</a:t>
+              <a:t>2019-09-09</a:t>
             </a:fld>
             <a:endParaRPr lang="ko-KR" altLang="en-US"/>
           </a:p>
@@ -1245,7 +1244,7 @@
           <a:p>
             <a:fld id="{CEDA20BB-A36C-44CB-A9A0-32BED543DE31}" type="datetimeFigureOut">
               <a:rPr lang="ko-KR" altLang="en-US" smtClean="0"/>
-              <a:t>2019-09-05</a:t>
+              <a:t>2019-09-09</a:t>
             </a:fld>
             <a:endParaRPr lang="ko-KR" altLang="en-US"/>
           </a:p>
@@ -1612,7 +1611,7 @@
           <a:p>
             <a:fld id="{CEDA20BB-A36C-44CB-A9A0-32BED543DE31}" type="datetimeFigureOut">
               <a:rPr lang="ko-KR" altLang="en-US" smtClean="0"/>
-              <a:t>2019-09-05</a:t>
+              <a:t>2019-09-09</a:t>
             </a:fld>
             <a:endParaRPr lang="ko-KR" altLang="en-US"/>
           </a:p>
@@ -1730,7 +1729,7 @@
           <a:p>
             <a:fld id="{CEDA20BB-A36C-44CB-A9A0-32BED543DE31}" type="datetimeFigureOut">
               <a:rPr lang="ko-KR" altLang="en-US" smtClean="0"/>
-              <a:t>2019-09-05</a:t>
+              <a:t>2019-09-09</a:t>
             </a:fld>
             <a:endParaRPr lang="ko-KR" altLang="en-US"/>
           </a:p>
@@ -1825,7 +1824,7 @@
           <a:p>
             <a:fld id="{CEDA20BB-A36C-44CB-A9A0-32BED543DE31}" type="datetimeFigureOut">
               <a:rPr lang="ko-KR" altLang="en-US" smtClean="0"/>
-              <a:t>2019-09-05</a:t>
+              <a:t>2019-09-09</a:t>
             </a:fld>
             <a:endParaRPr lang="ko-KR" altLang="en-US"/>
           </a:p>
@@ -2102,7 +2101,7 @@
           <a:p>
             <a:fld id="{CEDA20BB-A36C-44CB-A9A0-32BED543DE31}" type="datetimeFigureOut">
               <a:rPr lang="ko-KR" altLang="en-US" smtClean="0"/>
-              <a:t>2019-09-05</a:t>
+              <a:t>2019-09-09</a:t>
             </a:fld>
             <a:endParaRPr lang="ko-KR" altLang="en-US"/>
           </a:p>
@@ -2355,7 +2354,7 @@
           <a:p>
             <a:fld id="{CEDA20BB-A36C-44CB-A9A0-32BED543DE31}" type="datetimeFigureOut">
               <a:rPr lang="ko-KR" altLang="en-US" smtClean="0"/>
-              <a:t>2019-09-05</a:t>
+              <a:t>2019-09-09</a:t>
             </a:fld>
             <a:endParaRPr lang="ko-KR" altLang="en-US"/>
           </a:p>
@@ -2568,7 +2567,7 @@
           <a:p>
             <a:fld id="{CEDA20BB-A36C-44CB-A9A0-32BED543DE31}" type="datetimeFigureOut">
               <a:rPr lang="ko-KR" altLang="en-US" smtClean="0"/>
-              <a:t>2019-09-05</a:t>
+              <a:t>2019-09-09</a:t>
             </a:fld>
             <a:endParaRPr lang="ko-KR" altLang="en-US"/>
           </a:p>
@@ -3011,8 +3010,8 @@
         </p:nvSpPr>
         <p:spPr>
           <a:xfrm>
-            <a:off x="0" y="400110"/>
-            <a:ext cx="11812721" cy="4154984"/>
+            <a:off x="1" y="400110"/>
+            <a:ext cx="12192000" cy="4893647"/>
           </a:xfrm>
           <a:prstGeom prst="rect">
             <a:avLst/>
@@ -3020,7 +3019,7 @@
           <a:noFill/>
         </p:spPr>
         <p:txBody>
-          <a:bodyPr wrap="none" rtlCol="0">
+          <a:bodyPr wrap="square" rtlCol="0">
             <a:spAutoFit/>
           </a:bodyPr>
           <a:lstStyle/>
@@ -3129,8 +3128,38 @@
             </a:r>
             <a:r>
               <a:rPr lang="en-US" altLang="ko-KR" sz="1600" dirty="0" smtClean="0"/>
-              <a:t>[2, 3]</a:t>
-            </a:r>
+              <a:t>[2, </a:t>
+            </a:r>
+            <a:r>
+              <a:rPr lang="en-US" altLang="ko-KR" sz="1600" dirty="0" smtClean="0"/>
+              <a:t>3]</a:t>
+            </a:r>
+          </a:p>
+          <a:p>
+            <a:pPr marL="285750" indent="-285750">
+              <a:lnSpc>
+                <a:spcPct val="150000"/>
+              </a:lnSpc>
+              <a:buFontTx/>
+              <a:buChar char="-"/>
+            </a:pPr>
+            <a:r>
+              <a:rPr lang="en-US" altLang="ko-KR" sz="1600" dirty="0"/>
+              <a:t>THz optical device example: Subwavelength Graphene waveguide (30 THz</a:t>
+            </a:r>
+            <a:r>
+              <a:rPr lang="en-US" altLang="ko-KR" sz="1600" dirty="0" smtClean="0"/>
+              <a:t>)[4], </a:t>
+            </a:r>
+            <a:r>
+              <a:rPr lang="en-US" altLang="ko-KR" sz="1600" dirty="0"/>
+              <a:t>Multi-output splitter without grating structure, Genetic </a:t>
+            </a:r>
+            <a:r>
+              <a:rPr lang="en-US" altLang="ko-KR" sz="1600" dirty="0" smtClean="0"/>
+              <a:t>Algorithm[5]</a:t>
+            </a:r>
+            <a:endParaRPr lang="en-US" altLang="ko-KR" sz="1600" dirty="0" smtClean="0"/>
           </a:p>
           <a:p>
             <a:pPr marL="285750" indent="-285750">
@@ -3172,8 +3201,29 @@
             </a:pPr>
             <a:r>
               <a:rPr lang="en-US" altLang="ko-KR" sz="1600" dirty="0" smtClean="0"/>
-              <a:t>Example: Direct Binary Search [4], self-imaging[5, 6, 7], sweep parameter based on specific structure[8]</a:t>
-            </a:r>
+              <a:t>Example: Direct Binary Search </a:t>
+            </a:r>
+            <a:r>
+              <a:rPr lang="en-US" altLang="ko-KR" sz="1600" dirty="0" smtClean="0"/>
+              <a:t>[6], self-imaging[7, 8, </a:t>
+            </a:r>
+            <a:r>
+              <a:rPr lang="en-US" altLang="ko-KR" sz="1600" dirty="0"/>
+              <a:t>9</a:t>
+            </a:r>
+            <a:r>
+              <a:rPr lang="en-US" altLang="ko-KR" sz="1600" dirty="0" smtClean="0"/>
+              <a:t>], </a:t>
+            </a:r>
+            <a:r>
+              <a:rPr lang="en-US" altLang="ko-KR" sz="1600" dirty="0" smtClean="0"/>
+              <a:t>sweep parameter based on specific </a:t>
+            </a:r>
+            <a:r>
+              <a:rPr lang="en-US" altLang="ko-KR" sz="1600" dirty="0" smtClean="0"/>
+              <a:t>structure[10]</a:t>
+            </a:r>
+            <a:endParaRPr lang="en-US" altLang="ko-KR" sz="1600" dirty="0" smtClean="0"/>
           </a:p>
           <a:p>
             <a:pPr marL="285750" indent="-285750">
@@ -3279,8 +3329,17 @@
             </a:r>
             <a:r>
               <a:rPr lang="en-US" altLang="ko-KR" sz="1600" dirty="0" smtClean="0"/>
-              <a:t>optimization[9, 10, 11], Artificial Neural Networks [12, 13]</a:t>
-            </a:r>
+              <a:t>optimization[11, 12, 13], </a:t>
+            </a:r>
+            <a:r>
+              <a:rPr lang="en-US" altLang="ko-KR" sz="1600" dirty="0" smtClean="0"/>
+              <a:t>Artificial Neural Networks [</a:t>
+            </a:r>
+            <a:r>
+              <a:rPr lang="en-US" altLang="ko-KR" sz="1600" dirty="0" smtClean="0"/>
+              <a:t>14, 15]</a:t>
+            </a:r>
+            <a:endParaRPr lang="en-US" altLang="ko-KR" sz="1600" dirty="0" smtClean="0"/>
           </a:p>
           <a:p>
             <a:pPr marL="285750" indent="-285750">
@@ -3306,8 +3365,8 @@
         </p:nvSpPr>
         <p:spPr>
           <a:xfrm>
-            <a:off x="0" y="4507453"/>
-            <a:ext cx="13100539" cy="3170099"/>
+            <a:off x="0" y="5663089"/>
+            <a:ext cx="13100539" cy="3477875"/>
           </a:xfrm>
           <a:prstGeom prst="rect">
             <a:avLst/>
@@ -3632,6 +3691,186 @@
               </a:rPr>
               <a:t>2019</a:t>
             </a:r>
+          </a:p>
+          <a:p>
+            <a:pPr marL="228600" indent="-228600">
+              <a:buFont typeface="+mj-lt"/>
+              <a:buAutoNum type="arabicParenR"/>
+            </a:pPr>
+            <a:r>
+              <a:rPr lang="en-US" altLang="ko-KR" sz="1000" dirty="0" smtClean="0">
+                <a:solidFill>
+                  <a:srgbClr val="333333"/>
+                </a:solidFill>
+                <a:latin typeface="Times New Roman" panose="02020603050405020304" pitchFamily="18" charset="0"/>
+              </a:rPr>
+              <a:t>Subwavelength </a:t>
+            </a:r>
+            <a:r>
+              <a:rPr lang="en-US" altLang="ko-KR" sz="1000" dirty="0">
+                <a:solidFill>
+                  <a:srgbClr val="333333"/>
+                </a:solidFill>
+                <a:latin typeface="Times New Roman" panose="02020603050405020304" pitchFamily="18" charset="0"/>
+              </a:rPr>
+              <a:t>Graphene waveguide (30 </a:t>
+            </a:r>
+            <a:r>
+              <a:rPr lang="en-US" altLang="ko-KR" sz="1000" dirty="0" smtClean="0">
+                <a:solidFill>
+                  <a:srgbClr val="333333"/>
+                </a:solidFill>
+                <a:latin typeface="Times New Roman" panose="02020603050405020304" pitchFamily="18" charset="0"/>
+              </a:rPr>
+              <a:t>THz) - Z</a:t>
+            </a:r>
+            <a:r>
+              <a:rPr lang="en-US" altLang="ko-KR" sz="1000" dirty="0">
+                <a:solidFill>
+                  <a:srgbClr val="333333"/>
+                </a:solidFill>
+                <a:latin typeface="Times New Roman" panose="02020603050405020304" pitchFamily="18" charset="0"/>
+              </a:rPr>
+              <a:t>. </a:t>
+            </a:r>
+            <a:r>
+              <a:rPr lang="en-US" altLang="ko-KR" sz="1000" dirty="0" err="1">
+                <a:solidFill>
+                  <a:srgbClr val="333333"/>
+                </a:solidFill>
+                <a:latin typeface="Times New Roman" panose="02020603050405020304" pitchFamily="18" charset="0"/>
+              </a:rPr>
+              <a:t>Guo</a:t>
+            </a:r>
+            <a:r>
+              <a:rPr lang="en-US" altLang="ko-KR" sz="1000" dirty="0">
+                <a:solidFill>
+                  <a:srgbClr val="333333"/>
+                </a:solidFill>
+                <a:latin typeface="Times New Roman" panose="02020603050405020304" pitchFamily="18" charset="0"/>
+              </a:rPr>
+              <a:t>, X. </a:t>
+            </a:r>
+            <a:r>
+              <a:rPr lang="en-US" altLang="ko-KR" sz="1000" dirty="0" err="1">
+                <a:solidFill>
+                  <a:srgbClr val="333333"/>
+                </a:solidFill>
+                <a:latin typeface="Times New Roman" panose="02020603050405020304" pitchFamily="18" charset="0"/>
+              </a:rPr>
+              <a:t>Nie</a:t>
+            </a:r>
+            <a:r>
+              <a:rPr lang="en-US" altLang="ko-KR" sz="1000" dirty="0">
+                <a:solidFill>
+                  <a:srgbClr val="333333"/>
+                </a:solidFill>
+                <a:latin typeface="Times New Roman" panose="02020603050405020304" pitchFamily="18" charset="0"/>
+              </a:rPr>
+              <a:t>, F. Shen, H. Zhou, Q. Zhou, J. Gao, and K. </a:t>
+            </a:r>
+            <a:r>
+              <a:rPr lang="en-US" altLang="ko-KR" sz="1000" dirty="0" err="1">
+                <a:solidFill>
+                  <a:srgbClr val="333333"/>
+                </a:solidFill>
+                <a:latin typeface="Times New Roman" panose="02020603050405020304" pitchFamily="18" charset="0"/>
+              </a:rPr>
+              <a:t>Guo</a:t>
+            </a:r>
+            <a:r>
+              <a:rPr lang="en-US" altLang="ko-KR" sz="1000" dirty="0">
+                <a:solidFill>
+                  <a:srgbClr val="333333"/>
+                </a:solidFill>
+                <a:latin typeface="Times New Roman" panose="02020603050405020304" pitchFamily="18" charset="0"/>
+              </a:rPr>
+              <a:t>, “Actively Tunable Terahertz Switches Based on Subwavelength Graphene Waveguide,” </a:t>
+            </a:r>
+            <a:r>
+              <a:rPr lang="en-US" altLang="ko-KR" sz="1000" i="1" dirty="0">
+                <a:solidFill>
+                  <a:srgbClr val="333333"/>
+                </a:solidFill>
+                <a:latin typeface="Times New Roman" panose="02020603050405020304" pitchFamily="18" charset="0"/>
+              </a:rPr>
+              <a:t>Nanomaterials</a:t>
+            </a:r>
+            <a:r>
+              <a:rPr lang="en-US" altLang="ko-KR" sz="1000" dirty="0">
+                <a:solidFill>
+                  <a:srgbClr val="333333"/>
+                </a:solidFill>
+                <a:latin typeface="Times New Roman" panose="02020603050405020304" pitchFamily="18" charset="0"/>
+              </a:rPr>
+              <a:t>, vol. 8, no. 9, p. 665, </a:t>
+            </a:r>
+            <a:r>
+              <a:rPr lang="en-US" altLang="ko-KR" sz="1000" dirty="0" smtClean="0">
+                <a:solidFill>
+                  <a:srgbClr val="333333"/>
+                </a:solidFill>
+                <a:latin typeface="Times New Roman" panose="02020603050405020304" pitchFamily="18" charset="0"/>
+              </a:rPr>
+              <a:t>2018.</a:t>
+            </a:r>
+          </a:p>
+          <a:p>
+            <a:pPr marL="228600" indent="-228600">
+              <a:buFont typeface="+mj-lt"/>
+              <a:buAutoNum type="arabicParenR"/>
+            </a:pPr>
+            <a:r>
+              <a:rPr lang="en-US" altLang="ko-KR" sz="1000" dirty="0" smtClean="0">
+                <a:solidFill>
+                  <a:srgbClr val="333333"/>
+                </a:solidFill>
+                <a:latin typeface="Times New Roman" panose="02020603050405020304" pitchFamily="18" charset="0"/>
+              </a:rPr>
+              <a:t>Multi-output </a:t>
+            </a:r>
+            <a:r>
+              <a:rPr lang="en-US" altLang="ko-KR" sz="1000" dirty="0">
+                <a:solidFill>
+                  <a:srgbClr val="333333"/>
+                </a:solidFill>
+                <a:latin typeface="Times New Roman" panose="02020603050405020304" pitchFamily="18" charset="0"/>
+              </a:rPr>
+              <a:t>splitter without grating structure, Genetic </a:t>
+            </a:r>
+            <a:r>
+              <a:rPr lang="en-US" altLang="ko-KR" sz="1000" dirty="0" smtClean="0">
+                <a:solidFill>
+                  <a:srgbClr val="333333"/>
+                </a:solidFill>
+                <a:latin typeface="Times New Roman" panose="02020603050405020304" pitchFamily="18" charset="0"/>
+              </a:rPr>
+              <a:t>Algorithm - F</a:t>
+            </a:r>
+            <a:r>
+              <a:rPr lang="en-US" altLang="ko-KR" sz="1000" dirty="0">
+                <a:solidFill>
+                  <a:srgbClr val="333333"/>
+                </a:solidFill>
+                <a:latin typeface="Times New Roman" panose="02020603050405020304" pitchFamily="18" charset="0"/>
+              </a:rPr>
+              <a:t>. Zhang, K. Song, and Y. Fan, “New 2D diffraction model and its applications to terahertz parallel-plate waveguide power splitters,” Scientific Reports, vol. 7, no. 1, Sep. 2017</a:t>
+            </a:r>
+            <a:r>
+              <a:rPr lang="en-US" altLang="ko-KR" sz="1000" dirty="0" smtClean="0">
+                <a:solidFill>
+                  <a:srgbClr val="333333"/>
+                </a:solidFill>
+                <a:latin typeface="Times New Roman" panose="02020603050405020304" pitchFamily="18" charset="0"/>
+              </a:rPr>
+              <a:t>.</a:t>
+            </a:r>
+            <a:endParaRPr lang="en-US" altLang="ko-KR" sz="1000" dirty="0" smtClean="0">
+              <a:solidFill>
+                <a:srgbClr val="333333"/>
+              </a:solidFill>
+              <a:latin typeface="Times New Roman" panose="02020603050405020304" pitchFamily="18" charset="0"/>
+            </a:endParaRPr>
           </a:p>
           <a:p>
             <a:pPr marL="228600" indent="-228600">
@@ -4853,7 +5092,7 @@
         <p:spPr>
           <a:xfrm>
             <a:off x="1" y="400110"/>
-            <a:ext cx="8730761" cy="5262979"/>
+            <a:ext cx="8730761" cy="6001643"/>
           </a:xfrm>
           <a:prstGeom prst="rect">
             <a:avLst/>
@@ -4891,12 +5130,13 @@
             </a:pPr>
             <a:r>
               <a:rPr lang="en-US" altLang="ko-KR" sz="1600" dirty="0"/>
-              <a:t>“The algorithm combines the additive updates feature of the perceptron algorithm and the reward for state idea of reinforcement learning</a:t>
+              <a:t>Perceptron-like machine learning algorithm[16</a:t>
             </a:r>
             <a:r>
               <a:rPr lang="en-US" altLang="ko-KR" sz="1600" dirty="0" smtClean="0"/>
-              <a:t>”</a:t>
-            </a:r>
+              <a:t>]</a:t>
+            </a:r>
+            <a:endParaRPr lang="en-US" altLang="ko-KR" sz="1600" dirty="0" smtClean="0"/>
           </a:p>
           <a:p>
             <a:pPr marL="285750" indent="-285750">
@@ -4908,8 +5148,17 @@
             </a:pPr>
             <a:r>
               <a:rPr lang="en-US" altLang="ko-KR" sz="1600" dirty="0" smtClean="0"/>
-              <a:t>Perceptron-like machine learning algorithm[14]</a:t>
-            </a:r>
+              <a:t>“</a:t>
+            </a:r>
+            <a:r>
+              <a:rPr lang="en-US" altLang="ko-KR" sz="1600" dirty="0"/>
+              <a:t>The algorithm combines the additive updates feature of the perceptron algorithm and the reward for state idea of reinforcement learning</a:t>
+            </a:r>
+            <a:r>
+              <a:rPr lang="en-US" altLang="ko-KR" sz="1600" dirty="0" smtClean="0"/>
+              <a:t>”[17]</a:t>
+            </a:r>
+            <a:endParaRPr lang="en-US" altLang="ko-KR" sz="1600" dirty="0" smtClean="0"/>
           </a:p>
           <a:p>
             <a:pPr marL="285750" indent="-285750">
@@ -4921,7 +5170,11 @@
             </a:pPr>
             <a:r>
               <a:rPr lang="en-US" altLang="ko-KR" sz="1600" dirty="0" smtClean="0"/>
-              <a:t>20 x 10 binary matrix</a:t>
+              <a:t>20 </a:t>
+            </a:r>
+            <a:r>
+              <a:rPr lang="en-US" altLang="ko-KR" sz="1600" dirty="0" smtClean="0"/>
+              <a:t>x 10 binary matrix</a:t>
             </a:r>
           </a:p>
           <a:p>
@@ -4934,7 +5187,11 @@
             </a:pPr>
             <a:r>
               <a:rPr lang="en-US" altLang="ko-KR" sz="1600" dirty="0" smtClean="0"/>
-              <a:t>“1” for etched (air), “0” for not etched (Si)</a:t>
+              <a:t>“1” for etched (air), “0” for not etched (Si</a:t>
+            </a:r>
+            <a:r>
+              <a:rPr lang="en-US" altLang="ko-KR" sz="1600" dirty="0" smtClean="0"/>
+              <a:t>)</a:t>
             </a:r>
           </a:p>
           <a:p>
@@ -4946,6 +5203,20 @@
               <a:buChar char="-"/>
             </a:pPr>
             <a:r>
+              <a:rPr lang="en-US" altLang="ko-KR" sz="1600" dirty="0" smtClean="0"/>
+              <a:t>Reward = min(T1) + min(T2) - R</a:t>
+            </a:r>
+            <a:endParaRPr lang="en-US" altLang="ko-KR" sz="1600" dirty="0" smtClean="0"/>
+          </a:p>
+          <a:p>
+            <a:pPr marL="285750" indent="-285750">
+              <a:lnSpc>
+                <a:spcPct val="150000"/>
+              </a:lnSpc>
+              <a:buFontTx/>
+              <a:buChar char="-"/>
+            </a:pPr>
+            <a:r>
               <a:rPr lang="en-US" altLang="ko-KR" sz="1600" i="1" dirty="0">
                 <a:latin typeface="Times New Roman" panose="02020603050405020304" pitchFamily="18" charset="0"/>
                 <a:cs typeface="Times New Roman" panose="02020603050405020304" pitchFamily="18" charset="0"/>
@@ -4971,11 +5242,11 @@
             </a:pPr>
             <a:r>
               <a:rPr lang="en-US" altLang="ko-KR" sz="1600" dirty="0" smtClean="0"/>
-              <a:t>Broadband(275-325 </a:t>
+              <a:t>integrated </a:t>
             </a:r>
             <a:r>
               <a:rPr lang="en-US" altLang="ko-KR" sz="1600" dirty="0"/>
-              <a:t>um) integrated photonic 1x3 power splitter</a:t>
+              <a:t>photonic 1x3 power splitter</a:t>
             </a:r>
           </a:p>
           <a:p>
@@ -4987,9 +5258,14 @@
               <a:buChar char="-"/>
             </a:pPr>
             <a:r>
-              <a:rPr lang="en-US" altLang="ko-KR" sz="1600" dirty="0"/>
-              <a:t>Not aim to maximize the operation bandwidth</a:t>
-            </a:r>
+              <a:rPr lang="en-US" altLang="ko-KR" sz="1600" dirty="0" smtClean="0"/>
+              <a:t>SOI platform: 9 um radii, 20x20 air-hole</a:t>
+            </a:r>
+            <a:r>
+              <a:rPr lang="en-US" altLang="ko-KR" sz="1600" dirty="0" smtClean="0"/>
+              <a:t> on 500 um box</a:t>
+            </a:r>
+            <a:endParaRPr lang="en-US" altLang="ko-KR" sz="1600" dirty="0" smtClean="0"/>
           </a:p>
           <a:p>
             <a:pPr marL="285750" indent="-285750">
@@ -5000,13 +5276,18 @@
               <a:buChar char="-"/>
             </a:pPr>
             <a:r>
+              <a:rPr lang="en-US" altLang="ko-KR" sz="1600" dirty="0" smtClean="0"/>
+              <a:t>not </a:t>
+            </a:r>
+            <a:r>
               <a:rPr lang="en-US" altLang="ko-KR" sz="1600" dirty="0"/>
-              <a:t>1:1:1 </a:t>
+              <a:t>aim to maximize the operation </a:t>
             </a:r>
             <a:r>
               <a:rPr lang="en-US" altLang="ko-KR" sz="1600" dirty="0" smtClean="0"/>
-              <a:t>uniform</a:t>
-            </a:r>
+              <a:t>bandwidth, broadband transmission 275 ~ 325 um</a:t>
+            </a:r>
+            <a:endParaRPr lang="en-US" altLang="ko-KR" sz="1600" dirty="0"/>
           </a:p>
           <a:p>
             <a:pPr marL="285750" indent="-285750">
@@ -5017,6 +5298,23 @@
               <a:buChar char="-"/>
             </a:pPr>
             <a:r>
+              <a:rPr lang="en-US" altLang="ko-KR" sz="1600" dirty="0"/>
+              <a:t>1:1:1 </a:t>
+            </a:r>
+            <a:r>
+              <a:rPr lang="en-US" altLang="ko-KR" sz="1600" dirty="0" smtClean="0"/>
+              <a:t>uniform</a:t>
+            </a:r>
+          </a:p>
+          <a:p>
+            <a:pPr marL="285750" indent="-285750">
+              <a:lnSpc>
+                <a:spcPct val="150000"/>
+              </a:lnSpc>
+              <a:buFontTx/>
+              <a:buChar char="-"/>
+            </a:pPr>
+            <a:r>
               <a:rPr lang="en-US" altLang="ko-KR" sz="1600" i="1" dirty="0">
                 <a:latin typeface="Times New Roman" panose="02020603050405020304" pitchFamily="18" charset="0"/>
                 <a:cs typeface="Times New Roman" panose="02020603050405020304" pitchFamily="18" charset="0"/>
@@ -5100,7 +5398,7 @@
         </p:nvSpPr>
         <p:spPr>
           <a:xfrm>
-            <a:off x="0" y="5981221"/>
+            <a:off x="0" y="6430906"/>
             <a:ext cx="13100539" cy="707886"/>
           </a:xfrm>
           <a:prstGeom prst="rect">
@@ -5115,7 +5413,7 @@
           <a:p>
             <a:pPr marL="228600" indent="-228600">
               <a:buFont typeface="+mj-lt"/>
-              <a:buAutoNum type="arabicParenR" startAt="14"/>
+              <a:buAutoNum type="arabicParenR" startAt="16"/>
             </a:pPr>
             <a:r>
               <a:rPr lang="en-US" altLang="ko-KR" sz="1000" dirty="0">
@@ -5175,7 +5473,7 @@
           <a:p>
             <a:pPr marL="228600" indent="-228600">
               <a:buFont typeface="+mj-lt"/>
-              <a:buAutoNum type="arabicParenR" startAt="14"/>
+              <a:buAutoNum type="arabicParenR" startAt="16"/>
             </a:pPr>
             <a:r>
               <a:rPr lang="en-US" altLang="ko-KR" sz="1000" dirty="0" smtClean="0">
@@ -5334,7 +5632,7 @@
           <a:p>
             <a:pPr marL="228600" indent="-228600">
               <a:buFont typeface="+mj-lt"/>
-              <a:buAutoNum type="arabicParenR" startAt="14"/>
+              <a:buAutoNum type="arabicParenR" startAt="16"/>
             </a:pPr>
             <a:endParaRPr lang="en-US" altLang="ko-KR" sz="1000" dirty="0">
               <a:solidFill>
@@ -5604,253 +5902,6 @@
 </file>
 
 <file path=ppt/slides/slide4.xml><?xml version="1.0" encoding="utf-8"?>
-<p:sld xmlns:a="http://schemas.openxmlformats.org/drawingml/2006/main" xmlns:r="http://schemas.openxmlformats.org/officeDocument/2006/relationships" xmlns:p="http://schemas.openxmlformats.org/presentationml/2006/main">
-  <p:cSld>
-    <p:spTree>
-      <p:nvGrpSpPr>
-        <p:cNvPr id="1" name=""/>
-        <p:cNvGrpSpPr/>
-        <p:nvPr/>
-      </p:nvGrpSpPr>
-      <p:grpSpPr>
-        <a:xfrm>
-          <a:off x="0" y="0"/>
-          <a:ext cx="0" cy="0"/>
-          <a:chOff x="0" y="0"/>
-          <a:chExt cx="0" cy="0"/>
-        </a:xfrm>
-      </p:grpSpPr>
-      <p:sp>
-        <p:nvSpPr>
-          <p:cNvPr id="4" name="TextBox 3"/>
-          <p:cNvSpPr txBox="1"/>
-          <p:nvPr/>
-        </p:nvSpPr>
-        <p:spPr>
-          <a:xfrm>
-            <a:off x="163901" y="611306"/>
-            <a:ext cx="1869423" cy="338554"/>
-          </a:xfrm>
-          <a:prstGeom prst="rect">
-            <a:avLst/>
-          </a:prstGeom>
-          <a:noFill/>
-        </p:spPr>
-        <p:txBody>
-          <a:bodyPr wrap="none" rtlCol="0">
-            <a:spAutoFit/>
-          </a:bodyPr>
-          <a:lstStyle/>
-          <a:p>
-            <a:r>
-              <a:rPr lang="en-US" altLang="ko-KR" sz="1600" dirty="0" err="1" smtClean="0"/>
-              <a:t>Thz</a:t>
-            </a:r>
-            <a:r>
-              <a:rPr lang="en-US" altLang="ko-KR" sz="1600" dirty="0" smtClean="0"/>
-              <a:t> optical device</a:t>
-            </a:r>
-            <a:endParaRPr lang="ko-KR" altLang="en-US" sz="1600" dirty="0"/>
-          </a:p>
-        </p:txBody>
-      </p:sp>
-      <p:sp>
-        <p:nvSpPr>
-          <p:cNvPr id="5" name="직사각형 4"/>
-          <p:cNvSpPr/>
-          <p:nvPr/>
-        </p:nvSpPr>
-        <p:spPr>
-          <a:xfrm>
-            <a:off x="163900" y="949860"/>
-            <a:ext cx="12028099" cy="707886"/>
-          </a:xfrm>
-          <a:prstGeom prst="rect">
-            <a:avLst/>
-          </a:prstGeom>
-        </p:spPr>
-        <p:txBody>
-          <a:bodyPr wrap="square">
-            <a:spAutoFit/>
-          </a:bodyPr>
-          <a:lstStyle/>
-          <a:p>
-            <a:r>
-              <a:rPr lang="en-US" altLang="ko-KR" sz="1000" u="sng" dirty="0" smtClean="0">
-                <a:solidFill>
-                  <a:srgbClr val="333333"/>
-                </a:solidFill>
-                <a:latin typeface="Times New Roman" panose="02020603050405020304" pitchFamily="18" charset="0"/>
-              </a:rPr>
-              <a:t>Subwavelength Graphene waveguide (30 THz)</a:t>
-            </a:r>
-            <a:endParaRPr lang="en-US" altLang="ko-KR" sz="1000" u="sng" dirty="0">
-              <a:solidFill>
-                <a:srgbClr val="333333"/>
-              </a:solidFill>
-              <a:latin typeface="Times New Roman" panose="02020603050405020304" pitchFamily="18" charset="0"/>
-            </a:endParaRPr>
-          </a:p>
-          <a:p>
-            <a:pPr marL="171450" lvl="0" indent="-171450">
-              <a:buFontTx/>
-              <a:buChar char="-"/>
-            </a:pPr>
-            <a:r>
-              <a:rPr lang="en-US" altLang="ko-KR" sz="1000" dirty="0">
-                <a:solidFill>
-                  <a:srgbClr val="333333"/>
-                </a:solidFill>
-                <a:latin typeface="Times New Roman" panose="02020603050405020304" pitchFamily="18" charset="0"/>
-              </a:rPr>
-              <a:t>Z. </a:t>
-            </a:r>
-            <a:r>
-              <a:rPr lang="en-US" altLang="ko-KR" sz="1000" dirty="0" err="1">
-                <a:solidFill>
-                  <a:srgbClr val="333333"/>
-                </a:solidFill>
-                <a:latin typeface="Times New Roman" panose="02020603050405020304" pitchFamily="18" charset="0"/>
-              </a:rPr>
-              <a:t>Guo</a:t>
-            </a:r>
-            <a:r>
-              <a:rPr lang="en-US" altLang="ko-KR" sz="1000" dirty="0">
-                <a:solidFill>
-                  <a:srgbClr val="333333"/>
-                </a:solidFill>
-                <a:latin typeface="Times New Roman" panose="02020603050405020304" pitchFamily="18" charset="0"/>
-              </a:rPr>
-              <a:t>, X. </a:t>
-            </a:r>
-            <a:r>
-              <a:rPr lang="en-US" altLang="ko-KR" sz="1000" dirty="0" err="1">
-                <a:solidFill>
-                  <a:srgbClr val="333333"/>
-                </a:solidFill>
-                <a:latin typeface="Times New Roman" panose="02020603050405020304" pitchFamily="18" charset="0"/>
-              </a:rPr>
-              <a:t>Nie</a:t>
-            </a:r>
-            <a:r>
-              <a:rPr lang="en-US" altLang="ko-KR" sz="1000" dirty="0">
-                <a:solidFill>
-                  <a:srgbClr val="333333"/>
-                </a:solidFill>
-                <a:latin typeface="Times New Roman" panose="02020603050405020304" pitchFamily="18" charset="0"/>
-              </a:rPr>
-              <a:t>, F. Shen, H. Zhou, Q. Zhou, J. Gao, and K. </a:t>
-            </a:r>
-            <a:r>
-              <a:rPr lang="en-US" altLang="ko-KR" sz="1000" dirty="0" err="1">
-                <a:solidFill>
-                  <a:srgbClr val="333333"/>
-                </a:solidFill>
-                <a:latin typeface="Times New Roman" panose="02020603050405020304" pitchFamily="18" charset="0"/>
-              </a:rPr>
-              <a:t>Guo</a:t>
-            </a:r>
-            <a:r>
-              <a:rPr lang="en-US" altLang="ko-KR" sz="1000" dirty="0">
-                <a:solidFill>
-                  <a:srgbClr val="333333"/>
-                </a:solidFill>
-                <a:latin typeface="Times New Roman" panose="02020603050405020304" pitchFamily="18" charset="0"/>
-              </a:rPr>
-              <a:t>, “Actively Tunable Terahertz Switches Based on Subwavelength Graphene Waveguide,” </a:t>
-            </a:r>
-            <a:r>
-              <a:rPr lang="en-US" altLang="ko-KR" sz="1000" i="1" dirty="0">
-                <a:solidFill>
-                  <a:srgbClr val="333333"/>
-                </a:solidFill>
-                <a:latin typeface="Times New Roman" panose="02020603050405020304" pitchFamily="18" charset="0"/>
-              </a:rPr>
-              <a:t>Nanomaterials</a:t>
-            </a:r>
-            <a:r>
-              <a:rPr lang="en-US" altLang="ko-KR" sz="1000" dirty="0">
-                <a:solidFill>
-                  <a:srgbClr val="333333"/>
-                </a:solidFill>
-                <a:latin typeface="Times New Roman" panose="02020603050405020304" pitchFamily="18" charset="0"/>
-              </a:rPr>
-              <a:t>, vol. 8, no. 9, p. 665, 2018</a:t>
-            </a:r>
-            <a:r>
-              <a:rPr lang="en-US" altLang="ko-KR" sz="1000" dirty="0" smtClean="0">
-                <a:solidFill>
-                  <a:srgbClr val="333333"/>
-                </a:solidFill>
-                <a:latin typeface="Times New Roman" panose="02020603050405020304" pitchFamily="18" charset="0"/>
-              </a:rPr>
-              <a:t>.</a:t>
-            </a:r>
-          </a:p>
-          <a:p>
-            <a:pPr lvl="0"/>
-            <a:r>
-              <a:rPr lang="en-US" altLang="ko-KR" sz="1000" u="sng" dirty="0" smtClean="0">
-                <a:solidFill>
-                  <a:srgbClr val="333333"/>
-                </a:solidFill>
-                <a:latin typeface="Times New Roman" panose="02020603050405020304" pitchFamily="18" charset="0"/>
-              </a:rPr>
-              <a:t>Multi-output splitter without grating structure, Genetic Algorithm</a:t>
-            </a:r>
-            <a:endParaRPr lang="en-US" altLang="ko-KR" sz="1000" dirty="0" smtClean="0">
-              <a:solidFill>
-                <a:srgbClr val="333333"/>
-              </a:solidFill>
-              <a:latin typeface="Times New Roman" panose="02020603050405020304" pitchFamily="18" charset="0"/>
-            </a:endParaRPr>
-          </a:p>
-          <a:p>
-            <a:pPr marL="171450" lvl="0" indent="-171450">
-              <a:buFontTx/>
-              <a:buChar char="-"/>
-            </a:pPr>
-            <a:r>
-              <a:rPr lang="en-US" altLang="ko-KR" sz="1000" dirty="0" smtClean="0">
-                <a:solidFill>
-                  <a:srgbClr val="333333"/>
-                </a:solidFill>
-                <a:latin typeface="Times New Roman" panose="02020603050405020304" pitchFamily="18" charset="0"/>
-              </a:rPr>
-              <a:t>F</a:t>
-            </a:r>
-            <a:r>
-              <a:rPr lang="en-US" altLang="ko-KR" sz="1000" dirty="0">
-                <a:solidFill>
-                  <a:srgbClr val="333333"/>
-                </a:solidFill>
-                <a:latin typeface="Times New Roman" panose="02020603050405020304" pitchFamily="18" charset="0"/>
-              </a:rPr>
-              <a:t>. Zhang, K. Song, and Y. Fan, “New 2D diffraction model and its applications to terahertz parallel-plate waveguide power splitters,” Scientific Reports, vol. 7, no. 1, Sep. 2017.</a:t>
-            </a:r>
-            <a:endParaRPr lang="en-US" altLang="ko-KR" sz="1000" dirty="0" smtClean="0">
-              <a:solidFill>
-                <a:srgbClr val="333333"/>
-              </a:solidFill>
-              <a:latin typeface="Times New Roman" panose="02020603050405020304" pitchFamily="18" charset="0"/>
-            </a:endParaRPr>
-          </a:p>
-        </p:txBody>
-      </p:sp>
-    </p:spTree>
-    <p:extLst>
-      <p:ext uri="{BB962C8B-B14F-4D97-AF65-F5344CB8AC3E}">
-        <p14:creationId xmlns:p14="http://schemas.microsoft.com/office/powerpoint/2010/main" val="189740324"/>
-      </p:ext>
-    </p:extLst>
-  </p:cSld>
-  <p:clrMapOvr>
-    <a:masterClrMapping/>
-  </p:clrMapOvr>
-</p:sld>
-</file>
-
-<file path=ppt/slides/slide5.xml><?xml version="1.0" encoding="utf-8"?>
 <p:sld xmlns:a="http://schemas.openxmlformats.org/drawingml/2006/main" xmlns:r="http://schemas.openxmlformats.org/officeDocument/2006/relationships" xmlns:p="http://schemas.openxmlformats.org/presentationml/2006/main">
   <p:cSld>
     <p:spTree>

--- a/개인/석사학위논문/Manuscript Preparation.pptx
+++ b/개인/석사학위논문/Manuscript Preparation.pptx
@@ -3048,31 +3048,31 @@
               <a:buChar char="•"/>
             </a:pPr>
             <a:r>
-              <a:rPr lang="en-US" altLang="ko-KR" sz="1600" dirty="0" smtClean="0"/>
+              <a:rPr lang="en-US" altLang="ko-KR" sz="1600" b="1" dirty="0" smtClean="0"/>
               <a:t>Photonic Integrated Circuits </a:t>
             </a:r>
             <a:r>
-              <a:rPr lang="en-US" altLang="ko-KR" sz="1600" dirty="0"/>
+              <a:rPr lang="en-US" altLang="ko-KR" sz="1600" b="1" dirty="0"/>
               <a:t>(PICs</a:t>
             </a:r>
             <a:r>
-              <a:rPr lang="en-US" altLang="ko-KR" sz="1600" dirty="0" smtClean="0"/>
+              <a:rPr lang="en-US" altLang="ko-KR" sz="1600" b="1" dirty="0" smtClean="0"/>
               <a:t>) based on Silicon-on-Insulator (SOI)</a:t>
             </a:r>
             <a:r>
-              <a:rPr lang="ko-KR" altLang="en-US" sz="1600" dirty="0" smtClean="0"/>
+              <a:rPr lang="ko-KR" altLang="en-US" sz="1600" b="1" dirty="0" smtClean="0"/>
               <a:t>에 </a:t>
             </a:r>
             <a:r>
-              <a:rPr lang="ko-KR" altLang="en-US" sz="1600" dirty="0"/>
+              <a:rPr lang="ko-KR" altLang="en-US" sz="1600" b="1" dirty="0"/>
               <a:t>대한 관심 </a:t>
             </a:r>
             <a:r>
-              <a:rPr lang="ko-KR" altLang="en-US" sz="1600" dirty="0" smtClean="0"/>
+              <a:rPr lang="ko-KR" altLang="en-US" sz="1600" b="1" dirty="0" smtClean="0"/>
               <a:t>증폭</a:t>
             </a:r>
             <a:r>
-              <a:rPr lang="en-US" altLang="ko-KR" sz="1600" dirty="0" smtClean="0"/>
+              <a:rPr lang="en-US" altLang="ko-KR" sz="1600" b="1" dirty="0" smtClean="0"/>
               <a:t>[1]</a:t>
             </a:r>
           </a:p>
@@ -3128,11 +3128,7 @@
             </a:r>
             <a:r>
               <a:rPr lang="en-US" altLang="ko-KR" sz="1600" dirty="0" smtClean="0"/>
-              <a:t>[2, </a:t>
-            </a:r>
-            <a:r>
-              <a:rPr lang="en-US" altLang="ko-KR" sz="1600" dirty="0" smtClean="0"/>
-              <a:t>3]</a:t>
+              <a:t>[2, 3]</a:t>
             </a:r>
           </a:p>
           <a:p>
@@ -3159,7 +3155,6 @@
               <a:rPr lang="en-US" altLang="ko-KR" sz="1600" dirty="0" smtClean="0"/>
               <a:t>Algorithm[5]</a:t>
             </a:r>
-            <a:endParaRPr lang="en-US" altLang="ko-KR" sz="1600" dirty="0" smtClean="0"/>
           </a:p>
           <a:p>
             <a:pPr marL="285750" indent="-285750">
@@ -3170,26 +3165,26 @@
               <a:buChar char="•"/>
             </a:pPr>
             <a:r>
-              <a:rPr lang="ko-KR" altLang="en-US" sz="1600" dirty="0" smtClean="0"/>
+              <a:rPr lang="ko-KR" altLang="en-US" sz="1600" b="1" dirty="0" smtClean="0"/>
               <a:t>기존에는 </a:t>
             </a:r>
             <a:r>
-              <a:rPr lang="en-US" altLang="ko-KR" sz="1600" dirty="0" smtClean="0"/>
+              <a:rPr lang="en-US" altLang="ko-KR" sz="1600" b="1" dirty="0" smtClean="0"/>
               <a:t>analytically designed structure</a:t>
             </a:r>
             <a:r>
-              <a:rPr lang="ko-KR" altLang="en-US" sz="1600" dirty="0" smtClean="0"/>
+              <a:rPr lang="ko-KR" altLang="en-US" sz="1600" b="1" dirty="0" smtClean="0"/>
               <a:t>를 바탕으로 몇가지 </a:t>
             </a:r>
             <a:r>
-              <a:rPr lang="en-US" altLang="ko-KR" sz="1600" dirty="0" smtClean="0"/>
+              <a:rPr lang="en-US" altLang="ko-KR" sz="1600" b="1" dirty="0" smtClean="0"/>
               <a:t>parameters</a:t>
             </a:r>
             <a:r>
-              <a:rPr lang="ko-KR" altLang="en-US" sz="1600" dirty="0" smtClean="0"/>
+              <a:rPr lang="ko-KR" altLang="en-US" sz="1600" b="1" dirty="0" smtClean="0"/>
               <a:t>를 조절하는 방법으로 설계</a:t>
             </a:r>
-            <a:endParaRPr lang="en-US" altLang="ko-KR" sz="1600" dirty="0" smtClean="0"/>
+            <a:endParaRPr lang="en-US" altLang="ko-KR" sz="1600" b="1" dirty="0" smtClean="0"/>
           </a:p>
           <a:p>
             <a:pPr marL="285750" indent="-285750">
@@ -3201,11 +3196,7 @@
             </a:pPr>
             <a:r>
               <a:rPr lang="en-US" altLang="ko-KR" sz="1600" dirty="0" smtClean="0"/>
-              <a:t>Example: Direct Binary Search </a:t>
-            </a:r>
-            <a:r>
-              <a:rPr lang="en-US" altLang="ko-KR" sz="1600" dirty="0" smtClean="0"/>
-              <a:t>[6], self-imaging[7, 8, </a:t>
+              <a:t>Example: Direct Binary Search [6], self-imaging[7, 8, </a:t>
             </a:r>
             <a:r>
               <a:rPr lang="en-US" altLang="ko-KR" sz="1600" dirty="0"/>
@@ -3213,17 +3204,8 @@
             </a:r>
             <a:r>
               <a:rPr lang="en-US" altLang="ko-KR" sz="1600" dirty="0" smtClean="0"/>
-              <a:t>], </a:t>
-            </a:r>
-            <a:r>
-              <a:rPr lang="en-US" altLang="ko-KR" sz="1600" dirty="0" smtClean="0"/>
-              <a:t>sweep parameter based on specific </a:t>
-            </a:r>
-            <a:r>
-              <a:rPr lang="en-US" altLang="ko-KR" sz="1600" dirty="0" smtClean="0"/>
-              <a:t>structure[10]</a:t>
-            </a:r>
-            <a:endParaRPr lang="en-US" altLang="ko-KR" sz="1600" dirty="0" smtClean="0"/>
+              <a:t>], sweep parameter based on specific structure[10]</a:t>
+            </a:r>
           </a:p>
           <a:p>
             <a:pPr marL="285750" indent="-285750">
@@ -3290,26 +3272,26 @@
               <a:buChar char="•"/>
             </a:pPr>
             <a:r>
-              <a:rPr lang="ko-KR" altLang="en-US" sz="1600" dirty="0" smtClean="0"/>
+              <a:rPr lang="ko-KR" altLang="en-US" sz="1600" b="1" dirty="0" smtClean="0"/>
               <a:t>최근 </a:t>
             </a:r>
             <a:r>
-              <a:rPr lang="en-US" altLang="ko-KR" sz="1600" dirty="0" smtClean="0"/>
+              <a:rPr lang="en-US" altLang="ko-KR" sz="1600" b="1" dirty="0" smtClean="0"/>
               <a:t>machine learning</a:t>
             </a:r>
             <a:r>
-              <a:rPr lang="ko-KR" altLang="en-US" sz="1600" dirty="0" smtClean="0"/>
+              <a:rPr lang="ko-KR" altLang="en-US" sz="1600" b="1" dirty="0" smtClean="0"/>
               <a:t>을 활용한 </a:t>
             </a:r>
             <a:r>
-              <a:rPr lang="en-US" altLang="ko-KR" sz="1600" dirty="0" smtClean="0"/>
+              <a:rPr lang="en-US" altLang="ko-KR" sz="1600" b="1" dirty="0" smtClean="0"/>
               <a:t>design </a:t>
             </a:r>
             <a:r>
-              <a:rPr lang="ko-KR" altLang="en-US" sz="1600" dirty="0" smtClean="0"/>
+              <a:rPr lang="ko-KR" altLang="en-US" sz="1600" b="1" dirty="0" smtClean="0"/>
               <a:t>방법</a:t>
             </a:r>
-            <a:endParaRPr lang="en-US" altLang="ko-KR" sz="1600" dirty="0" smtClean="0"/>
+            <a:endParaRPr lang="en-US" altLang="ko-KR" sz="1600" b="1" dirty="0" smtClean="0"/>
           </a:p>
           <a:p>
             <a:pPr marL="285750" indent="-285750">
@@ -3329,17 +3311,8 @@
             </a:r>
             <a:r>
               <a:rPr lang="en-US" altLang="ko-KR" sz="1600" dirty="0" smtClean="0"/>
-              <a:t>optimization[11, 12, 13], </a:t>
-            </a:r>
-            <a:r>
-              <a:rPr lang="en-US" altLang="ko-KR" sz="1600" dirty="0" smtClean="0"/>
-              <a:t>Artificial Neural Networks [</a:t>
-            </a:r>
-            <a:r>
-              <a:rPr lang="en-US" altLang="ko-KR" sz="1600" dirty="0" smtClean="0"/>
-              <a:t>14, 15]</a:t>
-            </a:r>
-            <a:endParaRPr lang="en-US" altLang="ko-KR" sz="1600" dirty="0" smtClean="0"/>
+              <a:t>optimization[11, 12, 13], Artificial Neural Networks [14, 15]</a:t>
+            </a:r>
           </a:p>
           <a:p>
             <a:pPr marL="285750" indent="-285750">
@@ -3865,12 +3838,6 @@
               </a:rPr>
               <a:t>.</a:t>
             </a:r>
-            <a:endParaRPr lang="en-US" altLang="ko-KR" sz="1000" dirty="0" smtClean="0">
-              <a:solidFill>
-                <a:srgbClr val="333333"/>
-              </a:solidFill>
-              <a:latin typeface="Times New Roman" panose="02020603050405020304" pitchFamily="18" charset="0"/>
-            </a:endParaRPr>
           </a:p>
           <a:p>
             <a:pPr marL="228600" indent="-228600">
@@ -5129,14 +5096,13 @@
               <a:buChar char="•"/>
             </a:pPr>
             <a:r>
-              <a:rPr lang="en-US" altLang="ko-KR" sz="1600" dirty="0"/>
+              <a:rPr lang="en-US" altLang="ko-KR" sz="1600" b="1" dirty="0"/>
               <a:t>Perceptron-like machine learning algorithm[16</a:t>
             </a:r>
             <a:r>
-              <a:rPr lang="en-US" altLang="ko-KR" sz="1600" dirty="0" smtClean="0"/>
+              <a:rPr lang="en-US" altLang="ko-KR" sz="1600" b="1" dirty="0" smtClean="0"/>
               <a:t>]</a:t>
             </a:r>
-            <a:endParaRPr lang="en-US" altLang="ko-KR" sz="1600" dirty="0" smtClean="0"/>
           </a:p>
           <a:p>
             <a:pPr marL="285750" indent="-285750">
@@ -5158,7 +5124,6 @@
               <a:rPr lang="en-US" altLang="ko-KR" sz="1600" dirty="0" smtClean="0"/>
               <a:t>”[17]</a:t>
             </a:r>
-            <a:endParaRPr lang="en-US" altLang="ko-KR" sz="1600" dirty="0" smtClean="0"/>
           </a:p>
           <a:p>
             <a:pPr marL="285750" indent="-285750">
@@ -5170,11 +5135,7 @@
             </a:pPr>
             <a:r>
               <a:rPr lang="en-US" altLang="ko-KR" sz="1600" dirty="0" smtClean="0"/>
-              <a:t>20 </a:t>
-            </a:r>
-            <a:r>
-              <a:rPr lang="en-US" altLang="ko-KR" sz="1600" dirty="0" smtClean="0"/>
-              <a:t>x 10 binary matrix</a:t>
+              <a:t>20 x 10 binary matrix</a:t>
             </a:r>
           </a:p>
           <a:p>
@@ -5187,11 +5148,7 @@
             </a:pPr>
             <a:r>
               <a:rPr lang="en-US" altLang="ko-KR" sz="1600" dirty="0" smtClean="0"/>
-              <a:t>“1” for etched (air), “0” for not etched (Si</a:t>
-            </a:r>
-            <a:r>
-              <a:rPr lang="en-US" altLang="ko-KR" sz="1600" dirty="0" smtClean="0"/>
-              <a:t>)</a:t>
+              <a:t>“1” for etched (air), “0” for not etched (Si)</a:t>
             </a:r>
           </a:p>
           <a:p>
@@ -5206,7 +5163,6 @@
               <a:rPr lang="en-US" altLang="ko-KR" sz="1600" dirty="0" smtClean="0"/>
               <a:t>Reward = min(T1) + min(T2) - R</a:t>
             </a:r>
-            <a:endParaRPr lang="en-US" altLang="ko-KR" sz="1600" dirty="0" smtClean="0"/>
           </a:p>
           <a:p>
             <a:pPr marL="285750" indent="-285750">
@@ -5241,11 +5197,11 @@
               <a:buChar char="•"/>
             </a:pPr>
             <a:r>
-              <a:rPr lang="en-US" altLang="ko-KR" sz="1600" dirty="0" smtClean="0"/>
-              <a:t>integrated </a:t>
-            </a:r>
-            <a:r>
-              <a:rPr lang="en-US" altLang="ko-KR" sz="1600" dirty="0"/>
+              <a:rPr lang="en-US" altLang="ko-KR" sz="1600" b="1" dirty="0" smtClean="0"/>
+              <a:t>Integrated </a:t>
+            </a:r>
+            <a:r>
+              <a:rPr lang="en-US" altLang="ko-KR" sz="1600" b="1" dirty="0"/>
               <a:t>photonic 1x3 power splitter</a:t>
             </a:r>
           </a:p>
@@ -5259,13 +5215,8 @@
             </a:pPr>
             <a:r>
               <a:rPr lang="en-US" altLang="ko-KR" sz="1600" dirty="0" smtClean="0"/>
-              <a:t>SOI platform: 9 um radii, 20x20 air-hole</a:t>
-            </a:r>
-            <a:r>
-              <a:rPr lang="en-US" altLang="ko-KR" sz="1600" dirty="0" smtClean="0"/>
-              <a:t> on 500 um box</a:t>
-            </a:r>
-            <a:endParaRPr lang="en-US" altLang="ko-KR" sz="1600" dirty="0" smtClean="0"/>
+              <a:t>SOI platform: 9 um radii, 20x20 air-hole on 500 um box</a:t>
+            </a:r>
           </a:p>
           <a:p>
             <a:pPr marL="285750" indent="-285750">
@@ -5339,7 +5290,7 @@
               <a:buChar char="•"/>
             </a:pPr>
             <a:r>
-              <a:rPr lang="en-US" altLang="ko-KR" sz="1600" dirty="0"/>
+              <a:rPr lang="en-US" altLang="ko-KR" sz="1600" b="1" dirty="0"/>
               <a:t>Generate labeled data for training phase</a:t>
             </a:r>
           </a:p>
@@ -5643,84 +5594,6 @@
           </a:p>
         </p:txBody>
       </p:sp>
-      <p:pic>
-        <p:nvPicPr>
-          <p:cNvPr id="6" name="그림 5"/>
-          <p:cNvPicPr>
-            <a:picLocks noChangeAspect="1"/>
-          </p:cNvPicPr>
-          <p:nvPr/>
-        </p:nvPicPr>
-        <p:blipFill>
-          <a:blip r:embed="rId2"/>
-          <a:stretch>
-            <a:fillRect/>
-          </a:stretch>
-        </p:blipFill>
-        <p:spPr>
-          <a:xfrm>
-            <a:off x="9465778" y="319899"/>
-            <a:ext cx="2726223" cy="2142476"/>
-          </a:xfrm>
-          <a:prstGeom prst="rect">
-            <a:avLst/>
-          </a:prstGeom>
-        </p:spPr>
-      </p:pic>
-      <p:pic>
-        <p:nvPicPr>
-          <p:cNvPr id="8" name="그림 7"/>
-          <p:cNvPicPr>
-            <a:picLocks noChangeAspect="1"/>
-          </p:cNvPicPr>
-          <p:nvPr/>
-        </p:nvPicPr>
-        <p:blipFill>
-          <a:blip r:embed="rId3"/>
-          <a:stretch>
-            <a:fillRect/>
-          </a:stretch>
-        </p:blipFill>
-        <p:spPr>
-          <a:xfrm>
-            <a:off x="7413393" y="2564964"/>
-            <a:ext cx="4778607" cy="1446798"/>
-          </a:xfrm>
-          <a:prstGeom prst="rect">
-            <a:avLst/>
-          </a:prstGeom>
-        </p:spPr>
-      </p:pic>
-      <p:pic>
-        <p:nvPicPr>
-          <p:cNvPr id="9" name="그림 8"/>
-          <p:cNvPicPr>
-            <a:picLocks noChangeAspect="1"/>
-          </p:cNvPicPr>
-          <p:nvPr/>
-        </p:nvPicPr>
-        <p:blipFill>
-          <a:blip r:embed="rId4" cstate="print">
-            <a:extLst>
-              <a:ext uri="{28A0092B-C50C-407E-A947-70E740481C1C}">
-                <a14:useLocalDpi xmlns:a14="http://schemas.microsoft.com/office/drawing/2010/main" val="0"/>
-              </a:ext>
-            </a:extLst>
-          </a:blip>
-          <a:stretch>
-            <a:fillRect/>
-          </a:stretch>
-        </p:blipFill>
-        <p:spPr>
-          <a:xfrm>
-            <a:off x="9597741" y="4073130"/>
-            <a:ext cx="2462296" cy="1846722"/>
-          </a:xfrm>
-          <a:prstGeom prst="rect">
-            <a:avLst/>
-          </a:prstGeom>
-        </p:spPr>
-      </p:pic>
     </p:spTree>
     <p:extLst>
       <p:ext uri="{BB962C8B-B14F-4D97-AF65-F5344CB8AC3E}">
@@ -5864,30 +5737,6 @@
           </a:p>
         </p:txBody>
       </p:sp>
-      <p:pic>
-        <p:nvPicPr>
-          <p:cNvPr id="2" name="그림 1"/>
-          <p:cNvPicPr>
-            <a:picLocks noChangeAspect="1"/>
-          </p:cNvPicPr>
-          <p:nvPr/>
-        </p:nvPicPr>
-        <p:blipFill>
-          <a:blip r:embed="rId2"/>
-          <a:stretch>
-            <a:fillRect/>
-          </a:stretch>
-        </p:blipFill>
-        <p:spPr>
-          <a:xfrm>
-            <a:off x="7286625" y="1600439"/>
-            <a:ext cx="4457700" cy="4221269"/>
-          </a:xfrm>
-          <a:prstGeom prst="rect">
-            <a:avLst/>
-          </a:prstGeom>
-        </p:spPr>
-      </p:pic>
     </p:spTree>
     <p:extLst>
       <p:ext uri="{BB962C8B-B14F-4D97-AF65-F5344CB8AC3E}">

--- a/개인/석사학위논문/Manuscript Preparation.pptx
+++ b/개인/석사학위논문/Manuscript Preparation.pptx
@@ -7,8 +7,9 @@
   <p:sldIdLst>
     <p:sldId id="264" r:id="rId2"/>
     <p:sldId id="265" r:id="rId3"/>
-    <p:sldId id="267" r:id="rId4"/>
-    <p:sldId id="258" r:id="rId5"/>
+    <p:sldId id="268" r:id="rId4"/>
+    <p:sldId id="267" r:id="rId5"/>
+    <p:sldId id="258" r:id="rId6"/>
   </p:sldIdLst>
   <p:sldSz cx="12192000" cy="6858000"/>
   <p:notesSz cx="6858000" cy="9144000"/>
@@ -246,7 +247,7 @@
           <a:p>
             <a:fld id="{CEDA20BB-A36C-44CB-A9A0-32BED543DE31}" type="datetimeFigureOut">
               <a:rPr lang="ko-KR" altLang="en-US" smtClean="0"/>
-              <a:t>2019-09-09</a:t>
+              <a:t>2019-09-10</a:t>
             </a:fld>
             <a:endParaRPr lang="ko-KR" altLang="en-US"/>
           </a:p>
@@ -416,7 +417,7 @@
           <a:p>
             <a:fld id="{CEDA20BB-A36C-44CB-A9A0-32BED543DE31}" type="datetimeFigureOut">
               <a:rPr lang="ko-KR" altLang="en-US" smtClean="0"/>
-              <a:t>2019-09-09</a:t>
+              <a:t>2019-09-10</a:t>
             </a:fld>
             <a:endParaRPr lang="ko-KR" altLang="en-US"/>
           </a:p>
@@ -596,7 +597,7 @@
           <a:p>
             <a:fld id="{CEDA20BB-A36C-44CB-A9A0-32BED543DE31}" type="datetimeFigureOut">
               <a:rPr lang="ko-KR" altLang="en-US" smtClean="0"/>
-              <a:t>2019-09-09</a:t>
+              <a:t>2019-09-10</a:t>
             </a:fld>
             <a:endParaRPr lang="ko-KR" altLang="en-US"/>
           </a:p>
@@ -766,7 +767,7 @@
           <a:p>
             <a:fld id="{CEDA20BB-A36C-44CB-A9A0-32BED543DE31}" type="datetimeFigureOut">
               <a:rPr lang="ko-KR" altLang="en-US" smtClean="0"/>
-              <a:t>2019-09-09</a:t>
+              <a:t>2019-09-10</a:t>
             </a:fld>
             <a:endParaRPr lang="ko-KR" altLang="en-US"/>
           </a:p>
@@ -1012,7 +1013,7 @@
           <a:p>
             <a:fld id="{CEDA20BB-A36C-44CB-A9A0-32BED543DE31}" type="datetimeFigureOut">
               <a:rPr lang="ko-KR" altLang="en-US" smtClean="0"/>
-              <a:t>2019-09-09</a:t>
+              <a:t>2019-09-10</a:t>
             </a:fld>
             <a:endParaRPr lang="ko-KR" altLang="en-US"/>
           </a:p>
@@ -1244,7 +1245,7 @@
           <a:p>
             <a:fld id="{CEDA20BB-A36C-44CB-A9A0-32BED543DE31}" type="datetimeFigureOut">
               <a:rPr lang="ko-KR" altLang="en-US" smtClean="0"/>
-              <a:t>2019-09-09</a:t>
+              <a:t>2019-09-10</a:t>
             </a:fld>
             <a:endParaRPr lang="ko-KR" altLang="en-US"/>
           </a:p>
@@ -1611,7 +1612,7 @@
           <a:p>
             <a:fld id="{CEDA20BB-A36C-44CB-A9A0-32BED543DE31}" type="datetimeFigureOut">
               <a:rPr lang="ko-KR" altLang="en-US" smtClean="0"/>
-              <a:t>2019-09-09</a:t>
+              <a:t>2019-09-10</a:t>
             </a:fld>
             <a:endParaRPr lang="ko-KR" altLang="en-US"/>
           </a:p>
@@ -1729,7 +1730,7 @@
           <a:p>
             <a:fld id="{CEDA20BB-A36C-44CB-A9A0-32BED543DE31}" type="datetimeFigureOut">
               <a:rPr lang="ko-KR" altLang="en-US" smtClean="0"/>
-              <a:t>2019-09-09</a:t>
+              <a:t>2019-09-10</a:t>
             </a:fld>
             <a:endParaRPr lang="ko-KR" altLang="en-US"/>
           </a:p>
@@ -1824,7 +1825,7 @@
           <a:p>
             <a:fld id="{CEDA20BB-A36C-44CB-A9A0-32BED543DE31}" type="datetimeFigureOut">
               <a:rPr lang="ko-KR" altLang="en-US" smtClean="0"/>
-              <a:t>2019-09-09</a:t>
+              <a:t>2019-09-10</a:t>
             </a:fld>
             <a:endParaRPr lang="ko-KR" altLang="en-US"/>
           </a:p>
@@ -2101,7 +2102,7 @@
           <a:p>
             <a:fld id="{CEDA20BB-A36C-44CB-A9A0-32BED543DE31}" type="datetimeFigureOut">
               <a:rPr lang="ko-KR" altLang="en-US" smtClean="0"/>
-              <a:t>2019-09-09</a:t>
+              <a:t>2019-09-10</a:t>
             </a:fld>
             <a:endParaRPr lang="ko-KR" altLang="en-US"/>
           </a:p>
@@ -2354,7 +2355,7 @@
           <a:p>
             <a:fld id="{CEDA20BB-A36C-44CB-A9A0-32BED543DE31}" type="datetimeFigureOut">
               <a:rPr lang="ko-KR" altLang="en-US" smtClean="0"/>
-              <a:t>2019-09-09</a:t>
+              <a:t>2019-09-10</a:t>
             </a:fld>
             <a:endParaRPr lang="ko-KR" altLang="en-US"/>
           </a:p>
@@ -2567,7 +2568,7 @@
           <a:p>
             <a:fld id="{CEDA20BB-A36C-44CB-A9A0-32BED543DE31}" type="datetimeFigureOut">
               <a:rPr lang="ko-KR" altLang="en-US" smtClean="0"/>
-              <a:t>2019-09-09</a:t>
+              <a:t>2019-09-10</a:t>
             </a:fld>
             <a:endParaRPr lang="ko-KR" altLang="en-US"/>
           </a:p>
@@ -3048,31 +3049,31 @@
               <a:buChar char="•"/>
             </a:pPr>
             <a:r>
-              <a:rPr lang="en-US" altLang="ko-KR" sz="1600" dirty="0" smtClean="0"/>
+              <a:rPr lang="en-US" altLang="ko-KR" sz="1600" b="1" dirty="0" smtClean="0"/>
               <a:t>Photonic Integrated Circuits </a:t>
             </a:r>
             <a:r>
-              <a:rPr lang="en-US" altLang="ko-KR" sz="1600" dirty="0"/>
+              <a:rPr lang="en-US" altLang="ko-KR" sz="1600" b="1" dirty="0"/>
               <a:t>(PICs</a:t>
             </a:r>
             <a:r>
-              <a:rPr lang="en-US" altLang="ko-KR" sz="1600" dirty="0" smtClean="0"/>
+              <a:rPr lang="en-US" altLang="ko-KR" sz="1600" b="1" dirty="0" smtClean="0"/>
               <a:t>) based on Silicon-on-Insulator (SOI)</a:t>
             </a:r>
             <a:r>
-              <a:rPr lang="ko-KR" altLang="en-US" sz="1600" dirty="0" smtClean="0"/>
+              <a:rPr lang="ko-KR" altLang="en-US" sz="1600" b="1" dirty="0" smtClean="0"/>
               <a:t>에 </a:t>
             </a:r>
             <a:r>
-              <a:rPr lang="ko-KR" altLang="en-US" sz="1600" dirty="0"/>
+              <a:rPr lang="ko-KR" altLang="en-US" sz="1600" b="1" dirty="0"/>
               <a:t>대한 관심 </a:t>
             </a:r>
             <a:r>
-              <a:rPr lang="ko-KR" altLang="en-US" sz="1600" dirty="0" smtClean="0"/>
+              <a:rPr lang="ko-KR" altLang="en-US" sz="1600" b="1" dirty="0" smtClean="0"/>
               <a:t>증폭</a:t>
             </a:r>
             <a:r>
-              <a:rPr lang="en-US" altLang="ko-KR" sz="1600" dirty="0" smtClean="0"/>
+              <a:rPr lang="en-US" altLang="ko-KR" sz="1600" b="1" dirty="0" smtClean="0"/>
               <a:t>[1]</a:t>
             </a:r>
           </a:p>
@@ -3128,11 +3129,7 @@
             </a:r>
             <a:r>
               <a:rPr lang="en-US" altLang="ko-KR" sz="1600" dirty="0" smtClean="0"/>
-              <a:t>[2, </a:t>
-            </a:r>
-            <a:r>
-              <a:rPr lang="en-US" altLang="ko-KR" sz="1600" dirty="0" smtClean="0"/>
-              <a:t>3]</a:t>
+              <a:t>[2, 3]</a:t>
             </a:r>
           </a:p>
           <a:p>
@@ -3159,7 +3156,6 @@
               <a:rPr lang="en-US" altLang="ko-KR" sz="1600" dirty="0" smtClean="0"/>
               <a:t>Algorithm[5]</a:t>
             </a:r>
-            <a:endParaRPr lang="en-US" altLang="ko-KR" sz="1600" dirty="0" smtClean="0"/>
           </a:p>
           <a:p>
             <a:pPr marL="285750" indent="-285750">
@@ -3170,26 +3166,26 @@
               <a:buChar char="•"/>
             </a:pPr>
             <a:r>
-              <a:rPr lang="ko-KR" altLang="en-US" sz="1600" dirty="0" smtClean="0"/>
+              <a:rPr lang="ko-KR" altLang="en-US" sz="1600" b="1" dirty="0" smtClean="0"/>
               <a:t>기존에는 </a:t>
             </a:r>
             <a:r>
-              <a:rPr lang="en-US" altLang="ko-KR" sz="1600" dirty="0" smtClean="0"/>
+              <a:rPr lang="en-US" altLang="ko-KR" sz="1600" b="1" dirty="0" smtClean="0"/>
               <a:t>analytically designed structure</a:t>
             </a:r>
             <a:r>
-              <a:rPr lang="ko-KR" altLang="en-US" sz="1600" dirty="0" smtClean="0"/>
+              <a:rPr lang="ko-KR" altLang="en-US" sz="1600" b="1" dirty="0" smtClean="0"/>
               <a:t>를 바탕으로 몇가지 </a:t>
             </a:r>
             <a:r>
-              <a:rPr lang="en-US" altLang="ko-KR" sz="1600" dirty="0" smtClean="0"/>
+              <a:rPr lang="en-US" altLang="ko-KR" sz="1600" b="1" dirty="0" smtClean="0"/>
               <a:t>parameters</a:t>
             </a:r>
             <a:r>
-              <a:rPr lang="ko-KR" altLang="en-US" sz="1600" dirty="0" smtClean="0"/>
+              <a:rPr lang="ko-KR" altLang="en-US" sz="1600" b="1" dirty="0" smtClean="0"/>
               <a:t>를 조절하는 방법으로 설계</a:t>
             </a:r>
-            <a:endParaRPr lang="en-US" altLang="ko-KR" sz="1600" dirty="0" smtClean="0"/>
+            <a:endParaRPr lang="en-US" altLang="ko-KR" sz="1600" b="1" dirty="0" smtClean="0"/>
           </a:p>
           <a:p>
             <a:pPr marL="285750" indent="-285750">
@@ -3201,11 +3197,7 @@
             </a:pPr>
             <a:r>
               <a:rPr lang="en-US" altLang="ko-KR" sz="1600" dirty="0" smtClean="0"/>
-              <a:t>Example: Direct Binary Search </a:t>
-            </a:r>
-            <a:r>
-              <a:rPr lang="en-US" altLang="ko-KR" sz="1600" dirty="0" smtClean="0"/>
-              <a:t>[6], self-imaging[7, 8, </a:t>
+              <a:t>Example: Direct Binary Search [6], self-imaging[7, 8, </a:t>
             </a:r>
             <a:r>
               <a:rPr lang="en-US" altLang="ko-KR" sz="1600" dirty="0"/>
@@ -3213,17 +3205,8 @@
             </a:r>
             <a:r>
               <a:rPr lang="en-US" altLang="ko-KR" sz="1600" dirty="0" smtClean="0"/>
-              <a:t>], </a:t>
-            </a:r>
-            <a:r>
-              <a:rPr lang="en-US" altLang="ko-KR" sz="1600" dirty="0" smtClean="0"/>
-              <a:t>sweep parameter based on specific </a:t>
-            </a:r>
-            <a:r>
-              <a:rPr lang="en-US" altLang="ko-KR" sz="1600" dirty="0" smtClean="0"/>
-              <a:t>structure[10]</a:t>
-            </a:r>
-            <a:endParaRPr lang="en-US" altLang="ko-KR" sz="1600" dirty="0" smtClean="0"/>
+              <a:t>], sweep parameter based on specific structure[10]</a:t>
+            </a:r>
           </a:p>
           <a:p>
             <a:pPr marL="285750" indent="-285750">
@@ -3290,26 +3273,26 @@
               <a:buChar char="•"/>
             </a:pPr>
             <a:r>
-              <a:rPr lang="ko-KR" altLang="en-US" sz="1600" dirty="0" smtClean="0"/>
+              <a:rPr lang="ko-KR" altLang="en-US" sz="1600" b="1" dirty="0" smtClean="0"/>
               <a:t>최근 </a:t>
             </a:r>
             <a:r>
-              <a:rPr lang="en-US" altLang="ko-KR" sz="1600" dirty="0" smtClean="0"/>
+              <a:rPr lang="en-US" altLang="ko-KR" sz="1600" b="1" dirty="0" smtClean="0"/>
               <a:t>machine learning</a:t>
             </a:r>
             <a:r>
-              <a:rPr lang="ko-KR" altLang="en-US" sz="1600" dirty="0" smtClean="0"/>
+              <a:rPr lang="ko-KR" altLang="en-US" sz="1600" b="1" dirty="0" smtClean="0"/>
               <a:t>을 활용한 </a:t>
             </a:r>
             <a:r>
-              <a:rPr lang="en-US" altLang="ko-KR" sz="1600" dirty="0" smtClean="0"/>
+              <a:rPr lang="en-US" altLang="ko-KR" sz="1600" b="1" dirty="0" smtClean="0"/>
               <a:t>design </a:t>
             </a:r>
             <a:r>
-              <a:rPr lang="ko-KR" altLang="en-US" sz="1600" dirty="0" smtClean="0"/>
+              <a:rPr lang="ko-KR" altLang="en-US" sz="1600" b="1" dirty="0" smtClean="0"/>
               <a:t>방법</a:t>
             </a:r>
-            <a:endParaRPr lang="en-US" altLang="ko-KR" sz="1600" dirty="0" smtClean="0"/>
+            <a:endParaRPr lang="en-US" altLang="ko-KR" sz="1600" b="1" dirty="0" smtClean="0"/>
           </a:p>
           <a:p>
             <a:pPr marL="285750" indent="-285750">
@@ -3329,17 +3312,8 @@
             </a:r>
             <a:r>
               <a:rPr lang="en-US" altLang="ko-KR" sz="1600" dirty="0" smtClean="0"/>
-              <a:t>optimization[11, 12, 13], </a:t>
-            </a:r>
-            <a:r>
-              <a:rPr lang="en-US" altLang="ko-KR" sz="1600" dirty="0" smtClean="0"/>
-              <a:t>Artificial Neural Networks [</a:t>
-            </a:r>
-            <a:r>
-              <a:rPr lang="en-US" altLang="ko-KR" sz="1600" dirty="0" smtClean="0"/>
-              <a:t>14, 15]</a:t>
-            </a:r>
-            <a:endParaRPr lang="en-US" altLang="ko-KR" sz="1600" dirty="0" smtClean="0"/>
+              <a:t>optimization[11, 12, 13], Artificial Neural Networks [14, 15]</a:t>
+            </a:r>
           </a:p>
           <a:p>
             <a:pPr marL="285750" indent="-285750">
@@ -3865,12 +3839,6 @@
               </a:rPr>
               <a:t>.</a:t>
             </a:r>
-            <a:endParaRPr lang="en-US" altLang="ko-KR" sz="1000" dirty="0" smtClean="0">
-              <a:solidFill>
-                <a:srgbClr val="333333"/>
-              </a:solidFill>
-              <a:latin typeface="Times New Roman" panose="02020603050405020304" pitchFamily="18" charset="0"/>
-            </a:endParaRPr>
           </a:p>
           <a:p>
             <a:pPr marL="228600" indent="-228600">
@@ -5092,7 +5060,7 @@
         <p:spPr>
           <a:xfrm>
             <a:off x="1" y="400110"/>
-            <a:ext cx="8730761" cy="6001643"/>
+            <a:ext cx="12191999" cy="3046988"/>
           </a:xfrm>
           <a:prstGeom prst="rect">
             <a:avLst/>
@@ -5129,14 +5097,13 @@
               <a:buChar char="•"/>
             </a:pPr>
             <a:r>
-              <a:rPr lang="en-US" altLang="ko-KR" sz="1600" dirty="0"/>
+              <a:rPr lang="en-US" altLang="ko-KR" sz="1600" b="1" dirty="0"/>
               <a:t>Perceptron-like machine learning algorithm[16</a:t>
             </a:r>
             <a:r>
-              <a:rPr lang="en-US" altLang="ko-KR" sz="1600" dirty="0" smtClean="0"/>
+              <a:rPr lang="en-US" altLang="ko-KR" sz="1600" b="1" dirty="0" smtClean="0"/>
               <a:t>]</a:t>
             </a:r>
-            <a:endParaRPr lang="en-US" altLang="ko-KR" sz="1600" dirty="0" smtClean="0"/>
           </a:p>
           <a:p>
             <a:pPr marL="285750" indent="-285750">
@@ -5158,7 +5125,6 @@
               <a:rPr lang="en-US" altLang="ko-KR" sz="1600" dirty="0" smtClean="0"/>
               <a:t>”[17]</a:t>
             </a:r>
-            <a:endParaRPr lang="en-US" altLang="ko-KR" sz="1600" dirty="0" smtClean="0"/>
           </a:p>
           <a:p>
             <a:pPr marL="285750" indent="-285750">
@@ -5170,12 +5136,13 @@
             </a:pPr>
             <a:r>
               <a:rPr lang="en-US" altLang="ko-KR" sz="1600" dirty="0" smtClean="0"/>
-              <a:t>20 </a:t>
+              <a:t>20 x 10 binary </a:t>
             </a:r>
             <a:r>
               <a:rPr lang="en-US" altLang="ko-KR" sz="1600" dirty="0" smtClean="0"/>
-              <a:t>x 10 binary matrix</a:t>
-            </a:r>
+              <a:t>matrix by symmetry</a:t>
+            </a:r>
+            <a:endParaRPr lang="en-US" altLang="ko-KR" sz="1600" dirty="0" smtClean="0"/>
           </a:p>
           <a:p>
             <a:pPr marL="285750" indent="-285750">
@@ -5187,11 +5154,7 @@
             </a:pPr>
             <a:r>
               <a:rPr lang="en-US" altLang="ko-KR" sz="1600" dirty="0" smtClean="0"/>
-              <a:t>“1” for etched (air), “0” for not etched (Si</a:t>
-            </a:r>
-            <a:r>
-              <a:rPr lang="en-US" altLang="ko-KR" sz="1600" dirty="0" smtClean="0"/>
-              <a:t>)</a:t>
+              <a:t>“1” for etched (air), “0” for not etched (Si)</a:t>
             </a:r>
           </a:p>
           <a:p>
@@ -5204,7 +5167,11 @@
             </a:pPr>
             <a:r>
               <a:rPr lang="en-US" altLang="ko-KR" sz="1600" dirty="0" smtClean="0"/>
-              <a:t>Reward = min(T1) + min(T2) - R</a:t>
+              <a:t>Reward = min(T1) + min(T2) </a:t>
+            </a:r>
+            <a:r>
+              <a:rPr lang="en-US" altLang="ko-KR" sz="1600" dirty="0" smtClean="0"/>
+              <a:t>+ min(T3) - |R|, maximize given reward</a:t>
             </a:r>
             <a:endParaRPr lang="en-US" altLang="ko-KR" sz="1600" dirty="0" smtClean="0"/>
           </a:p>
@@ -5228,165 +5195,16 @@
                 <a:latin typeface="Times New Roman" panose="02020603050405020304" pitchFamily="18" charset="0"/>
                 <a:cs typeface="Times New Roman" panose="02020603050405020304" pitchFamily="18" charset="0"/>
               </a:rPr>
-              <a:t>Algorithm flowchart</a:t>
+              <a:t>Algorithm </a:t>
+            </a:r>
+            <a:r>
+              <a:rPr lang="en-US" altLang="ko-KR" sz="1600" i="1" dirty="0" smtClean="0">
+                <a:latin typeface="Times New Roman" panose="02020603050405020304" pitchFamily="18" charset="0"/>
+                <a:cs typeface="Times New Roman" panose="02020603050405020304" pitchFamily="18" charset="0"/>
+              </a:rPr>
+              <a:t>flowchart</a:t>
             </a:r>
             <a:endParaRPr lang="en-US" altLang="ko-KR" sz="1600" dirty="0" smtClean="0"/>
-          </a:p>
-          <a:p>
-            <a:pPr marL="285750" indent="-285750">
-              <a:lnSpc>
-                <a:spcPct val="150000"/>
-              </a:lnSpc>
-              <a:buFont typeface="Arial" panose="020B0604020202020204" pitchFamily="34" charset="0"/>
-              <a:buChar char="•"/>
-            </a:pPr>
-            <a:r>
-              <a:rPr lang="en-US" altLang="ko-KR" sz="1600" dirty="0" smtClean="0"/>
-              <a:t>integrated </a:t>
-            </a:r>
-            <a:r>
-              <a:rPr lang="en-US" altLang="ko-KR" sz="1600" dirty="0"/>
-              <a:t>photonic 1x3 power splitter</a:t>
-            </a:r>
-          </a:p>
-          <a:p>
-            <a:pPr marL="285750" indent="-285750">
-              <a:lnSpc>
-                <a:spcPct val="150000"/>
-              </a:lnSpc>
-              <a:buFontTx/>
-              <a:buChar char="-"/>
-            </a:pPr>
-            <a:r>
-              <a:rPr lang="en-US" altLang="ko-KR" sz="1600" dirty="0" smtClean="0"/>
-              <a:t>SOI platform: 9 um radii, 20x20 air-hole</a:t>
-            </a:r>
-            <a:r>
-              <a:rPr lang="en-US" altLang="ko-KR" sz="1600" dirty="0" smtClean="0"/>
-              <a:t> on 500 um box</a:t>
-            </a:r>
-            <a:endParaRPr lang="en-US" altLang="ko-KR" sz="1600" dirty="0" smtClean="0"/>
-          </a:p>
-          <a:p>
-            <a:pPr marL="285750" indent="-285750">
-              <a:lnSpc>
-                <a:spcPct val="150000"/>
-              </a:lnSpc>
-              <a:buFontTx/>
-              <a:buChar char="-"/>
-            </a:pPr>
-            <a:r>
-              <a:rPr lang="en-US" altLang="ko-KR" sz="1600" dirty="0" smtClean="0"/>
-              <a:t>not </a:t>
-            </a:r>
-            <a:r>
-              <a:rPr lang="en-US" altLang="ko-KR" sz="1600" dirty="0"/>
-              <a:t>aim to maximize the operation </a:t>
-            </a:r>
-            <a:r>
-              <a:rPr lang="en-US" altLang="ko-KR" sz="1600" dirty="0" smtClean="0"/>
-              <a:t>bandwidth, broadband transmission 275 ~ 325 um</a:t>
-            </a:r>
-            <a:endParaRPr lang="en-US" altLang="ko-KR" sz="1600" dirty="0"/>
-          </a:p>
-          <a:p>
-            <a:pPr marL="285750" indent="-285750">
-              <a:lnSpc>
-                <a:spcPct val="150000"/>
-              </a:lnSpc>
-              <a:buFontTx/>
-              <a:buChar char="-"/>
-            </a:pPr>
-            <a:r>
-              <a:rPr lang="en-US" altLang="ko-KR" sz="1600" dirty="0"/>
-              <a:t>1:1:1 </a:t>
-            </a:r>
-            <a:r>
-              <a:rPr lang="en-US" altLang="ko-KR" sz="1600" dirty="0" smtClean="0"/>
-              <a:t>uniform</a:t>
-            </a:r>
-          </a:p>
-          <a:p>
-            <a:pPr marL="285750" indent="-285750">
-              <a:lnSpc>
-                <a:spcPct val="150000"/>
-              </a:lnSpc>
-              <a:buFontTx/>
-              <a:buChar char="-"/>
-            </a:pPr>
-            <a:r>
-              <a:rPr lang="en-US" altLang="ko-KR" sz="1600" i="1" dirty="0">
-                <a:latin typeface="Times New Roman" panose="02020603050405020304" pitchFamily="18" charset="0"/>
-                <a:cs typeface="Times New Roman" panose="02020603050405020304" pitchFamily="18" charset="0"/>
-              </a:rPr>
-              <a:t>Figure: </a:t>
-            </a:r>
-            <a:r>
-              <a:rPr lang="en-US" altLang="ko-KR" sz="1600" i="1" dirty="0" smtClean="0">
-                <a:latin typeface="Times New Roman" panose="02020603050405020304" pitchFamily="18" charset="0"/>
-                <a:cs typeface="Times New Roman" panose="02020603050405020304" pitchFamily="18" charset="0"/>
-              </a:rPr>
-              <a:t>Design base structure and condition</a:t>
-            </a:r>
-            <a:endParaRPr lang="en-US" altLang="ko-KR" sz="1600" dirty="0" smtClean="0"/>
-          </a:p>
-          <a:p>
-            <a:pPr marL="285750" indent="-285750">
-              <a:lnSpc>
-                <a:spcPct val="150000"/>
-              </a:lnSpc>
-              <a:buFont typeface="Arial" panose="020B0604020202020204" pitchFamily="34" charset="0"/>
-              <a:buChar char="•"/>
-            </a:pPr>
-            <a:r>
-              <a:rPr lang="en-US" altLang="ko-KR" sz="1600" dirty="0"/>
-              <a:t>Generate labeled data for training phase</a:t>
-            </a:r>
-          </a:p>
-          <a:p>
-            <a:pPr marL="285750" indent="-285750">
-              <a:lnSpc>
-                <a:spcPct val="150000"/>
-              </a:lnSpc>
-              <a:buFontTx/>
-              <a:buChar char="-"/>
-            </a:pPr>
-            <a:r>
-              <a:rPr lang="en-US" altLang="ko-KR" sz="1600" dirty="0"/>
-              <a:t>Commercially available software </a:t>
-            </a:r>
-            <a:r>
-              <a:rPr lang="en-US" altLang="ko-KR" sz="1600" dirty="0" err="1"/>
-              <a:t>Lumerical</a:t>
-            </a:r>
-            <a:r>
-              <a:rPr lang="en-US" altLang="ko-KR" sz="1600" dirty="0"/>
-              <a:t> FDTD </a:t>
-            </a:r>
-            <a:r>
-              <a:rPr lang="en-US" altLang="ko-KR" sz="1600" dirty="0" smtClean="0"/>
-              <a:t>solutions</a:t>
-            </a:r>
-          </a:p>
-          <a:p>
-            <a:pPr marL="285750" indent="-285750">
-              <a:lnSpc>
-                <a:spcPct val="150000"/>
-              </a:lnSpc>
-              <a:buFontTx/>
-              <a:buChar char="-"/>
-            </a:pPr>
-            <a:r>
-              <a:rPr lang="en-US" altLang="ko-KR" sz="1600" i="1" dirty="0" smtClean="0">
-                <a:latin typeface="Times New Roman" panose="02020603050405020304" pitchFamily="18" charset="0"/>
-                <a:cs typeface="Times New Roman" panose="02020603050405020304" pitchFamily="18" charset="0"/>
-              </a:rPr>
-              <a:t>Figure: Data transmission distribution</a:t>
-            </a:r>
-            <a:endParaRPr lang="en-US" altLang="ko-KR" sz="1600" i="1" dirty="0">
-              <a:latin typeface="Times New Roman" panose="02020603050405020304" pitchFamily="18" charset="0"/>
-              <a:cs typeface="Times New Roman" panose="02020603050405020304" pitchFamily="18" charset="0"/>
-            </a:endParaRPr>
           </a:p>
         </p:txBody>
       </p:sp>
@@ -5398,7 +5216,7 @@
         </p:nvSpPr>
         <p:spPr>
           <a:xfrm>
-            <a:off x="0" y="6430906"/>
+            <a:off x="0" y="6150114"/>
             <a:ext cx="13100539" cy="707886"/>
           </a:xfrm>
           <a:prstGeom prst="rect">
@@ -5643,84 +5461,6 @@
           </a:p>
         </p:txBody>
       </p:sp>
-      <p:pic>
-        <p:nvPicPr>
-          <p:cNvPr id="6" name="그림 5"/>
-          <p:cNvPicPr>
-            <a:picLocks noChangeAspect="1"/>
-          </p:cNvPicPr>
-          <p:nvPr/>
-        </p:nvPicPr>
-        <p:blipFill>
-          <a:blip r:embed="rId2"/>
-          <a:stretch>
-            <a:fillRect/>
-          </a:stretch>
-        </p:blipFill>
-        <p:spPr>
-          <a:xfrm>
-            <a:off x="9465778" y="319899"/>
-            <a:ext cx="2726223" cy="2142476"/>
-          </a:xfrm>
-          <a:prstGeom prst="rect">
-            <a:avLst/>
-          </a:prstGeom>
-        </p:spPr>
-      </p:pic>
-      <p:pic>
-        <p:nvPicPr>
-          <p:cNvPr id="8" name="그림 7"/>
-          <p:cNvPicPr>
-            <a:picLocks noChangeAspect="1"/>
-          </p:cNvPicPr>
-          <p:nvPr/>
-        </p:nvPicPr>
-        <p:blipFill>
-          <a:blip r:embed="rId3"/>
-          <a:stretch>
-            <a:fillRect/>
-          </a:stretch>
-        </p:blipFill>
-        <p:spPr>
-          <a:xfrm>
-            <a:off x="7413393" y="2564964"/>
-            <a:ext cx="4778607" cy="1446798"/>
-          </a:xfrm>
-          <a:prstGeom prst="rect">
-            <a:avLst/>
-          </a:prstGeom>
-        </p:spPr>
-      </p:pic>
-      <p:pic>
-        <p:nvPicPr>
-          <p:cNvPr id="9" name="그림 8"/>
-          <p:cNvPicPr>
-            <a:picLocks noChangeAspect="1"/>
-          </p:cNvPicPr>
-          <p:nvPr/>
-        </p:nvPicPr>
-        <p:blipFill>
-          <a:blip r:embed="rId4" cstate="print">
-            <a:extLst>
-              <a:ext uri="{28A0092B-C50C-407E-A947-70E740481C1C}">
-                <a14:useLocalDpi xmlns:a14="http://schemas.microsoft.com/office/drawing/2010/main" val="0"/>
-              </a:ext>
-            </a:extLst>
-          </a:blip>
-          <a:stretch>
-            <a:fillRect/>
-          </a:stretch>
-        </p:blipFill>
-        <p:spPr>
-          <a:xfrm>
-            <a:off x="9597741" y="4073130"/>
-            <a:ext cx="2462296" cy="1846722"/>
-          </a:xfrm>
-          <a:prstGeom prst="rect">
-            <a:avLst/>
-          </a:prstGeom>
-        </p:spPr>
-      </p:pic>
     </p:spTree>
     <p:extLst>
       <p:ext uri="{BB962C8B-B14F-4D97-AF65-F5344CB8AC3E}">
@@ -5775,7 +5515,7 @@
           <a:p>
             <a:r>
               <a:rPr lang="en-US" altLang="ko-KR" sz="2000" b="1" dirty="0" smtClean="0"/>
-              <a:t>Result &amp; Discussion</a:t>
+              <a:t>Method</a:t>
             </a:r>
             <a:endParaRPr lang="ko-KR" altLang="en-US" sz="2000" b="1" dirty="0"/>
           </a:p>
@@ -5783,14 +5523,14 @@
       </p:sp>
       <p:sp>
         <p:nvSpPr>
-          <p:cNvPr id="8" name="TextBox 7"/>
+          <p:cNvPr id="5" name="TextBox 4"/>
           <p:cNvSpPr txBox="1"/>
           <p:nvPr/>
         </p:nvSpPr>
         <p:spPr>
           <a:xfrm>
             <a:off x="1" y="400110"/>
-            <a:ext cx="12192000" cy="1200329"/>
+            <a:ext cx="12191999" cy="4154984"/>
           </a:xfrm>
           <a:prstGeom prst="rect">
             <a:avLst/>
@@ -5827,8 +5567,16 @@
               <a:buChar char="•"/>
             </a:pPr>
             <a:r>
-              <a:rPr lang="en-US" altLang="ko-KR" sz="1600" dirty="0" smtClean="0"/>
-              <a:t>“The two key criteria for a power splitter are low insertion loss, and excellent power uniformity.”[11]</a:t>
+              <a:rPr lang="en-US" altLang="ko-KR" sz="1600" b="1" dirty="0" smtClean="0"/>
+              <a:t>I</a:t>
+            </a:r>
+            <a:r>
+              <a:rPr lang="en-US" altLang="ko-KR" sz="1600" b="1" dirty="0" smtClean="0"/>
+              <a:t>ntegrated </a:t>
+            </a:r>
+            <a:r>
+              <a:rPr lang="en-US" altLang="ko-KR" sz="1600" b="1" dirty="0"/>
+              <a:t>photonic 1x3 power splitter</a:t>
             </a:r>
           </a:p>
           <a:p>
@@ -5840,54 +5588,327 @@
               <a:buChar char="-"/>
             </a:pPr>
             <a:r>
+              <a:rPr lang="en-US" altLang="ko-KR" sz="1600" dirty="0" smtClean="0"/>
+              <a:t>SOI platform: 9 um radii, 20x20 air-hole on 500 um box</a:t>
+            </a:r>
+          </a:p>
+          <a:p>
+            <a:pPr marL="285750" indent="-285750">
+              <a:lnSpc>
+                <a:spcPct val="150000"/>
+              </a:lnSpc>
+              <a:buFontTx/>
+              <a:buChar char="-"/>
+            </a:pPr>
+            <a:r>
+              <a:rPr lang="en-US" altLang="ko-KR" sz="1600" dirty="0" smtClean="0"/>
+              <a:t>not </a:t>
+            </a:r>
+            <a:r>
+              <a:rPr lang="en-US" altLang="ko-KR" sz="1600" dirty="0"/>
+              <a:t>aim to maximize the operation </a:t>
+            </a:r>
+            <a:r>
+              <a:rPr lang="en-US" altLang="ko-KR" sz="1600" dirty="0" smtClean="0"/>
+              <a:t>bandwidth, broadband transmission 275 ~ 325 um</a:t>
+            </a:r>
+            <a:endParaRPr lang="en-US" altLang="ko-KR" sz="1600" dirty="0"/>
+          </a:p>
+          <a:p>
+            <a:pPr marL="285750" indent="-285750">
+              <a:lnSpc>
+                <a:spcPct val="150000"/>
+              </a:lnSpc>
+              <a:buFontTx/>
+              <a:buChar char="-"/>
+            </a:pPr>
+            <a:r>
+              <a:rPr lang="en-US" altLang="ko-KR" sz="1600" dirty="0" smtClean="0"/>
+              <a:t>Fundamental TE mode, 1:1:1 uniform</a:t>
+            </a:r>
+          </a:p>
+          <a:p>
+            <a:pPr marL="285750" indent="-285750">
+              <a:lnSpc>
+                <a:spcPct val="150000"/>
+              </a:lnSpc>
+              <a:buFontTx/>
+              <a:buChar char="-"/>
+            </a:pPr>
+            <a:r>
+              <a:rPr lang="en-US" altLang="ko-KR" sz="1600" dirty="0" smtClean="0"/>
+              <a:t>Refractive index is fixed to </a:t>
+            </a:r>
+            <a:r>
+              <a:rPr lang="en-US" altLang="ko-KR" sz="1600" dirty="0" err="1" smtClean="0"/>
+              <a:t>n</a:t>
+            </a:r>
+            <a:r>
+              <a:rPr lang="en-US" altLang="ko-KR" sz="1600" baseline="-25000" dirty="0" err="1" smtClean="0"/>
+              <a:t>Si</a:t>
+            </a:r>
+            <a:r>
+              <a:rPr lang="en-US" altLang="ko-KR" sz="1600" dirty="0" smtClean="0"/>
+              <a:t> = 3.41.</a:t>
+            </a:r>
+            <a:endParaRPr lang="en-US" altLang="ko-KR" sz="1600" dirty="0" smtClean="0"/>
+          </a:p>
+          <a:p>
+            <a:pPr marL="285750" indent="-285750">
+              <a:lnSpc>
+                <a:spcPct val="150000"/>
+              </a:lnSpc>
+              <a:buFontTx/>
+              <a:buChar char="-"/>
+            </a:pPr>
+            <a:r>
+              <a:rPr lang="en-US" altLang="ko-KR" sz="1600" i="1" dirty="0">
+                <a:latin typeface="Times New Roman" panose="02020603050405020304" pitchFamily="18" charset="0"/>
+                <a:cs typeface="Times New Roman" panose="02020603050405020304" pitchFamily="18" charset="0"/>
+              </a:rPr>
+              <a:t>Figure: </a:t>
+            </a:r>
+            <a:r>
               <a:rPr lang="en-US" altLang="ko-KR" sz="1600" i="1" dirty="0" smtClean="0">
                 <a:latin typeface="Times New Roman" panose="02020603050405020304" pitchFamily="18" charset="0"/>
                 <a:cs typeface="Times New Roman" panose="02020603050405020304" pitchFamily="18" charset="0"/>
               </a:rPr>
-              <a:t>Figure</a:t>
-            </a:r>
-            <a:r>
-              <a:rPr lang="en-US" altLang="ko-KR" sz="1600" i="1" dirty="0">
+              <a:t>Design base structure and condition</a:t>
+            </a:r>
+            <a:endParaRPr lang="en-US" altLang="ko-KR" sz="1600" dirty="0" smtClean="0"/>
+          </a:p>
+          <a:p>
+            <a:pPr marL="285750" indent="-285750">
+              <a:lnSpc>
+                <a:spcPct val="150000"/>
+              </a:lnSpc>
+              <a:buFont typeface="Arial" panose="020B0604020202020204" pitchFamily="34" charset="0"/>
+              <a:buChar char="•"/>
+            </a:pPr>
+            <a:r>
+              <a:rPr lang="en-US" altLang="ko-KR" sz="1600" b="1" dirty="0"/>
+              <a:t>Generate labeled data for training phase</a:t>
+            </a:r>
+          </a:p>
+          <a:p>
+            <a:pPr marL="285750" indent="-285750">
+              <a:lnSpc>
+                <a:spcPct val="150000"/>
+              </a:lnSpc>
+              <a:buFontTx/>
+              <a:buChar char="-"/>
+            </a:pPr>
+            <a:r>
+              <a:rPr lang="en-US" altLang="ko-KR" sz="1600" dirty="0"/>
+              <a:t>Commercially available software </a:t>
+            </a:r>
+            <a:r>
+              <a:rPr lang="en-US" altLang="ko-KR" sz="1600" dirty="0" err="1"/>
+              <a:t>Lumerical</a:t>
+            </a:r>
+            <a:r>
+              <a:rPr lang="en-US" altLang="ko-KR" sz="1600" dirty="0"/>
+              <a:t> FDTD </a:t>
+            </a:r>
+            <a:r>
+              <a:rPr lang="en-US" altLang="ko-KR" sz="1600" dirty="0" smtClean="0"/>
+              <a:t>solutions</a:t>
+            </a:r>
+          </a:p>
+          <a:p>
+            <a:pPr marL="285750" indent="-285750">
+              <a:lnSpc>
+                <a:spcPct val="150000"/>
+              </a:lnSpc>
+              <a:buFontTx/>
+              <a:buChar char="-"/>
+            </a:pPr>
+            <a:r>
+              <a:rPr lang="en-US" altLang="ko-KR" sz="1600" dirty="0" smtClean="0"/>
+              <a:t> 2 Intel Xeon CPU with 2.5 GHz clock speed and 383 GB RAM about 1 weeks to complete collecting 100,000 simulation data</a:t>
+            </a:r>
+            <a:endParaRPr lang="en-US" altLang="ko-KR" sz="1600" dirty="0" smtClean="0"/>
+          </a:p>
+          <a:p>
+            <a:pPr marL="285750" indent="-285750">
+              <a:lnSpc>
+                <a:spcPct val="150000"/>
+              </a:lnSpc>
+              <a:buFontTx/>
+              <a:buChar char="-"/>
+            </a:pPr>
+            <a:r>
+              <a:rPr lang="en-US" altLang="ko-KR" sz="1600" i="1" dirty="0" smtClean="0">
                 <a:latin typeface="Times New Roman" panose="02020603050405020304" pitchFamily="18" charset="0"/>
                 <a:cs typeface="Times New Roman" panose="02020603050405020304" pitchFamily="18" charset="0"/>
               </a:rPr>
-              <a:t>: </a:t>
-            </a:r>
-            <a:r>
-              <a:rPr lang="en-US" altLang="ko-KR" sz="1600" i="1" dirty="0" smtClean="0">
-                <a:latin typeface="Times New Roman" panose="02020603050405020304" pitchFamily="18" charset="0"/>
-                <a:cs typeface="Times New Roman" panose="02020603050405020304" pitchFamily="18" charset="0"/>
-              </a:rPr>
-              <a:t>design result (structure, spectrum, power distribution)</a:t>
-            </a:r>
-            <a:endParaRPr lang="en-US" altLang="ko-KR" sz="1600" dirty="0"/>
-          </a:p>
-        </p:txBody>
-      </p:sp>
-      <p:pic>
-        <p:nvPicPr>
-          <p:cNvPr id="2" name="그림 1"/>
-          <p:cNvPicPr>
-            <a:picLocks noChangeAspect="1"/>
-          </p:cNvPicPr>
+              <a:t>Figure: Data transmission distribution</a:t>
+            </a:r>
+            <a:endParaRPr lang="en-US" altLang="ko-KR" sz="1600" i="1" dirty="0">
+              <a:latin typeface="Times New Roman" panose="02020603050405020304" pitchFamily="18" charset="0"/>
+              <a:cs typeface="Times New Roman" panose="02020603050405020304" pitchFamily="18" charset="0"/>
+            </a:endParaRPr>
+          </a:p>
+        </p:txBody>
+      </p:sp>
+    </p:spTree>
+    <p:extLst>
+      <p:ext uri="{BB962C8B-B14F-4D97-AF65-F5344CB8AC3E}">
+        <p14:creationId xmlns:p14="http://schemas.microsoft.com/office/powerpoint/2010/main" val="2952532082"/>
+      </p:ext>
+    </p:extLst>
+  </p:cSld>
+  <p:clrMapOvr>
+    <a:masterClrMapping/>
+  </p:clrMapOvr>
+</p:sld>
+</file>
+
+<file path=ppt/slides/slide4.xml><?xml version="1.0" encoding="utf-8"?>
+<p:sld xmlns:a="http://schemas.openxmlformats.org/drawingml/2006/main" xmlns:r="http://schemas.openxmlformats.org/officeDocument/2006/relationships" xmlns:p="http://schemas.openxmlformats.org/presentationml/2006/main">
+  <p:cSld>
+    <p:spTree>
+      <p:nvGrpSpPr>
+        <p:cNvPr id="1" name=""/>
+        <p:cNvGrpSpPr/>
+        <p:nvPr/>
+      </p:nvGrpSpPr>
+      <p:grpSpPr>
+        <a:xfrm>
+          <a:off x="0" y="0"/>
+          <a:ext cx="0" cy="0"/>
+          <a:chOff x="0" y="0"/>
+          <a:chExt cx="0" cy="0"/>
+        </a:xfrm>
+      </p:grpSpPr>
+      <p:sp>
+        <p:nvSpPr>
+          <p:cNvPr id="4" name="TextBox 3"/>
+          <p:cNvSpPr txBox="1"/>
           <p:nvPr/>
-        </p:nvPicPr>
-        <p:blipFill>
-          <a:blip r:embed="rId2"/>
-          <a:stretch>
-            <a:fillRect/>
-          </a:stretch>
-        </p:blipFill>
+        </p:nvSpPr>
         <p:spPr>
           <a:xfrm>
-            <a:off x="7286625" y="1600439"/>
-            <a:ext cx="4457700" cy="4221269"/>
+            <a:off x="0" y="0"/>
+            <a:ext cx="3367454" cy="400110"/>
           </a:xfrm>
           <a:prstGeom prst="rect">
             <a:avLst/>
           </a:prstGeom>
+          <a:noFill/>
         </p:spPr>
-      </p:pic>
+        <p:txBody>
+          <a:bodyPr wrap="square" rtlCol="0">
+            <a:spAutoFit/>
+          </a:bodyPr>
+          <a:lstStyle/>
+          <a:p>
+            <a:r>
+              <a:rPr lang="en-US" altLang="ko-KR" sz="2000" b="1" dirty="0" smtClean="0"/>
+              <a:t>Result &amp; Discussion</a:t>
+            </a:r>
+            <a:endParaRPr lang="ko-KR" altLang="en-US" sz="2000" b="1" dirty="0"/>
+          </a:p>
+        </p:txBody>
+      </p:sp>
+      <p:sp>
+        <p:nvSpPr>
+          <p:cNvPr id="8" name="TextBox 7"/>
+          <p:cNvSpPr txBox="1"/>
+          <p:nvPr/>
+        </p:nvSpPr>
+        <p:spPr>
+          <a:xfrm>
+            <a:off x="1" y="400110"/>
+            <a:ext cx="12192000" cy="1569660"/>
+          </a:xfrm>
+          <a:prstGeom prst="rect">
+            <a:avLst/>
+          </a:prstGeom>
+          <a:noFill/>
+        </p:spPr>
+        <p:txBody>
+          <a:bodyPr wrap="square" rtlCol="0">
+            <a:spAutoFit/>
+          </a:bodyPr>
+          <a:lstStyle/>
+          <a:p>
+            <a:pPr>
+              <a:lnSpc>
+                <a:spcPct val="150000"/>
+              </a:lnSpc>
+            </a:pPr>
+            <a:r>
+              <a:rPr lang="en-US" altLang="ko-KR" sz="1600" dirty="0" smtClean="0"/>
+              <a:t>Paragraphs </a:t>
+            </a:r>
+            <a:r>
+              <a:rPr lang="ko-KR" altLang="en-US" sz="1600" dirty="0" smtClean="0"/>
+              <a:t>구성</a:t>
+            </a:r>
+            <a:endParaRPr lang="en-US" altLang="ko-KR" sz="1600" dirty="0" smtClean="0"/>
+          </a:p>
+          <a:p>
+            <a:pPr marL="285750" indent="-285750">
+              <a:lnSpc>
+                <a:spcPct val="150000"/>
+              </a:lnSpc>
+              <a:buFont typeface="Arial" panose="020B0604020202020204" pitchFamily="34" charset="0"/>
+              <a:buChar char="•"/>
+            </a:pPr>
+            <a:r>
+              <a:rPr lang="en-US" altLang="ko-KR" sz="1600" b="1" dirty="0" smtClean="0"/>
+              <a:t>“The two key criteria for a power splitter are low insertion loss, and excellent power uniformity.”[11]</a:t>
+            </a:r>
+          </a:p>
+          <a:p>
+            <a:pPr marL="285750" indent="-285750">
+              <a:lnSpc>
+                <a:spcPct val="150000"/>
+              </a:lnSpc>
+              <a:buFontTx/>
+              <a:buChar char="-"/>
+            </a:pPr>
+            <a:r>
+              <a:rPr lang="en-US" altLang="ko-KR" sz="1600" dirty="0" smtClean="0">
+                <a:cs typeface="Times New Roman" panose="02020603050405020304" pitchFamily="18" charset="0"/>
+              </a:rPr>
+              <a:t>The power uniformity = the ratio between the maximum and minimum</a:t>
+            </a:r>
+          </a:p>
+          <a:p>
+            <a:pPr marL="285750" indent="-285750">
+              <a:lnSpc>
+                <a:spcPct val="150000"/>
+              </a:lnSpc>
+              <a:buFontTx/>
+              <a:buChar char="-"/>
+            </a:pPr>
+            <a:r>
+              <a:rPr lang="en-US" altLang="ko-KR" sz="1600" i="1" dirty="0" smtClean="0">
+                <a:latin typeface="Times New Roman" panose="02020603050405020304" pitchFamily="18" charset="0"/>
+                <a:cs typeface="Times New Roman" panose="02020603050405020304" pitchFamily="18" charset="0"/>
+              </a:rPr>
+              <a:t>Figure</a:t>
+            </a:r>
+            <a:r>
+              <a:rPr lang="en-US" altLang="ko-KR" sz="1600" i="1" dirty="0">
+                <a:latin typeface="Times New Roman" panose="02020603050405020304" pitchFamily="18" charset="0"/>
+                <a:cs typeface="Times New Roman" panose="02020603050405020304" pitchFamily="18" charset="0"/>
+              </a:rPr>
+              <a:t>: </a:t>
+            </a:r>
+            <a:r>
+              <a:rPr lang="en-US" altLang="ko-KR" sz="1600" i="1" dirty="0" smtClean="0">
+                <a:latin typeface="Times New Roman" panose="02020603050405020304" pitchFamily="18" charset="0"/>
+                <a:cs typeface="Times New Roman" panose="02020603050405020304" pitchFamily="18" charset="0"/>
+              </a:rPr>
+              <a:t>design result (structure, spectrum, power distribution)</a:t>
+            </a:r>
+            <a:endParaRPr lang="en-US" altLang="ko-KR" sz="1600" dirty="0"/>
+          </a:p>
+        </p:txBody>
+      </p:sp>
     </p:spTree>
     <p:extLst>
       <p:ext uri="{BB962C8B-B14F-4D97-AF65-F5344CB8AC3E}">
@@ -5901,7 +5922,7 @@
 </p:sld>
 </file>
 
-<file path=ppt/slides/slide4.xml><?xml version="1.0" encoding="utf-8"?>
+<file path=ppt/slides/slide5.xml><?xml version="1.0" encoding="utf-8"?>
 <p:sld xmlns:a="http://schemas.openxmlformats.org/drawingml/2006/main" xmlns:r="http://schemas.openxmlformats.org/officeDocument/2006/relationships" xmlns:p="http://schemas.openxmlformats.org/presentationml/2006/main">
   <p:cSld>
     <p:spTree>

--- a/개인/석사학위논문/Manuscript Preparation.pptx
+++ b/개인/석사학위논문/Manuscript Preparation.pptx
@@ -7,9 +7,10 @@
   <p:sldIdLst>
     <p:sldId id="264" r:id="rId2"/>
     <p:sldId id="265" r:id="rId3"/>
-    <p:sldId id="268" r:id="rId4"/>
-    <p:sldId id="267" r:id="rId5"/>
-    <p:sldId id="258" r:id="rId6"/>
+    <p:sldId id="269" r:id="rId4"/>
+    <p:sldId id="268" r:id="rId5"/>
+    <p:sldId id="267" r:id="rId6"/>
+    <p:sldId id="258" r:id="rId7"/>
   </p:sldIdLst>
   <p:sldSz cx="12192000" cy="6858000"/>
   <p:notesSz cx="6858000" cy="9144000"/>
@@ -247,7 +248,7 @@
           <a:p>
             <a:fld id="{CEDA20BB-A36C-44CB-A9A0-32BED543DE31}" type="datetimeFigureOut">
               <a:rPr lang="ko-KR" altLang="en-US" smtClean="0"/>
-              <a:t>2019-09-10</a:t>
+              <a:t>2019-09-16</a:t>
             </a:fld>
             <a:endParaRPr lang="ko-KR" altLang="en-US"/>
           </a:p>
@@ -417,7 +418,7 @@
           <a:p>
             <a:fld id="{CEDA20BB-A36C-44CB-A9A0-32BED543DE31}" type="datetimeFigureOut">
               <a:rPr lang="ko-KR" altLang="en-US" smtClean="0"/>
-              <a:t>2019-09-10</a:t>
+              <a:t>2019-09-16</a:t>
             </a:fld>
             <a:endParaRPr lang="ko-KR" altLang="en-US"/>
           </a:p>
@@ -597,7 +598,7 @@
           <a:p>
             <a:fld id="{CEDA20BB-A36C-44CB-A9A0-32BED543DE31}" type="datetimeFigureOut">
               <a:rPr lang="ko-KR" altLang="en-US" smtClean="0"/>
-              <a:t>2019-09-10</a:t>
+              <a:t>2019-09-16</a:t>
             </a:fld>
             <a:endParaRPr lang="ko-KR" altLang="en-US"/>
           </a:p>
@@ -767,7 +768,7 @@
           <a:p>
             <a:fld id="{CEDA20BB-A36C-44CB-A9A0-32BED543DE31}" type="datetimeFigureOut">
               <a:rPr lang="ko-KR" altLang="en-US" smtClean="0"/>
-              <a:t>2019-09-10</a:t>
+              <a:t>2019-09-16</a:t>
             </a:fld>
             <a:endParaRPr lang="ko-KR" altLang="en-US"/>
           </a:p>
@@ -1013,7 +1014,7 @@
           <a:p>
             <a:fld id="{CEDA20BB-A36C-44CB-A9A0-32BED543DE31}" type="datetimeFigureOut">
               <a:rPr lang="ko-KR" altLang="en-US" smtClean="0"/>
-              <a:t>2019-09-10</a:t>
+              <a:t>2019-09-16</a:t>
             </a:fld>
             <a:endParaRPr lang="ko-KR" altLang="en-US"/>
           </a:p>
@@ -1245,7 +1246,7 @@
           <a:p>
             <a:fld id="{CEDA20BB-A36C-44CB-A9A0-32BED543DE31}" type="datetimeFigureOut">
               <a:rPr lang="ko-KR" altLang="en-US" smtClean="0"/>
-              <a:t>2019-09-10</a:t>
+              <a:t>2019-09-16</a:t>
             </a:fld>
             <a:endParaRPr lang="ko-KR" altLang="en-US"/>
           </a:p>
@@ -1612,7 +1613,7 @@
           <a:p>
             <a:fld id="{CEDA20BB-A36C-44CB-A9A0-32BED543DE31}" type="datetimeFigureOut">
               <a:rPr lang="ko-KR" altLang="en-US" smtClean="0"/>
-              <a:t>2019-09-10</a:t>
+              <a:t>2019-09-16</a:t>
             </a:fld>
             <a:endParaRPr lang="ko-KR" altLang="en-US"/>
           </a:p>
@@ -1730,7 +1731,7 @@
           <a:p>
             <a:fld id="{CEDA20BB-A36C-44CB-A9A0-32BED543DE31}" type="datetimeFigureOut">
               <a:rPr lang="ko-KR" altLang="en-US" smtClean="0"/>
-              <a:t>2019-09-10</a:t>
+              <a:t>2019-09-16</a:t>
             </a:fld>
             <a:endParaRPr lang="ko-KR" altLang="en-US"/>
           </a:p>
@@ -1825,7 +1826,7 @@
           <a:p>
             <a:fld id="{CEDA20BB-A36C-44CB-A9A0-32BED543DE31}" type="datetimeFigureOut">
               <a:rPr lang="ko-KR" altLang="en-US" smtClean="0"/>
-              <a:t>2019-09-10</a:t>
+              <a:t>2019-09-16</a:t>
             </a:fld>
             <a:endParaRPr lang="ko-KR" altLang="en-US"/>
           </a:p>
@@ -2102,7 +2103,7 @@
           <a:p>
             <a:fld id="{CEDA20BB-A36C-44CB-A9A0-32BED543DE31}" type="datetimeFigureOut">
               <a:rPr lang="ko-KR" altLang="en-US" smtClean="0"/>
-              <a:t>2019-09-10</a:t>
+              <a:t>2019-09-16</a:t>
             </a:fld>
             <a:endParaRPr lang="ko-KR" altLang="en-US"/>
           </a:p>
@@ -2355,7 +2356,7 @@
           <a:p>
             <a:fld id="{CEDA20BB-A36C-44CB-A9A0-32BED543DE31}" type="datetimeFigureOut">
               <a:rPr lang="ko-KR" altLang="en-US" smtClean="0"/>
-              <a:t>2019-09-10</a:t>
+              <a:t>2019-09-16</a:t>
             </a:fld>
             <a:endParaRPr lang="ko-KR" altLang="en-US"/>
           </a:p>
@@ -2568,7 +2569,7 @@
           <a:p>
             <a:fld id="{CEDA20BB-A36C-44CB-A9A0-32BED543DE31}" type="datetimeFigureOut">
               <a:rPr lang="ko-KR" altLang="en-US" smtClean="0"/>
-              <a:t>2019-09-10</a:t>
+              <a:t>2019-09-16</a:t>
             </a:fld>
             <a:endParaRPr lang="ko-KR" altLang="en-US"/>
           </a:p>
@@ -2996,10 +2997,16 @@
           <a:lstStyle/>
           <a:p>
             <a:r>
-              <a:rPr lang="en-US" altLang="ko-KR" sz="2000" b="1" dirty="0" smtClean="0"/>
+              <a:rPr lang="en-US" altLang="ko-KR" sz="2000" b="1" dirty="0" smtClean="0">
+                <a:latin typeface="Arial" panose="020B0604020202020204" pitchFamily="34" charset="0"/>
+                <a:cs typeface="Arial" panose="020B0604020202020204" pitchFamily="34" charset="0"/>
+              </a:rPr>
               <a:t>Introduction</a:t>
             </a:r>
-            <a:endParaRPr lang="ko-KR" altLang="en-US" sz="2000" b="1" dirty="0"/>
+            <a:endParaRPr lang="ko-KR" altLang="en-US" sz="2000" b="1" dirty="0">
+              <a:latin typeface="Arial" panose="020B0604020202020204" pitchFamily="34" charset="0"/>
+              <a:cs typeface="Arial" panose="020B0604020202020204" pitchFamily="34" charset="0"/>
+            </a:endParaRPr>
           </a:p>
         </p:txBody>
       </p:sp>
@@ -3012,7 +3019,7 @@
         <p:spPr>
           <a:xfrm>
             <a:off x="1" y="400110"/>
-            <a:ext cx="12192000" cy="4893647"/>
+            <a:ext cx="12192000" cy="5632311"/>
           </a:xfrm>
           <a:prstGeom prst="rect">
             <a:avLst/>
@@ -3031,14 +3038,23 @@
               </a:lnSpc>
             </a:pPr>
             <a:r>
-              <a:rPr lang="en-US" altLang="ko-KR" sz="1600" dirty="0" smtClean="0"/>
+              <a:rPr lang="en-US" altLang="ko-KR" sz="1600" dirty="0" smtClean="0">
+                <a:latin typeface="Arial" panose="020B0604020202020204" pitchFamily="34" charset="0"/>
+                <a:cs typeface="Arial" panose="020B0604020202020204" pitchFamily="34" charset="0"/>
+              </a:rPr>
               <a:t>Paragraphs </a:t>
             </a:r>
             <a:r>
-              <a:rPr lang="ko-KR" altLang="en-US" sz="1600" dirty="0" smtClean="0"/>
+              <a:rPr lang="ko-KR" altLang="en-US" sz="1600" dirty="0" smtClean="0">
+                <a:latin typeface="Arial" panose="020B0604020202020204" pitchFamily="34" charset="0"/>
+                <a:cs typeface="Arial" panose="020B0604020202020204" pitchFamily="34" charset="0"/>
+              </a:rPr>
               <a:t>구성</a:t>
             </a:r>
-            <a:endParaRPr lang="en-US" altLang="ko-KR" sz="1600" dirty="0" smtClean="0"/>
+            <a:endParaRPr lang="en-US" altLang="ko-KR" sz="1600" dirty="0" smtClean="0">
+              <a:latin typeface="Arial" panose="020B0604020202020204" pitchFamily="34" charset="0"/>
+              <a:cs typeface="Arial" panose="020B0604020202020204" pitchFamily="34" charset="0"/>
+            </a:endParaRPr>
           </a:p>
           <a:p>
             <a:pPr marL="285750" indent="-285750">
@@ -3049,31 +3065,52 @@
               <a:buChar char="•"/>
             </a:pPr>
             <a:r>
-              <a:rPr lang="en-US" altLang="ko-KR" sz="1600" b="1" dirty="0" smtClean="0"/>
+              <a:rPr lang="en-US" altLang="ko-KR" sz="1600" b="1" dirty="0" smtClean="0">
+                <a:latin typeface="Arial" panose="020B0604020202020204" pitchFamily="34" charset="0"/>
+                <a:cs typeface="Arial" panose="020B0604020202020204" pitchFamily="34" charset="0"/>
+              </a:rPr>
               <a:t>Photonic Integrated Circuits </a:t>
             </a:r>
             <a:r>
-              <a:rPr lang="en-US" altLang="ko-KR" sz="1600" b="1" dirty="0"/>
+              <a:rPr lang="en-US" altLang="ko-KR" sz="1600" b="1" dirty="0">
+                <a:latin typeface="Arial" panose="020B0604020202020204" pitchFamily="34" charset="0"/>
+                <a:cs typeface="Arial" panose="020B0604020202020204" pitchFamily="34" charset="0"/>
+              </a:rPr>
               <a:t>(PICs</a:t>
             </a:r>
             <a:r>
-              <a:rPr lang="en-US" altLang="ko-KR" sz="1600" b="1" dirty="0" smtClean="0"/>
+              <a:rPr lang="en-US" altLang="ko-KR" sz="1600" b="1" dirty="0" smtClean="0">
+                <a:latin typeface="Arial" panose="020B0604020202020204" pitchFamily="34" charset="0"/>
+                <a:cs typeface="Arial" panose="020B0604020202020204" pitchFamily="34" charset="0"/>
+              </a:rPr>
               <a:t>) based on Silicon-on-Insulator (SOI)</a:t>
             </a:r>
             <a:r>
-              <a:rPr lang="ko-KR" altLang="en-US" sz="1600" b="1" dirty="0" smtClean="0"/>
+              <a:rPr lang="ko-KR" altLang="en-US" sz="1600" b="1" dirty="0" smtClean="0">
+                <a:latin typeface="Arial" panose="020B0604020202020204" pitchFamily="34" charset="0"/>
+                <a:cs typeface="Arial" panose="020B0604020202020204" pitchFamily="34" charset="0"/>
+              </a:rPr>
               <a:t>에 </a:t>
             </a:r>
             <a:r>
-              <a:rPr lang="ko-KR" altLang="en-US" sz="1600" b="1" dirty="0"/>
+              <a:rPr lang="ko-KR" altLang="en-US" sz="1600" b="1" dirty="0">
+                <a:latin typeface="Arial" panose="020B0604020202020204" pitchFamily="34" charset="0"/>
+                <a:cs typeface="Arial" panose="020B0604020202020204" pitchFamily="34" charset="0"/>
+              </a:rPr>
               <a:t>대한 관심 </a:t>
             </a:r>
             <a:r>
-              <a:rPr lang="ko-KR" altLang="en-US" sz="1600" b="1" dirty="0" smtClean="0"/>
+              <a:rPr lang="ko-KR" altLang="en-US" sz="1600" b="1" dirty="0" smtClean="0">
+                <a:latin typeface="Arial" panose="020B0604020202020204" pitchFamily="34" charset="0"/>
+                <a:cs typeface="Arial" panose="020B0604020202020204" pitchFamily="34" charset="0"/>
+              </a:rPr>
               <a:t>증폭</a:t>
             </a:r>
             <a:r>
-              <a:rPr lang="en-US" altLang="ko-KR" sz="1600" b="1" dirty="0" smtClean="0"/>
+              <a:rPr lang="en-US" altLang="ko-KR" sz="1600" b="1" dirty="0" smtClean="0">
+                <a:latin typeface="Arial" panose="020B0604020202020204" pitchFamily="34" charset="0"/>
+                <a:cs typeface="Arial" panose="020B0604020202020204" pitchFamily="34" charset="0"/>
+              </a:rPr>
               <a:t>[1]</a:t>
             </a:r>
           </a:p>
@@ -3086,22 +3123,37 @@
               <a:buChar char="-"/>
             </a:pPr>
             <a:r>
-              <a:rPr lang="en-US" altLang="ko-KR" sz="1600" dirty="0"/>
+              <a:rPr lang="en-US" altLang="ko-KR" sz="1600" dirty="0">
+                <a:latin typeface="Arial" panose="020B0604020202020204" pitchFamily="34" charset="0"/>
+                <a:cs typeface="Arial" panose="020B0604020202020204" pitchFamily="34" charset="0"/>
+              </a:rPr>
               <a:t>Integrated component</a:t>
             </a:r>
             <a:r>
-              <a:rPr lang="ko-KR" altLang="en-US" sz="1600" dirty="0"/>
+              <a:rPr lang="ko-KR" altLang="en-US" sz="1600" dirty="0">
+                <a:latin typeface="Arial" panose="020B0604020202020204" pitchFamily="34" charset="0"/>
+                <a:cs typeface="Arial" panose="020B0604020202020204" pitchFamily="34" charset="0"/>
+              </a:rPr>
               <a:t>에서 </a:t>
             </a:r>
             <a:r>
-              <a:rPr lang="en-US" altLang="ko-KR" sz="1600" dirty="0"/>
+              <a:rPr lang="en-US" altLang="ko-KR" sz="1600" dirty="0">
+                <a:latin typeface="Arial" panose="020B0604020202020204" pitchFamily="34" charset="0"/>
+                <a:cs typeface="Arial" panose="020B0604020202020204" pitchFamily="34" charset="0"/>
+              </a:rPr>
               <a:t>power splitter</a:t>
             </a:r>
             <a:r>
-              <a:rPr lang="ko-KR" altLang="en-US" sz="1600" dirty="0"/>
+              <a:rPr lang="ko-KR" altLang="en-US" sz="1600" dirty="0">
+                <a:latin typeface="Arial" panose="020B0604020202020204" pitchFamily="34" charset="0"/>
+                <a:cs typeface="Arial" panose="020B0604020202020204" pitchFamily="34" charset="0"/>
+              </a:rPr>
               <a:t>는 필수</a:t>
             </a:r>
-            <a:endParaRPr lang="en-US" altLang="ko-KR" sz="1600" dirty="0" smtClean="0"/>
+            <a:endParaRPr lang="en-US" altLang="ko-KR" sz="1600" dirty="0" smtClean="0">
+              <a:latin typeface="Arial" panose="020B0604020202020204" pitchFamily="34" charset="0"/>
+              <a:cs typeface="Arial" panose="020B0604020202020204" pitchFamily="34" charset="0"/>
+            </a:endParaRPr>
           </a:p>
           <a:p>
             <a:pPr marL="285750" indent="-285750">
@@ -3112,23 +3164,38 @@
               <a:buChar char="-"/>
             </a:pPr>
             <a:r>
-              <a:rPr lang="en-US" altLang="ko-KR" sz="1600" dirty="0" smtClean="0"/>
+              <a:rPr lang="en-US" altLang="ko-KR" sz="1600" dirty="0" smtClean="0">
+                <a:latin typeface="Arial" panose="020B0604020202020204" pitchFamily="34" charset="0"/>
+                <a:cs typeface="Arial" panose="020B0604020202020204" pitchFamily="34" charset="0"/>
+              </a:rPr>
               <a:t>“beyond 5G” generation</a:t>
             </a:r>
             <a:r>
-              <a:rPr lang="ko-KR" altLang="en-US" sz="1600" dirty="0" smtClean="0"/>
+              <a:rPr lang="ko-KR" altLang="en-US" sz="1600" dirty="0" smtClean="0">
+                <a:latin typeface="Arial" panose="020B0604020202020204" pitchFamily="34" charset="0"/>
+                <a:cs typeface="Arial" panose="020B0604020202020204" pitchFamily="34" charset="0"/>
+              </a:rPr>
               <a:t>에서 </a:t>
             </a:r>
             <a:r>
-              <a:rPr lang="en-US" altLang="ko-KR" sz="1600" dirty="0" smtClean="0"/>
+              <a:rPr lang="en-US" altLang="ko-KR" sz="1600" dirty="0" smtClean="0">
+                <a:latin typeface="Arial" panose="020B0604020202020204" pitchFamily="34" charset="0"/>
+                <a:cs typeface="Arial" panose="020B0604020202020204" pitchFamily="34" charset="0"/>
+              </a:rPr>
               <a:t>THz optical device</a:t>
             </a:r>
             <a:r>
-              <a:rPr lang="ko-KR" altLang="en-US" sz="1600" dirty="0" smtClean="0"/>
+              <a:rPr lang="ko-KR" altLang="en-US" sz="1600" dirty="0" smtClean="0">
+                <a:latin typeface="Arial" panose="020B0604020202020204" pitchFamily="34" charset="0"/>
+                <a:cs typeface="Arial" panose="020B0604020202020204" pitchFamily="34" charset="0"/>
+              </a:rPr>
               <a:t>의 중요성</a:t>
             </a:r>
             <a:r>
-              <a:rPr lang="en-US" altLang="ko-KR" sz="1600" dirty="0" smtClean="0"/>
+              <a:rPr lang="en-US" altLang="ko-KR" sz="1600" dirty="0" smtClean="0">
+                <a:latin typeface="Arial" panose="020B0604020202020204" pitchFamily="34" charset="0"/>
+                <a:cs typeface="Arial" panose="020B0604020202020204" pitchFamily="34" charset="0"/>
+              </a:rPr>
               <a:t>[2, 3]</a:t>
             </a:r>
           </a:p>
@@ -3141,19 +3208,31 @@
               <a:buChar char="-"/>
             </a:pPr>
             <a:r>
-              <a:rPr lang="en-US" altLang="ko-KR" sz="1600" dirty="0"/>
+              <a:rPr lang="en-US" altLang="ko-KR" sz="1600" dirty="0">
+                <a:latin typeface="Arial" panose="020B0604020202020204" pitchFamily="34" charset="0"/>
+                <a:cs typeface="Arial" panose="020B0604020202020204" pitchFamily="34" charset="0"/>
+              </a:rPr>
               <a:t>THz optical device example: Subwavelength Graphene waveguide (30 THz</a:t>
             </a:r>
             <a:r>
-              <a:rPr lang="en-US" altLang="ko-KR" sz="1600" dirty="0" smtClean="0"/>
+              <a:rPr lang="en-US" altLang="ko-KR" sz="1600" dirty="0" smtClean="0">
+                <a:latin typeface="Arial" panose="020B0604020202020204" pitchFamily="34" charset="0"/>
+                <a:cs typeface="Arial" panose="020B0604020202020204" pitchFamily="34" charset="0"/>
+              </a:rPr>
               <a:t>)[4], </a:t>
             </a:r>
             <a:r>
-              <a:rPr lang="en-US" altLang="ko-KR" sz="1600" dirty="0"/>
+              <a:rPr lang="en-US" altLang="ko-KR" sz="1600" dirty="0">
+                <a:latin typeface="Arial" panose="020B0604020202020204" pitchFamily="34" charset="0"/>
+                <a:cs typeface="Arial" panose="020B0604020202020204" pitchFamily="34" charset="0"/>
+              </a:rPr>
               <a:t>Multi-output splitter without grating structure, Genetic </a:t>
             </a:r>
             <a:r>
-              <a:rPr lang="en-US" altLang="ko-KR" sz="1600" dirty="0" smtClean="0"/>
+              <a:rPr lang="en-US" altLang="ko-KR" sz="1600" dirty="0" smtClean="0">
+                <a:latin typeface="Arial" panose="020B0604020202020204" pitchFamily="34" charset="0"/>
+                <a:cs typeface="Arial" panose="020B0604020202020204" pitchFamily="34" charset="0"/>
+              </a:rPr>
               <a:t>Algorithm[5]</a:t>
             </a:r>
           </a:p>
@@ -3166,26 +3245,44 @@
               <a:buChar char="•"/>
             </a:pPr>
             <a:r>
-              <a:rPr lang="ko-KR" altLang="en-US" sz="1600" b="1" dirty="0" smtClean="0"/>
+              <a:rPr lang="ko-KR" altLang="en-US" sz="1600" b="1" dirty="0" smtClean="0">
+                <a:latin typeface="Arial" panose="020B0604020202020204" pitchFamily="34" charset="0"/>
+                <a:cs typeface="Arial" panose="020B0604020202020204" pitchFamily="34" charset="0"/>
+              </a:rPr>
               <a:t>기존에는 </a:t>
             </a:r>
             <a:r>
-              <a:rPr lang="en-US" altLang="ko-KR" sz="1600" b="1" dirty="0" smtClean="0"/>
+              <a:rPr lang="en-US" altLang="ko-KR" sz="1600" b="1" dirty="0" smtClean="0">
+                <a:latin typeface="Arial" panose="020B0604020202020204" pitchFamily="34" charset="0"/>
+                <a:cs typeface="Arial" panose="020B0604020202020204" pitchFamily="34" charset="0"/>
+              </a:rPr>
               <a:t>analytically designed structure</a:t>
             </a:r>
             <a:r>
-              <a:rPr lang="ko-KR" altLang="en-US" sz="1600" b="1" dirty="0" smtClean="0"/>
+              <a:rPr lang="ko-KR" altLang="en-US" sz="1600" b="1" dirty="0" smtClean="0">
+                <a:latin typeface="Arial" panose="020B0604020202020204" pitchFamily="34" charset="0"/>
+                <a:cs typeface="Arial" panose="020B0604020202020204" pitchFamily="34" charset="0"/>
+              </a:rPr>
               <a:t>를 바탕으로 몇가지 </a:t>
             </a:r>
             <a:r>
-              <a:rPr lang="en-US" altLang="ko-KR" sz="1600" b="1" dirty="0" smtClean="0"/>
+              <a:rPr lang="en-US" altLang="ko-KR" sz="1600" b="1" dirty="0" smtClean="0">
+                <a:latin typeface="Arial" panose="020B0604020202020204" pitchFamily="34" charset="0"/>
+                <a:cs typeface="Arial" panose="020B0604020202020204" pitchFamily="34" charset="0"/>
+              </a:rPr>
               <a:t>parameters</a:t>
             </a:r>
             <a:r>
-              <a:rPr lang="ko-KR" altLang="en-US" sz="1600" b="1" dirty="0" smtClean="0"/>
+              <a:rPr lang="ko-KR" altLang="en-US" sz="1600" b="1" dirty="0" smtClean="0">
+                <a:latin typeface="Arial" panose="020B0604020202020204" pitchFamily="34" charset="0"/>
+                <a:cs typeface="Arial" panose="020B0604020202020204" pitchFamily="34" charset="0"/>
+              </a:rPr>
               <a:t>를 조절하는 방법으로 설계</a:t>
             </a:r>
-            <a:endParaRPr lang="en-US" altLang="ko-KR" sz="1600" b="1" dirty="0" smtClean="0"/>
+            <a:endParaRPr lang="en-US" altLang="ko-KR" sz="1600" b="1" dirty="0" smtClean="0">
+              <a:latin typeface="Arial" panose="020B0604020202020204" pitchFamily="34" charset="0"/>
+              <a:cs typeface="Arial" panose="020B0604020202020204" pitchFamily="34" charset="0"/>
+            </a:endParaRPr>
           </a:p>
           <a:p>
             <a:pPr marL="285750" indent="-285750">
@@ -3196,15 +3293,24 @@
               <a:buChar char="-"/>
             </a:pPr>
             <a:r>
-              <a:rPr lang="en-US" altLang="ko-KR" sz="1600" dirty="0" smtClean="0"/>
+              <a:rPr lang="en-US" altLang="ko-KR" sz="1600" dirty="0" smtClean="0">
+                <a:latin typeface="Arial" panose="020B0604020202020204" pitchFamily="34" charset="0"/>
+                <a:cs typeface="Arial" panose="020B0604020202020204" pitchFamily="34" charset="0"/>
+              </a:rPr>
               <a:t>Example: Direct Binary Search [6], self-imaging[7, 8, </a:t>
             </a:r>
             <a:r>
-              <a:rPr lang="en-US" altLang="ko-KR" sz="1600" dirty="0"/>
+              <a:rPr lang="en-US" altLang="ko-KR" sz="1600" dirty="0">
+                <a:latin typeface="Arial" panose="020B0604020202020204" pitchFamily="34" charset="0"/>
+                <a:cs typeface="Arial" panose="020B0604020202020204" pitchFamily="34" charset="0"/>
+              </a:rPr>
               <a:t>9</a:t>
             </a:r>
             <a:r>
-              <a:rPr lang="en-US" altLang="ko-KR" sz="1600" dirty="0" smtClean="0"/>
+              <a:rPr lang="en-US" altLang="ko-KR" sz="1600" dirty="0" smtClean="0">
+                <a:latin typeface="Arial" panose="020B0604020202020204" pitchFamily="34" charset="0"/>
+                <a:cs typeface="Arial" panose="020B0604020202020204" pitchFamily="34" charset="0"/>
+              </a:rPr>
               <a:t>], sweep parameter based on specific structure[10]</a:t>
             </a:r>
           </a:p>
@@ -3217,18 +3323,78 @@
               <a:buChar char="-"/>
             </a:pPr>
             <a:r>
-              <a:rPr lang="ko-KR" altLang="en-US" sz="1600" dirty="0" smtClean="0"/>
+              <a:rPr lang="ko-KR" altLang="en-US" sz="1600" dirty="0" smtClean="0">
+                <a:latin typeface="Arial" panose="020B0604020202020204" pitchFamily="34" charset="0"/>
+                <a:cs typeface="Arial" panose="020B0604020202020204" pitchFamily="34" charset="0"/>
+              </a:rPr>
               <a:t>제한된 설계 조건</a:t>
             </a:r>
             <a:r>
-              <a:rPr lang="en-US" altLang="ko-KR" sz="1600" dirty="0" smtClean="0"/>
+              <a:rPr lang="en-US" altLang="ko-KR" sz="1600" dirty="0" smtClean="0">
+                <a:latin typeface="Arial" panose="020B0604020202020204" pitchFamily="34" charset="0"/>
+                <a:cs typeface="Arial" panose="020B0604020202020204" pitchFamily="34" charset="0"/>
+              </a:rPr>
               <a:t>, Performance </a:t>
             </a:r>
             <a:r>
-              <a:rPr lang="ko-KR" altLang="en-US" sz="1600" dirty="0" smtClean="0"/>
+              <a:rPr lang="ko-KR" altLang="en-US" sz="1600" dirty="0" smtClean="0">
+                <a:latin typeface="Arial" panose="020B0604020202020204" pitchFamily="34" charset="0"/>
+                <a:cs typeface="Arial" panose="020B0604020202020204" pitchFamily="34" charset="0"/>
+              </a:rPr>
               <a:t>한계</a:t>
             </a:r>
-            <a:endParaRPr lang="en-US" altLang="ko-KR" sz="1600" dirty="0" smtClean="0"/>
+            <a:endParaRPr lang="en-US" altLang="ko-KR" sz="1600" dirty="0" smtClean="0">
+              <a:latin typeface="Arial" panose="020B0604020202020204" pitchFamily="34" charset="0"/>
+              <a:cs typeface="Arial" panose="020B0604020202020204" pitchFamily="34" charset="0"/>
+            </a:endParaRPr>
+          </a:p>
+          <a:p>
+            <a:pPr marL="285750" indent="-285750">
+              <a:lnSpc>
+                <a:spcPct val="150000"/>
+              </a:lnSpc>
+              <a:buFont typeface="Arial" panose="020B0604020202020204" pitchFamily="34" charset="0"/>
+              <a:buChar char="•"/>
+            </a:pPr>
+            <a:r>
+              <a:rPr lang="ko-KR" altLang="en-US" sz="1600" b="1" dirty="0" smtClean="0">
+                <a:latin typeface="Arial" panose="020B0604020202020204" pitchFamily="34" charset="0"/>
+                <a:cs typeface="Arial" panose="020B0604020202020204" pitchFamily="34" charset="0"/>
+              </a:rPr>
+              <a:t>최근 </a:t>
+            </a:r>
+            <a:r>
+              <a:rPr lang="en-US" altLang="ko-KR" sz="1600" b="1" dirty="0" smtClean="0">
+                <a:latin typeface="Arial" panose="020B0604020202020204" pitchFamily="34" charset="0"/>
+                <a:cs typeface="Arial" panose="020B0604020202020204" pitchFamily="34" charset="0"/>
+              </a:rPr>
+              <a:t>machine learning</a:t>
+            </a:r>
+            <a:r>
+              <a:rPr lang="ko-KR" altLang="en-US" sz="1600" b="1" dirty="0" smtClean="0">
+                <a:latin typeface="Arial" panose="020B0604020202020204" pitchFamily="34" charset="0"/>
+                <a:cs typeface="Arial" panose="020B0604020202020204" pitchFamily="34" charset="0"/>
+              </a:rPr>
+              <a:t>을 활용한 </a:t>
+            </a:r>
+            <a:r>
+              <a:rPr lang="en-US" altLang="ko-KR" sz="1600" b="1" dirty="0" smtClean="0">
+                <a:latin typeface="Arial" panose="020B0604020202020204" pitchFamily="34" charset="0"/>
+                <a:cs typeface="Arial" panose="020B0604020202020204" pitchFamily="34" charset="0"/>
+              </a:rPr>
+              <a:t>design </a:t>
+            </a:r>
+            <a:r>
+              <a:rPr lang="ko-KR" altLang="en-US" sz="1600" b="1" dirty="0" smtClean="0">
+                <a:latin typeface="Arial" panose="020B0604020202020204" pitchFamily="34" charset="0"/>
+                <a:cs typeface="Arial" panose="020B0604020202020204" pitchFamily="34" charset="0"/>
+              </a:rPr>
+              <a:t>방법</a:t>
+            </a:r>
+            <a:endParaRPr lang="en-US" altLang="ko-KR" sz="1600" b="1" dirty="0" smtClean="0">
+              <a:latin typeface="Arial" panose="020B0604020202020204" pitchFamily="34" charset="0"/>
+              <a:cs typeface="Arial" panose="020B0604020202020204" pitchFamily="34" charset="0"/>
+            </a:endParaRPr>
           </a:p>
           <a:p>
             <a:pPr marL="285750" indent="-285750">
@@ -3239,30 +3405,179 @@
               <a:buChar char="-"/>
             </a:pPr>
             <a:r>
-              <a:rPr lang="en-US" altLang="ko-KR" sz="1600" dirty="0" smtClean="0"/>
-              <a:t>Splitter</a:t>
-            </a:r>
-            <a:r>
-              <a:rPr lang="ko-KR" altLang="en-US" sz="1600" dirty="0" smtClean="0"/>
-              <a:t>에서 </a:t>
-            </a:r>
-            <a:r>
-              <a:rPr lang="en-US" altLang="ko-KR" sz="1600" dirty="0" smtClean="0"/>
-              <a:t>1x3</a:t>
-            </a:r>
-            <a:r>
-              <a:rPr lang="ko-KR" altLang="en-US" sz="1600" dirty="0" smtClean="0"/>
-              <a:t>이상의 경우에는 </a:t>
-            </a:r>
-            <a:r>
-              <a:rPr lang="en-US" altLang="ko-KR" sz="1600" dirty="0" smtClean="0"/>
-              <a:t>complexity</a:t>
-            </a:r>
-            <a:r>
-              <a:rPr lang="ko-KR" altLang="en-US" sz="1600" dirty="0" smtClean="0"/>
-              <a:t>가 증가하여 설계가 어려움</a:t>
-            </a:r>
-            <a:endParaRPr lang="en-US" altLang="ko-KR" sz="1600" dirty="0" smtClean="0"/>
+              <a:rPr lang="en-US" altLang="ko-KR" sz="1600" dirty="0" smtClean="0">
+                <a:latin typeface="Arial" panose="020B0604020202020204" pitchFamily="34" charset="0"/>
+                <a:cs typeface="Arial" panose="020B0604020202020204" pitchFamily="34" charset="0"/>
+              </a:rPr>
+              <a:t>Example: Alternating </a:t>
+            </a:r>
+            <a:r>
+              <a:rPr lang="en-US" altLang="ko-KR" sz="1600" dirty="0">
+                <a:latin typeface="Arial" panose="020B0604020202020204" pitchFamily="34" charset="0"/>
+                <a:cs typeface="Arial" panose="020B0604020202020204" pitchFamily="34" charset="0"/>
+              </a:rPr>
+              <a:t>Directions Method of Multipliers (ADMM) </a:t>
+            </a:r>
+            <a:r>
+              <a:rPr lang="en-US" altLang="ko-KR" sz="1600" dirty="0" smtClean="0">
+                <a:latin typeface="Arial" panose="020B0604020202020204" pitchFamily="34" charset="0"/>
+                <a:cs typeface="Arial" panose="020B0604020202020204" pitchFamily="34" charset="0"/>
+              </a:rPr>
+              <a:t>optimization[11, 12, 13], Artificial Neural Networks [14, 15</a:t>
+            </a:r>
+            <a:r>
+              <a:rPr lang="en-US" altLang="ko-KR" sz="1600" dirty="0" smtClean="0">
+                <a:latin typeface="Arial" panose="020B0604020202020204" pitchFamily="34" charset="0"/>
+                <a:cs typeface="Arial" panose="020B0604020202020204" pitchFamily="34" charset="0"/>
+              </a:rPr>
+              <a:t>]</a:t>
+            </a:r>
+          </a:p>
+          <a:p>
+            <a:pPr marL="285750" indent="-285750">
+              <a:lnSpc>
+                <a:spcPct val="150000"/>
+              </a:lnSpc>
+              <a:buFontTx/>
+              <a:buChar char="-"/>
+            </a:pPr>
+            <a:r>
+              <a:rPr lang="ko-KR" altLang="en-US" sz="1600" dirty="0" smtClean="0">
+                <a:latin typeface="Arial" panose="020B0604020202020204" pitchFamily="34" charset="0"/>
+                <a:cs typeface="Arial" panose="020B0604020202020204" pitchFamily="34" charset="0"/>
+              </a:rPr>
+              <a:t>위의 방법들로 </a:t>
+            </a:r>
+            <a:r>
+              <a:rPr lang="en-US" altLang="ko-KR" sz="1600" dirty="0" smtClean="0">
+                <a:latin typeface="Arial" panose="020B0604020202020204" pitchFamily="34" charset="0"/>
+                <a:cs typeface="Arial" panose="020B0604020202020204" pitchFamily="34" charset="0"/>
+              </a:rPr>
+              <a:t>splitter</a:t>
+            </a:r>
+            <a:r>
+              <a:rPr lang="ko-KR" altLang="en-US" sz="1600" dirty="0" smtClean="0">
+                <a:latin typeface="Arial" panose="020B0604020202020204" pitchFamily="34" charset="0"/>
+                <a:cs typeface="Arial" panose="020B0604020202020204" pitchFamily="34" charset="0"/>
+              </a:rPr>
+              <a:t>를 설계할 경우 </a:t>
+            </a:r>
+            <a:r>
+              <a:rPr lang="en-US" altLang="ko-KR" sz="1600" dirty="0" smtClean="0">
+                <a:latin typeface="Arial" panose="020B0604020202020204" pitchFamily="34" charset="0"/>
+                <a:cs typeface="Arial" panose="020B0604020202020204" pitchFamily="34" charset="0"/>
+              </a:rPr>
+              <a:t>arbitrary ratio </a:t>
+            </a:r>
+            <a:r>
+              <a:rPr lang="en-US" altLang="ko-KR" sz="1600" dirty="0" smtClean="0">
+                <a:latin typeface="Arial" panose="020B0604020202020204" pitchFamily="34" charset="0"/>
+                <a:cs typeface="Arial" panose="020B0604020202020204" pitchFamily="34" charset="0"/>
+              </a:rPr>
+              <a:t>output</a:t>
+            </a:r>
+            <a:r>
+              <a:rPr lang="ko-KR" altLang="en-US" sz="1600" dirty="0" smtClean="0">
+                <a:latin typeface="Arial" panose="020B0604020202020204" pitchFamily="34" charset="0"/>
+                <a:cs typeface="Arial" panose="020B0604020202020204" pitchFamily="34" charset="0"/>
+              </a:rPr>
+              <a:t>에 대해서도 설계가 가능하다는 장점이 있지만</a:t>
+            </a:r>
+            <a:r>
+              <a:rPr lang="en-US" altLang="ko-KR" sz="1600" dirty="0" smtClean="0">
+                <a:latin typeface="Arial" panose="020B0604020202020204" pitchFamily="34" charset="0"/>
+                <a:cs typeface="Arial" panose="020B0604020202020204" pitchFamily="34" charset="0"/>
+              </a:rPr>
+              <a:t>, training data</a:t>
+            </a:r>
+            <a:r>
+              <a:rPr lang="ko-KR" altLang="en-US" sz="1600" dirty="0" smtClean="0">
+                <a:latin typeface="Arial" panose="020B0604020202020204" pitchFamily="34" charset="0"/>
+                <a:cs typeface="Arial" panose="020B0604020202020204" pitchFamily="34" charset="0"/>
+              </a:rPr>
+              <a:t>를 생성한 이후에도 </a:t>
+            </a:r>
+            <a:r>
+              <a:rPr lang="en-US" altLang="ko-KR" sz="1600" dirty="0" smtClean="0">
+                <a:latin typeface="Arial" panose="020B0604020202020204" pitchFamily="34" charset="0"/>
+                <a:cs typeface="Arial" panose="020B0604020202020204" pitchFamily="34" charset="0"/>
+              </a:rPr>
+              <a:t>optimization </a:t>
+            </a:r>
+            <a:r>
+              <a:rPr lang="ko-KR" altLang="en-US" sz="1600" dirty="0" smtClean="0">
+                <a:latin typeface="Arial" panose="020B0604020202020204" pitchFamily="34" charset="0"/>
+                <a:cs typeface="Arial" panose="020B0604020202020204" pitchFamily="34" charset="0"/>
+              </a:rPr>
+              <a:t>을 수행하기 위한 시간이 필요하다</a:t>
+            </a:r>
+            <a:r>
+              <a:rPr lang="en-US" altLang="ko-KR" sz="1600" dirty="0" smtClean="0">
+                <a:latin typeface="Arial" panose="020B0604020202020204" pitchFamily="34" charset="0"/>
+                <a:cs typeface="Arial" panose="020B0604020202020204" pitchFamily="34" charset="0"/>
+              </a:rPr>
+              <a:t>. </a:t>
+            </a:r>
+            <a:r>
+              <a:rPr lang="ko-KR" altLang="en-US" sz="1600" dirty="0" smtClean="0">
+                <a:latin typeface="Arial" panose="020B0604020202020204" pitchFamily="34" charset="0"/>
+                <a:cs typeface="Arial" panose="020B0604020202020204" pitchFamily="34" charset="0"/>
+              </a:rPr>
+              <a:t>하지만 본 논문에서 사용한 알고리즘은 </a:t>
+            </a:r>
+            <a:r>
+              <a:rPr lang="en-US" altLang="ko-KR" sz="1600" dirty="0" smtClean="0">
+                <a:latin typeface="Arial" panose="020B0604020202020204" pitchFamily="34" charset="0"/>
+                <a:cs typeface="Arial" panose="020B0604020202020204" pitchFamily="34" charset="0"/>
+              </a:rPr>
+              <a:t>training data</a:t>
+            </a:r>
+            <a:r>
+              <a:rPr lang="ko-KR" altLang="en-US" sz="1600" dirty="0" smtClean="0">
+                <a:latin typeface="Arial" panose="020B0604020202020204" pitchFamily="34" charset="0"/>
+                <a:cs typeface="Arial" panose="020B0604020202020204" pitchFamily="34" charset="0"/>
+              </a:rPr>
+              <a:t>를 확보한 상태라면 짧은 </a:t>
+            </a:r>
+            <a:r>
+              <a:rPr lang="ko-KR" altLang="en-US" sz="1600" dirty="0" err="1" smtClean="0">
+                <a:latin typeface="Arial" panose="020B0604020202020204" pitchFamily="34" charset="0"/>
+                <a:cs typeface="Arial" panose="020B0604020202020204" pitchFamily="34" charset="0"/>
+              </a:rPr>
+              <a:t>시간안에</a:t>
+            </a:r>
+            <a:r>
+              <a:rPr lang="en-US" altLang="ko-KR" sz="1600" dirty="0" smtClean="0">
+                <a:latin typeface="Arial" panose="020B0604020202020204" pitchFamily="34" charset="0"/>
+                <a:cs typeface="Arial" panose="020B0604020202020204" pitchFamily="34" charset="0"/>
+              </a:rPr>
+              <a:t>, optimization step</a:t>
+            </a:r>
+            <a:r>
+              <a:rPr lang="ko-KR" altLang="en-US" sz="1600" dirty="0">
+                <a:latin typeface="Arial" panose="020B0604020202020204" pitchFamily="34" charset="0"/>
+                <a:cs typeface="Arial" panose="020B0604020202020204" pitchFamily="34" charset="0"/>
+              </a:rPr>
+              <a:t> </a:t>
+            </a:r>
+            <a:r>
+              <a:rPr lang="ko-KR" altLang="en-US" sz="1600" dirty="0" smtClean="0">
+                <a:latin typeface="Arial" panose="020B0604020202020204" pitchFamily="34" charset="0"/>
+                <a:cs typeface="Arial" panose="020B0604020202020204" pitchFamily="34" charset="0"/>
+              </a:rPr>
+              <a:t>없이 최종 구조물을 얻을 수 있다</a:t>
+            </a:r>
+            <a:r>
+              <a:rPr lang="en-US" altLang="ko-KR" sz="1600" dirty="0" smtClean="0">
+                <a:latin typeface="Arial" panose="020B0604020202020204" pitchFamily="34" charset="0"/>
+                <a:cs typeface="Arial" panose="020B0604020202020204" pitchFamily="34" charset="0"/>
+              </a:rPr>
+              <a:t>.</a:t>
+            </a:r>
+            <a:endParaRPr lang="en-US" altLang="ko-KR" sz="1600" dirty="0" smtClean="0">
+              <a:latin typeface="Arial" panose="020B0604020202020204" pitchFamily="34" charset="0"/>
+              <a:cs typeface="Arial" panose="020B0604020202020204" pitchFamily="34" charset="0"/>
+            </a:endParaRPr>
           </a:p>
           <a:p>
             <a:pPr marL="285750" indent="-285750">
@@ -3273,61 +3588,16 @@
               <a:buChar char="•"/>
             </a:pPr>
             <a:r>
-              <a:rPr lang="ko-KR" altLang="en-US" sz="1600" b="1" dirty="0" smtClean="0"/>
-              <a:t>최근 </a:t>
-            </a:r>
-            <a:r>
-              <a:rPr lang="en-US" altLang="ko-KR" sz="1600" b="1" dirty="0" smtClean="0"/>
-              <a:t>machine learning</a:t>
-            </a:r>
-            <a:r>
-              <a:rPr lang="ko-KR" altLang="en-US" sz="1600" b="1" dirty="0" smtClean="0"/>
-              <a:t>을 활용한 </a:t>
-            </a:r>
-            <a:r>
-              <a:rPr lang="en-US" altLang="ko-KR" sz="1600" b="1" dirty="0" smtClean="0"/>
-              <a:t>design </a:t>
-            </a:r>
-            <a:r>
-              <a:rPr lang="ko-KR" altLang="en-US" sz="1600" b="1" dirty="0" smtClean="0"/>
-              <a:t>방법</a:t>
-            </a:r>
-            <a:endParaRPr lang="en-US" altLang="ko-KR" sz="1600" b="1" dirty="0" smtClean="0"/>
-          </a:p>
-          <a:p>
-            <a:pPr marL="285750" indent="-285750">
-              <a:lnSpc>
-                <a:spcPct val="150000"/>
-              </a:lnSpc>
-              <a:buFontTx/>
-              <a:buChar char="-"/>
-            </a:pPr>
-            <a:r>
-              <a:rPr lang="en-US" altLang="ko-KR" sz="1600" dirty="0" smtClean="0"/>
-              <a:t>Example: Alternating </a:t>
-            </a:r>
-            <a:r>
-              <a:rPr lang="en-US" altLang="ko-KR" sz="1600" dirty="0"/>
-              <a:t>Directions Method of Multipliers (ADMM) </a:t>
-            </a:r>
-            <a:r>
-              <a:rPr lang="en-US" altLang="ko-KR" sz="1600" dirty="0" smtClean="0"/>
-              <a:t>optimization[11, 12, 13], Artificial Neural Networks [14, 15]</a:t>
-            </a:r>
-          </a:p>
-          <a:p>
-            <a:pPr marL="285750" indent="-285750">
-              <a:lnSpc>
-                <a:spcPct val="150000"/>
-              </a:lnSpc>
-              <a:buFont typeface="Arial" panose="020B0604020202020204" pitchFamily="34" charset="0"/>
-              <a:buChar char="•"/>
-            </a:pPr>
-            <a:r>
-              <a:rPr lang="en-US" altLang="ko-KR" sz="1600" dirty="0" smtClean="0"/>
+              <a:rPr lang="en-US" altLang="ko-KR" sz="1600" dirty="0" smtClean="0">
+                <a:latin typeface="Arial" panose="020B0604020202020204" pitchFamily="34" charset="0"/>
+                <a:cs typeface="Arial" panose="020B0604020202020204" pitchFamily="34" charset="0"/>
+              </a:rPr>
               <a:t>In this study, </a:t>
             </a:r>
-            <a:endParaRPr lang="ko-KR" altLang="en-US" sz="1600" dirty="0"/>
+            <a:endParaRPr lang="ko-KR" altLang="en-US" sz="1600" dirty="0">
+              <a:latin typeface="Arial" panose="020B0604020202020204" pitchFamily="34" charset="0"/>
+              <a:cs typeface="Arial" panose="020B0604020202020204" pitchFamily="34" charset="0"/>
+            </a:endParaRPr>
           </a:p>
         </p:txBody>
       </p:sp>
@@ -3339,7 +3609,7 @@
         </p:nvSpPr>
         <p:spPr>
           <a:xfrm>
-            <a:off x="0" y="5663089"/>
+            <a:off x="0" y="5810572"/>
             <a:ext cx="13100539" cy="3477875"/>
           </a:xfrm>
           <a:prstGeom prst="rect">
@@ -5044,10 +5314,16 @@
           <a:lstStyle/>
           <a:p>
             <a:r>
-              <a:rPr lang="en-US" altLang="ko-KR" sz="2000" b="1" dirty="0" smtClean="0"/>
+              <a:rPr lang="en-US" altLang="ko-KR" sz="2000" b="1" dirty="0" smtClean="0">
+                <a:latin typeface="Arial" panose="020B0604020202020204" pitchFamily="34" charset="0"/>
+                <a:cs typeface="Arial" panose="020B0604020202020204" pitchFamily="34" charset="0"/>
+              </a:rPr>
               <a:t>Method</a:t>
             </a:r>
-            <a:endParaRPr lang="ko-KR" altLang="en-US" sz="2000" b="1" dirty="0"/>
+            <a:endParaRPr lang="ko-KR" altLang="en-US" sz="2000" b="1" dirty="0">
+              <a:latin typeface="Arial" panose="020B0604020202020204" pitchFamily="34" charset="0"/>
+              <a:cs typeface="Arial" panose="020B0604020202020204" pitchFamily="34" charset="0"/>
+            </a:endParaRPr>
           </a:p>
         </p:txBody>
       </p:sp>
@@ -5060,7 +5336,7 @@
         <p:spPr>
           <a:xfrm>
             <a:off x="1" y="400110"/>
-            <a:ext cx="12191999" cy="3046988"/>
+            <a:ext cx="12191999" cy="4154984"/>
           </a:xfrm>
           <a:prstGeom prst="rect">
             <a:avLst/>
@@ -5079,14 +5355,23 @@
               </a:lnSpc>
             </a:pPr>
             <a:r>
-              <a:rPr lang="en-US" altLang="ko-KR" sz="1600" dirty="0" smtClean="0"/>
+              <a:rPr lang="en-US" altLang="ko-KR" sz="1600" dirty="0" smtClean="0">
+                <a:latin typeface="Arial" panose="020B0604020202020204" pitchFamily="34" charset="0"/>
+                <a:cs typeface="Arial" panose="020B0604020202020204" pitchFamily="34" charset="0"/>
+              </a:rPr>
               <a:t>Paragraphs </a:t>
             </a:r>
             <a:r>
-              <a:rPr lang="ko-KR" altLang="en-US" sz="1600" dirty="0" smtClean="0"/>
+              <a:rPr lang="ko-KR" altLang="en-US" sz="1600" dirty="0" smtClean="0">
+                <a:latin typeface="Arial" panose="020B0604020202020204" pitchFamily="34" charset="0"/>
+                <a:cs typeface="Arial" panose="020B0604020202020204" pitchFamily="34" charset="0"/>
+              </a:rPr>
               <a:t>구성</a:t>
             </a:r>
-            <a:endParaRPr lang="en-US" altLang="ko-KR" sz="1600" dirty="0" smtClean="0"/>
+            <a:endParaRPr lang="en-US" altLang="ko-KR" sz="1600" dirty="0" smtClean="0">
+              <a:latin typeface="Arial" panose="020B0604020202020204" pitchFamily="34" charset="0"/>
+              <a:cs typeface="Arial" panose="020B0604020202020204" pitchFamily="34" charset="0"/>
+            </a:endParaRPr>
           </a:p>
           <a:p>
             <a:pPr marL="285750" indent="-285750">
@@ -5097,11 +5382,17 @@
               <a:buChar char="•"/>
             </a:pPr>
             <a:r>
-              <a:rPr lang="en-US" altLang="ko-KR" sz="1600" b="1" dirty="0"/>
+              <a:rPr lang="en-US" altLang="ko-KR" sz="1600" b="1" dirty="0">
+                <a:latin typeface="Arial" panose="020B0604020202020204" pitchFamily="34" charset="0"/>
+                <a:cs typeface="Arial" panose="020B0604020202020204" pitchFamily="34" charset="0"/>
+              </a:rPr>
               <a:t>Perceptron-like machine learning algorithm[16</a:t>
             </a:r>
             <a:r>
-              <a:rPr lang="en-US" altLang="ko-KR" sz="1600" b="1" dirty="0" smtClean="0"/>
+              <a:rPr lang="en-US" altLang="ko-KR" sz="1600" b="1" dirty="0" smtClean="0">
+                <a:latin typeface="Arial" panose="020B0604020202020204" pitchFamily="34" charset="0"/>
+                <a:cs typeface="Arial" panose="020B0604020202020204" pitchFamily="34" charset="0"/>
+              </a:rPr>
               <a:t>]</a:t>
             </a:r>
           </a:p>
@@ -5114,15 +5405,24 @@
               <a:buChar char="-"/>
             </a:pPr>
             <a:r>
-              <a:rPr lang="en-US" altLang="ko-KR" sz="1600" dirty="0" smtClean="0"/>
+              <a:rPr lang="en-US" altLang="ko-KR" sz="1600" dirty="0" smtClean="0">
+                <a:latin typeface="Arial" panose="020B0604020202020204" pitchFamily="34" charset="0"/>
+                <a:cs typeface="Arial" panose="020B0604020202020204" pitchFamily="34" charset="0"/>
+              </a:rPr>
               <a:t>“</a:t>
             </a:r>
             <a:r>
-              <a:rPr lang="en-US" altLang="ko-KR" sz="1600" dirty="0"/>
+              <a:rPr lang="en-US" altLang="ko-KR" sz="1600" dirty="0">
+                <a:latin typeface="Arial" panose="020B0604020202020204" pitchFamily="34" charset="0"/>
+                <a:cs typeface="Arial" panose="020B0604020202020204" pitchFamily="34" charset="0"/>
+              </a:rPr>
               <a:t>The algorithm combines the additive updates feature of the perceptron algorithm and the reward for state idea of reinforcement learning</a:t>
             </a:r>
             <a:r>
-              <a:rPr lang="en-US" altLang="ko-KR" sz="1600" dirty="0" smtClean="0"/>
+              <a:rPr lang="en-US" altLang="ko-KR" sz="1600" dirty="0" smtClean="0">
+                <a:latin typeface="Arial" panose="020B0604020202020204" pitchFamily="34" charset="0"/>
+                <a:cs typeface="Arial" panose="020B0604020202020204" pitchFamily="34" charset="0"/>
+              </a:rPr>
               <a:t>”[17]</a:t>
             </a:r>
           </a:p>
@@ -5135,14 +5435,12 @@
               <a:buChar char="-"/>
             </a:pPr>
             <a:r>
-              <a:rPr lang="en-US" altLang="ko-KR" sz="1600" dirty="0" smtClean="0"/>
-              <a:t>20 x 10 binary </a:t>
-            </a:r>
-            <a:r>
-              <a:rPr lang="en-US" altLang="ko-KR" sz="1600" dirty="0" smtClean="0"/>
-              <a:t>matrix by symmetry</a:t>
-            </a:r>
-            <a:endParaRPr lang="en-US" altLang="ko-KR" sz="1600" dirty="0" smtClean="0"/>
+              <a:rPr lang="en-US" altLang="ko-KR" sz="1600" dirty="0" smtClean="0">
+                <a:latin typeface="Arial" panose="020B0604020202020204" pitchFamily="34" charset="0"/>
+                <a:cs typeface="Arial" panose="020B0604020202020204" pitchFamily="34" charset="0"/>
+              </a:rPr>
+              <a:t>20 x 10 binary matrix by symmetry</a:t>
+            </a:r>
           </a:p>
           <a:p>
             <a:pPr marL="285750" indent="-285750">
@@ -5153,7 +5451,10 @@
               <a:buChar char="-"/>
             </a:pPr>
             <a:r>
-              <a:rPr lang="en-US" altLang="ko-KR" sz="1600" dirty="0" smtClean="0"/>
+              <a:rPr lang="en-US" altLang="ko-KR" sz="1600" dirty="0" smtClean="0">
+                <a:latin typeface="Arial" panose="020B0604020202020204" pitchFamily="34" charset="0"/>
+                <a:cs typeface="Arial" panose="020B0604020202020204" pitchFamily="34" charset="0"/>
+              </a:rPr>
               <a:t>“1” for etched (air), “0” for not etched (Si)</a:t>
             </a:r>
           </a:p>
@@ -5166,14 +5467,33 @@
               <a:buChar char="-"/>
             </a:pPr>
             <a:r>
-              <a:rPr lang="en-US" altLang="ko-KR" sz="1600" dirty="0" smtClean="0"/>
+              <a:rPr lang="en-US" altLang="ko-KR" sz="1600" dirty="0" smtClean="0">
+                <a:latin typeface="Arial" panose="020B0604020202020204" pitchFamily="34" charset="0"/>
+                <a:cs typeface="Arial" panose="020B0604020202020204" pitchFamily="34" charset="0"/>
+              </a:rPr>
               <a:t>Reward = min(T1) + min(T2) </a:t>
             </a:r>
             <a:r>
-              <a:rPr lang="en-US" altLang="ko-KR" sz="1600" dirty="0" smtClean="0"/>
-              <a:t>+ min(T3) - |R|, maximize given reward</a:t>
-            </a:r>
-            <a:endParaRPr lang="en-US" altLang="ko-KR" sz="1600" dirty="0" smtClean="0"/>
+              <a:rPr lang="en-US" altLang="ko-KR" sz="1600" dirty="0" smtClean="0">
+                <a:latin typeface="Arial" panose="020B0604020202020204" pitchFamily="34" charset="0"/>
+                <a:cs typeface="Arial" panose="020B0604020202020204" pitchFamily="34" charset="0"/>
+              </a:rPr>
+              <a:t>- </a:t>
+            </a:r>
+            <a:r>
+              <a:rPr lang="en-US" altLang="ko-KR" sz="1600" dirty="0" smtClean="0">
+                <a:latin typeface="Arial" panose="020B0604020202020204" pitchFamily="34" charset="0"/>
+                <a:cs typeface="Arial" panose="020B0604020202020204" pitchFamily="34" charset="0"/>
+              </a:rPr>
+              <a:t>|R|, maximize given </a:t>
+            </a:r>
+            <a:r>
+              <a:rPr lang="en-US" altLang="ko-KR" sz="1600" dirty="0" smtClean="0">
+                <a:latin typeface="Arial" panose="020B0604020202020204" pitchFamily="34" charset="0"/>
+                <a:cs typeface="Arial" panose="020B0604020202020204" pitchFamily="34" charset="0"/>
+              </a:rPr>
+              <a:t>reward</a:t>
+            </a:r>
           </a:p>
           <a:p>
             <a:pPr marL="285750" indent="-285750">
@@ -5184,6 +5504,58 @@
               <a:buChar char="-"/>
             </a:pPr>
             <a:r>
+              <a:rPr lang="en-US" altLang="ko-KR" sz="1600" dirty="0" smtClean="0">
+                <a:latin typeface="Arial" panose="020B0604020202020204" pitchFamily="34" charset="0"/>
+                <a:cs typeface="Arial" panose="020B0604020202020204" pitchFamily="34" charset="0"/>
+              </a:rPr>
+              <a:t>The algorithm consist of two phases: training and inference.</a:t>
+            </a:r>
+          </a:p>
+          <a:p>
+            <a:pPr marL="285750" indent="-285750">
+              <a:lnSpc>
+                <a:spcPct val="150000"/>
+              </a:lnSpc>
+              <a:buFontTx/>
+              <a:buChar char="-"/>
+            </a:pPr>
+            <a:r>
+              <a:rPr lang="en-US" altLang="ko-KR" sz="1600" dirty="0" smtClean="0">
+                <a:latin typeface="Arial" panose="020B0604020202020204" pitchFamily="34" charset="0"/>
+                <a:cs typeface="Arial" panose="020B0604020202020204" pitchFamily="34" charset="0"/>
+              </a:rPr>
+              <a:t>Training Phase: Generate training data and accumulate the rewards in a summation matrix</a:t>
+            </a:r>
+          </a:p>
+          <a:p>
+            <a:pPr marL="285750" indent="-285750">
+              <a:lnSpc>
+                <a:spcPct val="150000"/>
+              </a:lnSpc>
+              <a:buFontTx/>
+              <a:buChar char="-"/>
+            </a:pPr>
+            <a:r>
+              <a:rPr lang="en-US" altLang="ko-KR" sz="1600" dirty="0" smtClean="0">
+                <a:latin typeface="Arial" panose="020B0604020202020204" pitchFamily="34" charset="0"/>
+                <a:cs typeface="Arial" panose="020B0604020202020204" pitchFamily="34" charset="0"/>
+              </a:rPr>
+              <a:t>Inference Phase: normalizing and applying activation function to the summation matrix</a:t>
+            </a:r>
+            <a:endParaRPr lang="en-US" altLang="ko-KR" sz="1600" dirty="0" smtClean="0">
+              <a:latin typeface="Arial" panose="020B0604020202020204" pitchFamily="34" charset="0"/>
+              <a:cs typeface="Arial" panose="020B0604020202020204" pitchFamily="34" charset="0"/>
+            </a:endParaRPr>
+          </a:p>
+          <a:p>
+            <a:pPr marL="285750" indent="-285750">
+              <a:lnSpc>
+                <a:spcPct val="150000"/>
+              </a:lnSpc>
+              <a:buFontTx/>
+              <a:buChar char="-"/>
+            </a:pPr>
+            <a:r>
               <a:rPr lang="en-US" altLang="ko-KR" sz="1600" i="1" dirty="0">
                 <a:latin typeface="Times New Roman" panose="02020603050405020304" pitchFamily="18" charset="0"/>
                 <a:cs typeface="Times New Roman" panose="02020603050405020304" pitchFamily="18" charset="0"/>
@@ -5195,16 +5567,12 @@
                 <a:latin typeface="Times New Roman" panose="02020603050405020304" pitchFamily="18" charset="0"/>
                 <a:cs typeface="Times New Roman" panose="02020603050405020304" pitchFamily="18" charset="0"/>
               </a:rPr>
-              <a:t>Algorithm </a:t>
-            </a:r>
-            <a:r>
-              <a:rPr lang="en-US" altLang="ko-KR" sz="1600" i="1" dirty="0" smtClean="0">
-                <a:latin typeface="Times New Roman" panose="02020603050405020304" pitchFamily="18" charset="0"/>
-                <a:cs typeface="Times New Roman" panose="02020603050405020304" pitchFamily="18" charset="0"/>
-              </a:rPr>
-              <a:t>flowchart</a:t>
-            </a:r>
-            <a:endParaRPr lang="en-US" altLang="ko-KR" sz="1600" dirty="0" smtClean="0"/>
+              <a:t>Algorithm flowchart</a:t>
+            </a:r>
+            <a:endParaRPr lang="en-US" altLang="ko-KR" sz="1600" dirty="0" smtClean="0">
+              <a:latin typeface="Times New Roman" panose="02020603050405020304" pitchFamily="18" charset="0"/>
+              <a:cs typeface="Times New Roman" panose="02020603050405020304" pitchFamily="18" charset="0"/>
+            </a:endParaRPr>
           </a:p>
         </p:txBody>
       </p:sp>
@@ -5216,8 +5584,8 @@
         </p:nvSpPr>
         <p:spPr>
           <a:xfrm>
-            <a:off x="0" y="6150114"/>
-            <a:ext cx="13100539" cy="707886"/>
+            <a:off x="1" y="6150114"/>
+            <a:ext cx="12192000" cy="707886"/>
           </a:xfrm>
           <a:prstGeom prst="rect">
             <a:avLst/>
@@ -5493,14 +5861,382 @@
       </p:grpSpPr>
       <p:sp>
         <p:nvSpPr>
-          <p:cNvPr id="4" name="TextBox 3"/>
+          <p:cNvPr id="8" name="모서리가 둥근 직사각형 7"/>
+          <p:cNvSpPr/>
+          <p:nvPr/>
+        </p:nvSpPr>
+        <p:spPr>
+          <a:xfrm>
+            <a:off x="2869721" y="1897812"/>
+            <a:ext cx="6452559" cy="2027207"/>
+          </a:xfrm>
+          <a:prstGeom prst="roundRect">
+            <a:avLst/>
+          </a:prstGeom>
+          <a:solidFill>
+            <a:schemeClr val="accent2">
+              <a:alpha val="65000"/>
+            </a:schemeClr>
+          </a:solidFill>
+          <a:ln w="38100">
+            <a:solidFill>
+              <a:schemeClr val="tx1"/>
+            </a:solidFill>
+            <a:prstDash val="dash"/>
+          </a:ln>
+        </p:spPr>
+        <p:style>
+          <a:lnRef idx="2">
+            <a:schemeClr val="accent1">
+              <a:shade val="50000"/>
+            </a:schemeClr>
+          </a:lnRef>
+          <a:fillRef idx="1">
+            <a:schemeClr val="accent1"/>
+          </a:fillRef>
+          <a:effectRef idx="0">
+            <a:schemeClr val="accent1"/>
+          </a:effectRef>
+          <a:fontRef idx="minor">
+            <a:schemeClr val="lt1"/>
+          </a:fontRef>
+        </p:style>
+        <p:txBody>
+          <a:bodyPr rtlCol="0" anchor="ctr"/>
+          <a:lstStyle/>
+          <a:p>
+            <a:pPr algn="ctr"/>
+            <a:endParaRPr lang="ko-KR" altLang="en-US"/>
+          </a:p>
+        </p:txBody>
+      </p:sp>
+      <p:sp>
+        <p:nvSpPr>
+          <p:cNvPr id="9" name="모서리가 둥근 직사각형 8"/>
+          <p:cNvSpPr/>
+          <p:nvPr/>
+        </p:nvSpPr>
+        <p:spPr>
+          <a:xfrm>
+            <a:off x="2869721" y="4209143"/>
+            <a:ext cx="6452559" cy="2027207"/>
+          </a:xfrm>
+          <a:prstGeom prst="roundRect">
+            <a:avLst/>
+          </a:prstGeom>
+          <a:solidFill>
+            <a:schemeClr val="accent6">
+              <a:alpha val="65000"/>
+            </a:schemeClr>
+          </a:solidFill>
+          <a:ln w="38100">
+            <a:solidFill>
+              <a:schemeClr val="tx1"/>
+            </a:solidFill>
+            <a:prstDash val="dash"/>
+          </a:ln>
+        </p:spPr>
+        <p:style>
+          <a:lnRef idx="2">
+            <a:schemeClr val="accent1">
+              <a:shade val="50000"/>
+            </a:schemeClr>
+          </a:lnRef>
+          <a:fillRef idx="1">
+            <a:schemeClr val="accent1"/>
+          </a:fillRef>
+          <a:effectRef idx="0">
+            <a:schemeClr val="accent1"/>
+          </a:effectRef>
+          <a:fontRef idx="minor">
+            <a:schemeClr val="lt1"/>
+          </a:fontRef>
+        </p:style>
+        <p:txBody>
+          <a:bodyPr rtlCol="0" anchor="ctr"/>
+          <a:lstStyle/>
+          <a:p>
+            <a:pPr algn="ctr"/>
+            <a:endParaRPr lang="ko-KR" altLang="en-US"/>
+          </a:p>
+        </p:txBody>
+      </p:sp>
+      <p:sp>
+        <p:nvSpPr>
+          <p:cNvPr id="4" name="직사각형 3"/>
+          <p:cNvSpPr/>
+          <p:nvPr/>
+        </p:nvSpPr>
+        <p:spPr>
+          <a:xfrm>
+            <a:off x="4728714" y="353688"/>
+            <a:ext cx="2734573" cy="1260000"/>
+          </a:xfrm>
+          <a:prstGeom prst="rect">
+            <a:avLst/>
+          </a:prstGeom>
+          <a:noFill/>
+          <a:ln w="28575">
+            <a:solidFill>
+              <a:schemeClr val="tx1"/>
+            </a:solidFill>
+          </a:ln>
+        </p:spPr>
+        <p:style>
+          <a:lnRef idx="2">
+            <a:schemeClr val="accent1">
+              <a:shade val="50000"/>
+            </a:schemeClr>
+          </a:lnRef>
+          <a:fillRef idx="1">
+            <a:schemeClr val="accent1"/>
+          </a:fillRef>
+          <a:effectRef idx="0">
+            <a:schemeClr val="accent1"/>
+          </a:effectRef>
+          <a:fontRef idx="minor">
+            <a:schemeClr val="lt1"/>
+          </a:fontRef>
+        </p:style>
+        <p:txBody>
+          <a:bodyPr rtlCol="0" anchor="ctr"/>
+          <a:lstStyle/>
+          <a:p>
+            <a:pPr algn="ctr"/>
+            <a:r>
+              <a:rPr lang="en-US" altLang="ko-KR" dirty="0" smtClean="0">
+                <a:solidFill>
+                  <a:schemeClr val="tx1"/>
+                </a:solidFill>
+                <a:latin typeface="Arial" panose="020B0604020202020204" pitchFamily="34" charset="0"/>
+                <a:ea typeface="Adobe Fan Heiti Std B" panose="020B0700000000000000" pitchFamily="34" charset="-128"/>
+                <a:cs typeface="Arial" panose="020B0604020202020204" pitchFamily="34" charset="0"/>
+              </a:rPr>
+              <a:t>Generate Training Data</a:t>
+            </a:r>
+            <a:endParaRPr lang="ko-KR" altLang="en-US" dirty="0">
+              <a:solidFill>
+                <a:schemeClr val="tx1"/>
+              </a:solidFill>
+              <a:latin typeface="Arial" panose="020B0604020202020204" pitchFamily="34" charset="0"/>
+              <a:cs typeface="Arial" panose="020B0604020202020204" pitchFamily="34" charset="0"/>
+            </a:endParaRPr>
+          </a:p>
+        </p:txBody>
+      </p:sp>
+      <p:sp>
+        <p:nvSpPr>
+          <p:cNvPr id="5" name="직사각형 4"/>
+          <p:cNvSpPr/>
+          <p:nvPr/>
+        </p:nvSpPr>
+        <p:spPr>
+          <a:xfrm>
+            <a:off x="4728714" y="2424021"/>
+            <a:ext cx="2734573" cy="1260000"/>
+          </a:xfrm>
+          <a:prstGeom prst="rect">
+            <a:avLst/>
+          </a:prstGeom>
+          <a:noFill/>
+          <a:ln w="28575">
+            <a:solidFill>
+              <a:schemeClr val="tx1"/>
+            </a:solidFill>
+          </a:ln>
+        </p:spPr>
+        <p:style>
+          <a:lnRef idx="2">
+            <a:schemeClr val="accent1">
+              <a:shade val="50000"/>
+            </a:schemeClr>
+          </a:lnRef>
+          <a:fillRef idx="1">
+            <a:schemeClr val="accent1"/>
+          </a:fillRef>
+          <a:effectRef idx="0">
+            <a:schemeClr val="accent1"/>
+          </a:effectRef>
+          <a:fontRef idx="minor">
+            <a:schemeClr val="lt1"/>
+          </a:fontRef>
+        </p:style>
+        <p:txBody>
+          <a:bodyPr rtlCol="0" anchor="ctr"/>
+          <a:lstStyle/>
+          <a:p>
+            <a:pPr algn="ctr"/>
+            <a:r>
+              <a:rPr lang="en-US" altLang="ko-KR" dirty="0" smtClean="0">
+                <a:solidFill>
+                  <a:schemeClr val="tx1"/>
+                </a:solidFill>
+                <a:latin typeface="Arial" panose="020B0604020202020204" pitchFamily="34" charset="0"/>
+                <a:ea typeface="Adobe Fan Heiti Std B" panose="020B0700000000000000" pitchFamily="34" charset="-128"/>
+                <a:cs typeface="Arial" panose="020B0604020202020204" pitchFamily="34" charset="0"/>
+              </a:rPr>
+              <a:t>Reward Calculation and</a:t>
+            </a:r>
+          </a:p>
+          <a:p>
+            <a:pPr algn="ctr"/>
+            <a:r>
+              <a:rPr lang="en-US" altLang="ko-KR" dirty="0" smtClean="0">
+                <a:solidFill>
+                  <a:schemeClr val="tx1"/>
+                </a:solidFill>
+                <a:latin typeface="Arial" panose="020B0604020202020204" pitchFamily="34" charset="0"/>
+                <a:ea typeface="Adobe Fan Heiti Std B" panose="020B0700000000000000" pitchFamily="34" charset="-128"/>
+                <a:cs typeface="Arial" panose="020B0604020202020204" pitchFamily="34" charset="0"/>
+              </a:rPr>
+              <a:t>Data Storage</a:t>
+            </a:r>
+            <a:endParaRPr lang="ko-KR" altLang="en-US" dirty="0">
+              <a:solidFill>
+                <a:schemeClr val="tx1"/>
+              </a:solidFill>
+              <a:latin typeface="Arial" panose="020B0604020202020204" pitchFamily="34" charset="0"/>
+              <a:cs typeface="Arial" panose="020B0604020202020204" pitchFamily="34" charset="0"/>
+            </a:endParaRPr>
+          </a:p>
+        </p:txBody>
+      </p:sp>
+      <p:sp>
+        <p:nvSpPr>
+          <p:cNvPr id="6" name="직사각형 5"/>
+          <p:cNvSpPr/>
+          <p:nvPr/>
+        </p:nvSpPr>
+        <p:spPr>
+          <a:xfrm>
+            <a:off x="3072443" y="4692220"/>
+            <a:ext cx="2734573" cy="1260000"/>
+          </a:xfrm>
+          <a:prstGeom prst="rect">
+            <a:avLst/>
+          </a:prstGeom>
+          <a:noFill/>
+          <a:ln w="28575">
+            <a:solidFill>
+              <a:schemeClr val="tx1"/>
+            </a:solidFill>
+          </a:ln>
+        </p:spPr>
+        <p:style>
+          <a:lnRef idx="2">
+            <a:schemeClr val="accent1">
+              <a:shade val="50000"/>
+            </a:schemeClr>
+          </a:lnRef>
+          <a:fillRef idx="1">
+            <a:schemeClr val="accent1"/>
+          </a:fillRef>
+          <a:effectRef idx="0">
+            <a:schemeClr val="accent1"/>
+          </a:effectRef>
+          <a:fontRef idx="minor">
+            <a:schemeClr val="lt1"/>
+          </a:fontRef>
+        </p:style>
+        <p:txBody>
+          <a:bodyPr rtlCol="0" anchor="ctr"/>
+          <a:lstStyle/>
+          <a:p>
+            <a:pPr algn="ctr"/>
+            <a:r>
+              <a:rPr lang="en-US" altLang="ko-KR" dirty="0" smtClean="0">
+                <a:solidFill>
+                  <a:schemeClr val="tx1"/>
+                </a:solidFill>
+                <a:latin typeface="Arial" panose="020B0604020202020204" pitchFamily="34" charset="0"/>
+                <a:ea typeface="Adobe Fan Heiti Std B" panose="020B0700000000000000" pitchFamily="34" charset="-128"/>
+                <a:cs typeface="Arial" panose="020B0604020202020204" pitchFamily="34" charset="0"/>
+              </a:rPr>
+              <a:t>Analyzing Stored Data</a:t>
+            </a:r>
+            <a:endParaRPr lang="ko-KR" altLang="en-US" dirty="0">
+              <a:solidFill>
+                <a:schemeClr val="tx1"/>
+              </a:solidFill>
+              <a:latin typeface="Arial" panose="020B0604020202020204" pitchFamily="34" charset="0"/>
+              <a:cs typeface="Arial" panose="020B0604020202020204" pitchFamily="34" charset="0"/>
+            </a:endParaRPr>
+          </a:p>
+        </p:txBody>
+      </p:sp>
+      <p:sp>
+        <p:nvSpPr>
+          <p:cNvPr id="7" name="직사각형 6"/>
+          <p:cNvSpPr/>
+          <p:nvPr/>
+        </p:nvSpPr>
+        <p:spPr>
+          <a:xfrm>
+            <a:off x="6423806" y="4700847"/>
+            <a:ext cx="2734573" cy="1260000"/>
+          </a:xfrm>
+          <a:prstGeom prst="rect">
+            <a:avLst/>
+          </a:prstGeom>
+          <a:noFill/>
+          <a:ln w="28575">
+            <a:solidFill>
+              <a:schemeClr val="tx1"/>
+            </a:solidFill>
+          </a:ln>
+        </p:spPr>
+        <p:style>
+          <a:lnRef idx="2">
+            <a:schemeClr val="accent1">
+              <a:shade val="50000"/>
+            </a:schemeClr>
+          </a:lnRef>
+          <a:fillRef idx="1">
+            <a:schemeClr val="accent1"/>
+          </a:fillRef>
+          <a:effectRef idx="0">
+            <a:schemeClr val="accent1"/>
+          </a:effectRef>
+          <a:fontRef idx="minor">
+            <a:schemeClr val="lt1"/>
+          </a:fontRef>
+        </p:style>
+        <p:txBody>
+          <a:bodyPr rtlCol="0" anchor="ctr"/>
+          <a:lstStyle/>
+          <a:p>
+            <a:pPr algn="ctr"/>
+            <a:r>
+              <a:rPr lang="en-US" altLang="ko-KR" dirty="0" smtClean="0">
+                <a:solidFill>
+                  <a:schemeClr val="tx1"/>
+                </a:solidFill>
+                <a:latin typeface="Arial" panose="020B0604020202020204" pitchFamily="34" charset="0"/>
+                <a:ea typeface="Adobe Fan Heiti Std B" panose="020B0700000000000000" pitchFamily="34" charset="-128"/>
+                <a:cs typeface="Arial" panose="020B0604020202020204" pitchFamily="34" charset="0"/>
+              </a:rPr>
+              <a:t>Final Photonic Structure</a:t>
+            </a:r>
+            <a:endParaRPr lang="ko-KR" altLang="en-US" dirty="0">
+              <a:solidFill>
+                <a:schemeClr val="tx1"/>
+              </a:solidFill>
+              <a:latin typeface="Arial" panose="020B0604020202020204" pitchFamily="34" charset="0"/>
+              <a:cs typeface="Arial" panose="020B0604020202020204" pitchFamily="34" charset="0"/>
+            </a:endParaRPr>
+          </a:p>
+        </p:txBody>
+      </p:sp>
+      <p:sp>
+        <p:nvSpPr>
+          <p:cNvPr id="10" name="TextBox 9"/>
           <p:cNvSpPr txBox="1"/>
           <p:nvPr/>
         </p:nvSpPr>
         <p:spPr>
           <a:xfrm>
-            <a:off x="0" y="0"/>
-            <a:ext cx="3367454" cy="400110"/>
+            <a:off x="7149668" y="2002934"/>
+            <a:ext cx="1854911" cy="369332"/>
           </a:xfrm>
           <a:prstGeom prst="rect">
             <a:avLst/>
@@ -5514,23 +6250,30 @@
           <a:lstStyle/>
           <a:p>
             <a:r>
-              <a:rPr lang="en-US" altLang="ko-KR" sz="2000" b="1" dirty="0" smtClean="0"/>
-              <a:t>Method</a:t>
-            </a:r>
-            <a:endParaRPr lang="ko-KR" altLang="en-US" sz="2000" b="1" dirty="0"/>
-          </a:p>
-        </p:txBody>
-      </p:sp>
-      <p:sp>
-        <p:nvSpPr>
-          <p:cNvPr id="5" name="TextBox 4"/>
+              <a:rPr lang="en-US" altLang="ko-KR" b="1" dirty="0" smtClean="0">
+                <a:latin typeface="Arial" panose="020B0604020202020204" pitchFamily="34" charset="0"/>
+                <a:ea typeface="Adobe Fan Heiti Std B" panose="020B0700000000000000" pitchFamily="34" charset="-128"/>
+                <a:cs typeface="Arial" panose="020B0604020202020204" pitchFamily="34" charset="0"/>
+              </a:rPr>
+              <a:t>Training Phase</a:t>
+            </a:r>
+            <a:endParaRPr lang="ko-KR" altLang="en-US" b="1" dirty="0">
+              <a:latin typeface="Arial" panose="020B0604020202020204" pitchFamily="34" charset="0"/>
+              <a:cs typeface="Arial" panose="020B0604020202020204" pitchFamily="34" charset="0"/>
+            </a:endParaRPr>
+          </a:p>
+        </p:txBody>
+      </p:sp>
+      <p:sp>
+        <p:nvSpPr>
+          <p:cNvPr id="11" name="TextBox 10"/>
           <p:cNvSpPr txBox="1"/>
           <p:nvPr/>
         </p:nvSpPr>
         <p:spPr>
           <a:xfrm>
-            <a:off x="1" y="400110"/>
-            <a:ext cx="12191999" cy="4154984"/>
+            <a:off x="7149669" y="4309149"/>
+            <a:ext cx="2008710" cy="369332"/>
           </a:xfrm>
           <a:prstGeom prst="rect">
             <a:avLst/>
@@ -5543,218 +6286,167 @@
           </a:bodyPr>
           <a:lstStyle/>
           <a:p>
-            <a:pPr>
-              <a:lnSpc>
-                <a:spcPct val="150000"/>
-              </a:lnSpc>
-            </a:pPr>
-            <a:r>
-              <a:rPr lang="en-US" altLang="ko-KR" sz="1600" dirty="0" smtClean="0"/>
-              <a:t>Paragraphs </a:t>
-            </a:r>
-            <a:r>
-              <a:rPr lang="ko-KR" altLang="en-US" sz="1600" dirty="0" smtClean="0"/>
-              <a:t>구성</a:t>
-            </a:r>
-            <a:endParaRPr lang="en-US" altLang="ko-KR" sz="1600" dirty="0" smtClean="0"/>
-          </a:p>
-          <a:p>
-            <a:pPr marL="285750" indent="-285750">
-              <a:lnSpc>
-                <a:spcPct val="150000"/>
-              </a:lnSpc>
-              <a:buFont typeface="Arial" panose="020B0604020202020204" pitchFamily="34" charset="0"/>
-              <a:buChar char="•"/>
-            </a:pPr>
-            <a:r>
-              <a:rPr lang="en-US" altLang="ko-KR" sz="1600" b="1" dirty="0" smtClean="0"/>
-              <a:t>I</a:t>
-            </a:r>
-            <a:r>
-              <a:rPr lang="en-US" altLang="ko-KR" sz="1600" b="1" dirty="0" smtClean="0"/>
-              <a:t>ntegrated </a:t>
-            </a:r>
-            <a:r>
-              <a:rPr lang="en-US" altLang="ko-KR" sz="1600" b="1" dirty="0"/>
-              <a:t>photonic 1x3 power splitter</a:t>
-            </a:r>
-          </a:p>
-          <a:p>
-            <a:pPr marL="285750" indent="-285750">
-              <a:lnSpc>
-                <a:spcPct val="150000"/>
-              </a:lnSpc>
-              <a:buFontTx/>
-              <a:buChar char="-"/>
-            </a:pPr>
-            <a:r>
-              <a:rPr lang="en-US" altLang="ko-KR" sz="1600" dirty="0" smtClean="0"/>
-              <a:t>SOI platform: 9 um radii, 20x20 air-hole on 500 um box</a:t>
-            </a:r>
-          </a:p>
-          <a:p>
-            <a:pPr marL="285750" indent="-285750">
-              <a:lnSpc>
-                <a:spcPct val="150000"/>
-              </a:lnSpc>
-              <a:buFontTx/>
-              <a:buChar char="-"/>
-            </a:pPr>
-            <a:r>
-              <a:rPr lang="en-US" altLang="ko-KR" sz="1600" dirty="0" smtClean="0"/>
-              <a:t>not </a:t>
-            </a:r>
-            <a:r>
-              <a:rPr lang="en-US" altLang="ko-KR" sz="1600" dirty="0"/>
-              <a:t>aim to maximize the operation </a:t>
-            </a:r>
-            <a:r>
-              <a:rPr lang="en-US" altLang="ko-KR" sz="1600" dirty="0" smtClean="0"/>
-              <a:t>bandwidth, broadband transmission 275 ~ 325 um</a:t>
-            </a:r>
-            <a:endParaRPr lang="en-US" altLang="ko-KR" sz="1600" dirty="0"/>
-          </a:p>
-          <a:p>
-            <a:pPr marL="285750" indent="-285750">
-              <a:lnSpc>
-                <a:spcPct val="150000"/>
-              </a:lnSpc>
-              <a:buFontTx/>
-              <a:buChar char="-"/>
-            </a:pPr>
-            <a:r>
-              <a:rPr lang="en-US" altLang="ko-KR" sz="1600" dirty="0" smtClean="0"/>
-              <a:t>Fundamental TE mode, 1:1:1 uniform</a:t>
-            </a:r>
-          </a:p>
-          <a:p>
-            <a:pPr marL="285750" indent="-285750">
-              <a:lnSpc>
-                <a:spcPct val="150000"/>
-              </a:lnSpc>
-              <a:buFontTx/>
-              <a:buChar char="-"/>
-            </a:pPr>
-            <a:r>
-              <a:rPr lang="en-US" altLang="ko-KR" sz="1600" dirty="0" smtClean="0"/>
-              <a:t>Refractive index is fixed to </a:t>
-            </a:r>
-            <a:r>
-              <a:rPr lang="en-US" altLang="ko-KR" sz="1600" dirty="0" err="1" smtClean="0"/>
-              <a:t>n</a:t>
-            </a:r>
-            <a:r>
-              <a:rPr lang="en-US" altLang="ko-KR" sz="1600" baseline="-25000" dirty="0" err="1" smtClean="0"/>
-              <a:t>Si</a:t>
-            </a:r>
-            <a:r>
-              <a:rPr lang="en-US" altLang="ko-KR" sz="1600" dirty="0" smtClean="0"/>
-              <a:t> = 3.41.</a:t>
-            </a:r>
-            <a:endParaRPr lang="en-US" altLang="ko-KR" sz="1600" dirty="0" smtClean="0"/>
-          </a:p>
-          <a:p>
-            <a:pPr marL="285750" indent="-285750">
-              <a:lnSpc>
-                <a:spcPct val="150000"/>
-              </a:lnSpc>
-              <a:buFontTx/>
-              <a:buChar char="-"/>
-            </a:pPr>
-            <a:r>
-              <a:rPr lang="en-US" altLang="ko-KR" sz="1600" i="1" dirty="0">
+            <a:r>
+              <a:rPr lang="en-US" altLang="ko-KR" b="1" dirty="0" smtClean="0">
+                <a:latin typeface="Arial" panose="020B0604020202020204" pitchFamily="34" charset="0"/>
+                <a:ea typeface="Adobe Fan Heiti Std B" panose="020B0700000000000000" pitchFamily="34" charset="-128"/>
+                <a:cs typeface="Arial" panose="020B0604020202020204" pitchFamily="34" charset="0"/>
+              </a:rPr>
+              <a:t>Inference Phase</a:t>
+            </a:r>
+            <a:endParaRPr lang="ko-KR" altLang="en-US" b="1" dirty="0">
+              <a:latin typeface="Arial" panose="020B0604020202020204" pitchFamily="34" charset="0"/>
+              <a:cs typeface="Arial" panose="020B0604020202020204" pitchFamily="34" charset="0"/>
+            </a:endParaRPr>
+          </a:p>
+        </p:txBody>
+      </p:sp>
+      <p:cxnSp>
+        <p:nvCxnSpPr>
+          <p:cNvPr id="18" name="직선 화살표 연결선 17"/>
+          <p:cNvCxnSpPr>
+            <a:stCxn id="4" idx="2"/>
+            <a:endCxn id="5" idx="0"/>
+          </p:cNvCxnSpPr>
+          <p:nvPr/>
+        </p:nvCxnSpPr>
+        <p:spPr>
+          <a:xfrm>
+            <a:off x="6096001" y="1613688"/>
+            <a:ext cx="0" cy="810333"/>
+          </a:xfrm>
+          <a:prstGeom prst="straightConnector1">
+            <a:avLst/>
+          </a:prstGeom>
+          <a:ln w="28575">
+            <a:tailEnd type="triangle"/>
+          </a:ln>
+        </p:spPr>
+        <p:style>
+          <a:lnRef idx="1">
+            <a:schemeClr val="dk1"/>
+          </a:lnRef>
+          <a:fillRef idx="0">
+            <a:schemeClr val="dk1"/>
+          </a:fillRef>
+          <a:effectRef idx="0">
+            <a:schemeClr val="dk1"/>
+          </a:effectRef>
+          <a:fontRef idx="minor">
+            <a:schemeClr val="tx1"/>
+          </a:fontRef>
+        </p:style>
+      </p:cxnSp>
+      <p:cxnSp>
+        <p:nvCxnSpPr>
+          <p:cNvPr id="27" name="꺾인 연결선 26"/>
+          <p:cNvCxnSpPr>
+            <a:stCxn id="5" idx="2"/>
+            <a:endCxn id="6" idx="0"/>
+          </p:cNvCxnSpPr>
+          <p:nvPr/>
+        </p:nvCxnSpPr>
+        <p:spPr>
+          <a:xfrm rot="5400000">
+            <a:off x="4763767" y="3359985"/>
+            <a:ext cx="1008199" cy="1656271"/>
+          </a:xfrm>
+          <a:prstGeom prst="bentConnector3">
+            <a:avLst>
+              <a:gd name="adj1" fmla="val 66579"/>
+            </a:avLst>
+          </a:prstGeom>
+          <a:ln w="28575">
+            <a:tailEnd type="triangle"/>
+          </a:ln>
+        </p:spPr>
+        <p:style>
+          <a:lnRef idx="1">
+            <a:schemeClr val="dk1"/>
+          </a:lnRef>
+          <a:fillRef idx="0">
+            <a:schemeClr val="dk1"/>
+          </a:fillRef>
+          <a:effectRef idx="0">
+            <a:schemeClr val="dk1"/>
+          </a:effectRef>
+          <a:fontRef idx="minor">
+            <a:schemeClr val="tx1"/>
+          </a:fontRef>
+        </p:style>
+      </p:cxnSp>
+      <p:cxnSp>
+        <p:nvCxnSpPr>
+          <p:cNvPr id="32" name="직선 화살표 연결선 31"/>
+          <p:cNvCxnSpPr>
+            <a:stCxn id="6" idx="3"/>
+            <a:endCxn id="7" idx="1"/>
+          </p:cNvCxnSpPr>
+          <p:nvPr/>
+        </p:nvCxnSpPr>
+        <p:spPr>
+          <a:xfrm>
+            <a:off x="5807016" y="5322220"/>
+            <a:ext cx="616790" cy="8627"/>
+          </a:xfrm>
+          <a:prstGeom prst="straightConnector1">
+            <a:avLst/>
+          </a:prstGeom>
+          <a:ln w="28575">
+            <a:tailEnd type="triangle"/>
+          </a:ln>
+        </p:spPr>
+        <p:style>
+          <a:lnRef idx="1">
+            <a:schemeClr val="dk1"/>
+          </a:lnRef>
+          <a:fillRef idx="0">
+            <a:schemeClr val="dk1"/>
+          </a:fillRef>
+          <a:effectRef idx="0">
+            <a:schemeClr val="dk1"/>
+          </a:effectRef>
+          <a:fontRef idx="minor">
+            <a:schemeClr val="tx1"/>
+          </a:fontRef>
+        </p:style>
+      </p:cxnSp>
+      <p:sp>
+        <p:nvSpPr>
+          <p:cNvPr id="36" name="직사각형 35"/>
+          <p:cNvSpPr/>
+          <p:nvPr/>
+        </p:nvSpPr>
+        <p:spPr>
+          <a:xfrm>
+            <a:off x="56066" y="169022"/>
+            <a:ext cx="2813655" cy="369332"/>
+          </a:xfrm>
+          <a:prstGeom prst="rect">
+            <a:avLst/>
+          </a:prstGeom>
+        </p:spPr>
+        <p:txBody>
+          <a:bodyPr wrap="none">
+            <a:spAutoFit/>
+          </a:bodyPr>
+          <a:lstStyle/>
+          <a:p>
+            <a:r>
+              <a:rPr lang="en-US" altLang="ko-KR" i="1" dirty="0">
                 <a:latin typeface="Times New Roman" panose="02020603050405020304" pitchFamily="18" charset="0"/>
                 <a:cs typeface="Times New Roman" panose="02020603050405020304" pitchFamily="18" charset="0"/>
               </a:rPr>
-              <a:t>Figure: </a:t>
-            </a:r>
-            <a:r>
-              <a:rPr lang="en-US" altLang="ko-KR" sz="1600" i="1" dirty="0" smtClean="0">
-                <a:latin typeface="Times New Roman" panose="02020603050405020304" pitchFamily="18" charset="0"/>
-                <a:cs typeface="Times New Roman" panose="02020603050405020304" pitchFamily="18" charset="0"/>
-              </a:rPr>
-              <a:t>Design base structure and condition</a:t>
-            </a:r>
-            <a:endParaRPr lang="en-US" altLang="ko-KR" sz="1600" dirty="0" smtClean="0"/>
-          </a:p>
-          <a:p>
-            <a:pPr marL="285750" indent="-285750">
-              <a:lnSpc>
-                <a:spcPct val="150000"/>
-              </a:lnSpc>
-              <a:buFont typeface="Arial" panose="020B0604020202020204" pitchFamily="34" charset="0"/>
-              <a:buChar char="•"/>
-            </a:pPr>
-            <a:r>
-              <a:rPr lang="en-US" altLang="ko-KR" sz="1600" b="1" dirty="0"/>
-              <a:t>Generate labeled data for training phase</a:t>
-            </a:r>
-          </a:p>
-          <a:p>
-            <a:pPr marL="285750" indent="-285750">
-              <a:lnSpc>
-                <a:spcPct val="150000"/>
-              </a:lnSpc>
-              <a:buFontTx/>
-              <a:buChar char="-"/>
-            </a:pPr>
-            <a:r>
-              <a:rPr lang="en-US" altLang="ko-KR" sz="1600" dirty="0"/>
-              <a:t>Commercially available software </a:t>
-            </a:r>
-            <a:r>
-              <a:rPr lang="en-US" altLang="ko-KR" sz="1600" dirty="0" err="1"/>
-              <a:t>Lumerical</a:t>
-            </a:r>
-            <a:r>
-              <a:rPr lang="en-US" altLang="ko-KR" sz="1600" dirty="0"/>
-              <a:t> FDTD </a:t>
-            </a:r>
-            <a:r>
-              <a:rPr lang="en-US" altLang="ko-KR" sz="1600" dirty="0" smtClean="0"/>
-              <a:t>solutions</a:t>
-            </a:r>
-          </a:p>
-          <a:p>
-            <a:pPr marL="285750" indent="-285750">
-              <a:lnSpc>
-                <a:spcPct val="150000"/>
-              </a:lnSpc>
-              <a:buFontTx/>
-              <a:buChar char="-"/>
-            </a:pPr>
-            <a:r>
-              <a:rPr lang="en-US" altLang="ko-KR" sz="1600" dirty="0" smtClean="0"/>
-              <a:t> 2 Intel Xeon CPU with 2.5 GHz clock speed and 383 GB RAM about 1 weeks to complete collecting 100,000 simulation data</a:t>
-            </a:r>
-            <a:endParaRPr lang="en-US" altLang="ko-KR" sz="1600" dirty="0" smtClean="0"/>
-          </a:p>
-          <a:p>
-            <a:pPr marL="285750" indent="-285750">
-              <a:lnSpc>
-                <a:spcPct val="150000"/>
-              </a:lnSpc>
-              <a:buFontTx/>
-              <a:buChar char="-"/>
-            </a:pPr>
-            <a:r>
-              <a:rPr lang="en-US" altLang="ko-KR" sz="1600" i="1" dirty="0" smtClean="0">
-                <a:latin typeface="Times New Roman" panose="02020603050405020304" pitchFamily="18" charset="0"/>
-                <a:cs typeface="Times New Roman" panose="02020603050405020304" pitchFamily="18" charset="0"/>
-              </a:rPr>
-              <a:t>Figure: Data transmission distribution</a:t>
-            </a:r>
-            <a:endParaRPr lang="en-US" altLang="ko-KR" sz="1600" i="1" dirty="0">
-              <a:latin typeface="Times New Roman" panose="02020603050405020304" pitchFamily="18" charset="0"/>
-              <a:cs typeface="Times New Roman" panose="02020603050405020304" pitchFamily="18" charset="0"/>
-            </a:endParaRPr>
+              <a:t>Figure: Algorithm flowchart</a:t>
+            </a:r>
+            <a:endParaRPr lang="ko-KR" altLang="en-US" dirty="0"/>
           </a:p>
         </p:txBody>
       </p:sp>
     </p:spTree>
     <p:extLst>
       <p:ext uri="{BB962C8B-B14F-4D97-AF65-F5344CB8AC3E}">
-        <p14:creationId xmlns:p14="http://schemas.microsoft.com/office/powerpoint/2010/main" val="2952532082"/>
+        <p14:creationId xmlns:p14="http://schemas.microsoft.com/office/powerpoint/2010/main" val="2424010735"/>
       </p:ext>
     </p:extLst>
   </p:cSld>
@@ -5804,10 +6496,457 @@
           <a:lstStyle/>
           <a:p>
             <a:r>
-              <a:rPr lang="en-US" altLang="ko-KR" sz="2000" b="1" dirty="0" smtClean="0"/>
+              <a:rPr lang="en-US" altLang="ko-KR" sz="2000" b="1" dirty="0" smtClean="0">
+                <a:latin typeface="Arial" panose="020B0604020202020204" pitchFamily="34" charset="0"/>
+                <a:cs typeface="Arial" panose="020B0604020202020204" pitchFamily="34" charset="0"/>
+              </a:rPr>
+              <a:t>Method</a:t>
+            </a:r>
+            <a:endParaRPr lang="ko-KR" altLang="en-US" sz="2000" b="1" dirty="0">
+              <a:latin typeface="Arial" panose="020B0604020202020204" pitchFamily="34" charset="0"/>
+              <a:cs typeface="Arial" panose="020B0604020202020204" pitchFamily="34" charset="0"/>
+            </a:endParaRPr>
+          </a:p>
+        </p:txBody>
+      </p:sp>
+      <p:sp>
+        <p:nvSpPr>
+          <p:cNvPr id="5" name="TextBox 4"/>
+          <p:cNvSpPr txBox="1"/>
+          <p:nvPr/>
+        </p:nvSpPr>
+        <p:spPr>
+          <a:xfrm>
+            <a:off x="1" y="400110"/>
+            <a:ext cx="12191999" cy="4893647"/>
+          </a:xfrm>
+          <a:prstGeom prst="rect">
+            <a:avLst/>
+          </a:prstGeom>
+          <a:noFill/>
+        </p:spPr>
+        <p:txBody>
+          <a:bodyPr wrap="square" rtlCol="0">
+            <a:spAutoFit/>
+          </a:bodyPr>
+          <a:lstStyle/>
+          <a:p>
+            <a:pPr>
+              <a:lnSpc>
+                <a:spcPct val="150000"/>
+              </a:lnSpc>
+            </a:pPr>
+            <a:r>
+              <a:rPr lang="en-US" altLang="ko-KR" sz="1600" dirty="0" smtClean="0">
+                <a:latin typeface="Arial" panose="020B0604020202020204" pitchFamily="34" charset="0"/>
+                <a:cs typeface="Arial" panose="020B0604020202020204" pitchFamily="34" charset="0"/>
+              </a:rPr>
+              <a:t>Paragraphs </a:t>
+            </a:r>
+            <a:r>
+              <a:rPr lang="ko-KR" altLang="en-US" sz="1600" dirty="0" smtClean="0">
+                <a:latin typeface="Arial" panose="020B0604020202020204" pitchFamily="34" charset="0"/>
+                <a:cs typeface="Arial" panose="020B0604020202020204" pitchFamily="34" charset="0"/>
+              </a:rPr>
+              <a:t>구성</a:t>
+            </a:r>
+            <a:endParaRPr lang="en-US" altLang="ko-KR" sz="1600" dirty="0" smtClean="0">
+              <a:latin typeface="Arial" panose="020B0604020202020204" pitchFamily="34" charset="0"/>
+              <a:cs typeface="Arial" panose="020B0604020202020204" pitchFamily="34" charset="0"/>
+            </a:endParaRPr>
+          </a:p>
+          <a:p>
+            <a:pPr marL="285750" indent="-285750">
+              <a:lnSpc>
+                <a:spcPct val="150000"/>
+              </a:lnSpc>
+              <a:buFont typeface="Arial" panose="020B0604020202020204" pitchFamily="34" charset="0"/>
+              <a:buChar char="•"/>
+            </a:pPr>
+            <a:r>
+              <a:rPr lang="en-US" altLang="ko-KR" sz="1600" b="1" dirty="0" smtClean="0">
+                <a:latin typeface="Arial" panose="020B0604020202020204" pitchFamily="34" charset="0"/>
+                <a:cs typeface="Arial" panose="020B0604020202020204" pitchFamily="34" charset="0"/>
+              </a:rPr>
+              <a:t>Integrated </a:t>
+            </a:r>
+            <a:r>
+              <a:rPr lang="en-US" altLang="ko-KR" sz="1600" b="1" dirty="0">
+                <a:latin typeface="Arial" panose="020B0604020202020204" pitchFamily="34" charset="0"/>
+                <a:cs typeface="Arial" panose="020B0604020202020204" pitchFamily="34" charset="0"/>
+              </a:rPr>
+              <a:t>photonic </a:t>
+            </a:r>
+            <a:r>
+              <a:rPr lang="en-US" altLang="ko-KR" sz="1600" b="1" dirty="0" smtClean="0">
+                <a:latin typeface="Arial" panose="020B0604020202020204" pitchFamily="34" charset="0"/>
+                <a:cs typeface="Arial" panose="020B0604020202020204" pitchFamily="34" charset="0"/>
+              </a:rPr>
+              <a:t>1x2 </a:t>
+            </a:r>
+            <a:r>
+              <a:rPr lang="en-US" altLang="ko-KR" sz="1600" b="1" dirty="0">
+                <a:latin typeface="Arial" panose="020B0604020202020204" pitchFamily="34" charset="0"/>
+                <a:cs typeface="Arial" panose="020B0604020202020204" pitchFamily="34" charset="0"/>
+              </a:rPr>
+              <a:t>power splitter</a:t>
+            </a:r>
+          </a:p>
+          <a:p>
+            <a:pPr marL="285750" indent="-285750">
+              <a:lnSpc>
+                <a:spcPct val="150000"/>
+              </a:lnSpc>
+              <a:buFontTx/>
+              <a:buChar char="-"/>
+            </a:pPr>
+            <a:r>
+              <a:rPr lang="en-US" altLang="ko-KR" sz="1600" dirty="0" smtClean="0">
+                <a:latin typeface="Arial" panose="020B0604020202020204" pitchFamily="34" charset="0"/>
+                <a:cs typeface="Arial" panose="020B0604020202020204" pitchFamily="34" charset="0"/>
+              </a:rPr>
+              <a:t>Not a arbitrary device, fixed size.</a:t>
+            </a:r>
+          </a:p>
+          <a:p>
+            <a:pPr marL="285750" indent="-285750">
+              <a:lnSpc>
+                <a:spcPct val="150000"/>
+              </a:lnSpc>
+              <a:buFontTx/>
+              <a:buChar char="-"/>
+            </a:pPr>
+            <a:r>
+              <a:rPr lang="en-US" altLang="ko-KR" sz="1600" dirty="0" smtClean="0">
+                <a:latin typeface="Arial" panose="020B0604020202020204" pitchFamily="34" charset="0"/>
+                <a:cs typeface="Arial" panose="020B0604020202020204" pitchFamily="34" charset="0"/>
+              </a:rPr>
+              <a:t>2D FDTD simulation for time-saving</a:t>
+            </a:r>
+            <a:endParaRPr lang="en-US" altLang="ko-KR" sz="1600" dirty="0" smtClean="0">
+              <a:latin typeface="Arial" panose="020B0604020202020204" pitchFamily="34" charset="0"/>
+              <a:cs typeface="Arial" panose="020B0604020202020204" pitchFamily="34" charset="0"/>
+            </a:endParaRPr>
+          </a:p>
+          <a:p>
+            <a:pPr marL="285750" indent="-285750">
+              <a:lnSpc>
+                <a:spcPct val="150000"/>
+              </a:lnSpc>
+              <a:buFontTx/>
+              <a:buChar char="-"/>
+            </a:pPr>
+            <a:r>
+              <a:rPr lang="en-US" altLang="ko-KR" sz="1600" dirty="0" smtClean="0">
+                <a:latin typeface="Arial" panose="020B0604020202020204" pitchFamily="34" charset="0"/>
+                <a:cs typeface="Arial" panose="020B0604020202020204" pitchFamily="34" charset="0"/>
+              </a:rPr>
+              <a:t>SOI </a:t>
+            </a:r>
+            <a:r>
+              <a:rPr lang="en-US" altLang="ko-KR" sz="1600" dirty="0" smtClean="0">
+                <a:latin typeface="Arial" panose="020B0604020202020204" pitchFamily="34" charset="0"/>
+                <a:cs typeface="Arial" panose="020B0604020202020204" pitchFamily="34" charset="0"/>
+              </a:rPr>
+              <a:t>platform: 9 um radii, 20x20 air-hole on 500 um box</a:t>
+            </a:r>
+          </a:p>
+          <a:p>
+            <a:pPr marL="285750" indent="-285750">
+              <a:lnSpc>
+                <a:spcPct val="150000"/>
+              </a:lnSpc>
+              <a:buFontTx/>
+              <a:buChar char="-"/>
+            </a:pPr>
+            <a:r>
+              <a:rPr lang="en-US" altLang="ko-KR" sz="1600" dirty="0" smtClean="0">
+                <a:latin typeface="Arial" panose="020B0604020202020204" pitchFamily="34" charset="0"/>
+                <a:cs typeface="Arial" panose="020B0604020202020204" pitchFamily="34" charset="0"/>
+              </a:rPr>
+              <a:t>not </a:t>
+            </a:r>
+            <a:r>
+              <a:rPr lang="en-US" altLang="ko-KR" sz="1600" dirty="0">
+                <a:latin typeface="Arial" panose="020B0604020202020204" pitchFamily="34" charset="0"/>
+                <a:cs typeface="Arial" panose="020B0604020202020204" pitchFamily="34" charset="0"/>
+              </a:rPr>
+              <a:t>aim to maximize the operation </a:t>
+            </a:r>
+            <a:r>
+              <a:rPr lang="en-US" altLang="ko-KR" sz="1600" dirty="0" smtClean="0">
+                <a:latin typeface="Arial" panose="020B0604020202020204" pitchFamily="34" charset="0"/>
+                <a:cs typeface="Arial" panose="020B0604020202020204" pitchFamily="34" charset="0"/>
+              </a:rPr>
+              <a:t>bandwidth, broadband transmission 275 ~ 325 um</a:t>
+            </a:r>
+            <a:endParaRPr lang="en-US" altLang="ko-KR" sz="1600" dirty="0">
+              <a:latin typeface="Arial" panose="020B0604020202020204" pitchFamily="34" charset="0"/>
+              <a:cs typeface="Arial" panose="020B0604020202020204" pitchFamily="34" charset="0"/>
+            </a:endParaRPr>
+          </a:p>
+          <a:p>
+            <a:pPr marL="285750" indent="-285750">
+              <a:lnSpc>
+                <a:spcPct val="150000"/>
+              </a:lnSpc>
+              <a:buFontTx/>
+              <a:buChar char="-"/>
+            </a:pPr>
+            <a:r>
+              <a:rPr lang="en-US" altLang="ko-KR" sz="1600" dirty="0" smtClean="0">
+                <a:latin typeface="Arial" panose="020B0604020202020204" pitchFamily="34" charset="0"/>
+                <a:cs typeface="Arial" panose="020B0604020202020204" pitchFamily="34" charset="0"/>
+              </a:rPr>
+              <a:t>Fundamental TE mode, </a:t>
+            </a:r>
+            <a:r>
+              <a:rPr lang="en-US" altLang="ko-KR" sz="1600" dirty="0" smtClean="0">
+                <a:latin typeface="Arial" panose="020B0604020202020204" pitchFamily="34" charset="0"/>
+                <a:cs typeface="Arial" panose="020B0604020202020204" pitchFamily="34" charset="0"/>
+              </a:rPr>
+              <a:t>1:1 </a:t>
+            </a:r>
+            <a:r>
+              <a:rPr lang="en-US" altLang="ko-KR" sz="1600" dirty="0" smtClean="0">
+                <a:latin typeface="Arial" panose="020B0604020202020204" pitchFamily="34" charset="0"/>
+                <a:cs typeface="Arial" panose="020B0604020202020204" pitchFamily="34" charset="0"/>
+              </a:rPr>
+              <a:t>uniform</a:t>
+            </a:r>
+          </a:p>
+          <a:p>
+            <a:pPr marL="285750" indent="-285750">
+              <a:lnSpc>
+                <a:spcPct val="150000"/>
+              </a:lnSpc>
+              <a:buFontTx/>
+              <a:buChar char="-"/>
+            </a:pPr>
+            <a:r>
+              <a:rPr lang="en-US" altLang="ko-KR" sz="1600" dirty="0" smtClean="0">
+                <a:latin typeface="Arial" panose="020B0604020202020204" pitchFamily="34" charset="0"/>
+                <a:cs typeface="Arial" panose="020B0604020202020204" pitchFamily="34" charset="0"/>
+              </a:rPr>
+              <a:t>Refractive index is fixed to </a:t>
+            </a:r>
+            <a:r>
+              <a:rPr lang="en-US" altLang="ko-KR" sz="1600" dirty="0" err="1" smtClean="0">
+                <a:latin typeface="Arial" panose="020B0604020202020204" pitchFamily="34" charset="0"/>
+                <a:cs typeface="Arial" panose="020B0604020202020204" pitchFamily="34" charset="0"/>
+              </a:rPr>
+              <a:t>n</a:t>
+            </a:r>
+            <a:r>
+              <a:rPr lang="en-US" altLang="ko-KR" sz="1600" baseline="-25000" dirty="0" err="1" smtClean="0">
+                <a:latin typeface="Arial" panose="020B0604020202020204" pitchFamily="34" charset="0"/>
+                <a:cs typeface="Arial" panose="020B0604020202020204" pitchFamily="34" charset="0"/>
+              </a:rPr>
+              <a:t>Si</a:t>
+            </a:r>
+            <a:r>
+              <a:rPr lang="en-US" altLang="ko-KR" sz="1600" dirty="0" smtClean="0">
+                <a:latin typeface="Arial" panose="020B0604020202020204" pitchFamily="34" charset="0"/>
+                <a:cs typeface="Arial" panose="020B0604020202020204" pitchFamily="34" charset="0"/>
+              </a:rPr>
+              <a:t> = 3.41.</a:t>
+            </a:r>
+          </a:p>
+          <a:p>
+            <a:pPr marL="285750" indent="-285750">
+              <a:lnSpc>
+                <a:spcPct val="150000"/>
+              </a:lnSpc>
+              <a:buFontTx/>
+              <a:buChar char="-"/>
+            </a:pPr>
+            <a:r>
+              <a:rPr lang="en-US" altLang="ko-KR" sz="1600" i="1" dirty="0">
+                <a:latin typeface="Times New Roman" panose="02020603050405020304" pitchFamily="18" charset="0"/>
+                <a:cs typeface="Times New Roman" panose="02020603050405020304" pitchFamily="18" charset="0"/>
+              </a:rPr>
+              <a:t>Figure: </a:t>
+            </a:r>
+            <a:r>
+              <a:rPr lang="en-US" altLang="ko-KR" sz="1600" i="1" dirty="0" smtClean="0">
+                <a:latin typeface="Times New Roman" panose="02020603050405020304" pitchFamily="18" charset="0"/>
+                <a:cs typeface="Times New Roman" panose="02020603050405020304" pitchFamily="18" charset="0"/>
+              </a:rPr>
+              <a:t>Design base structure and condition</a:t>
+            </a:r>
+            <a:endParaRPr lang="en-US" altLang="ko-KR" sz="1600" dirty="0" smtClean="0">
+              <a:latin typeface="Times New Roman" panose="02020603050405020304" pitchFamily="18" charset="0"/>
+              <a:cs typeface="Times New Roman" panose="02020603050405020304" pitchFamily="18" charset="0"/>
+            </a:endParaRPr>
+          </a:p>
+          <a:p>
+            <a:pPr marL="285750" indent="-285750">
+              <a:lnSpc>
+                <a:spcPct val="150000"/>
+              </a:lnSpc>
+              <a:buFont typeface="Arial" panose="020B0604020202020204" pitchFamily="34" charset="0"/>
+              <a:buChar char="•"/>
+            </a:pPr>
+            <a:r>
+              <a:rPr lang="en-US" altLang="ko-KR" sz="1600" b="1" dirty="0">
+                <a:latin typeface="Arial" panose="020B0604020202020204" pitchFamily="34" charset="0"/>
+                <a:cs typeface="Arial" panose="020B0604020202020204" pitchFamily="34" charset="0"/>
+              </a:rPr>
+              <a:t>Generate labeled data for training phase</a:t>
+            </a:r>
+          </a:p>
+          <a:p>
+            <a:pPr marL="285750" indent="-285750">
+              <a:lnSpc>
+                <a:spcPct val="150000"/>
+              </a:lnSpc>
+              <a:buFontTx/>
+              <a:buChar char="-"/>
+            </a:pPr>
+            <a:r>
+              <a:rPr lang="en-US" altLang="ko-KR" sz="1600" dirty="0">
+                <a:latin typeface="Arial" panose="020B0604020202020204" pitchFamily="34" charset="0"/>
+                <a:cs typeface="Arial" panose="020B0604020202020204" pitchFamily="34" charset="0"/>
+              </a:rPr>
+              <a:t>Commercially available software </a:t>
+            </a:r>
+            <a:r>
+              <a:rPr lang="en-US" altLang="ko-KR" sz="1600" dirty="0" err="1">
+                <a:latin typeface="Arial" panose="020B0604020202020204" pitchFamily="34" charset="0"/>
+                <a:cs typeface="Arial" panose="020B0604020202020204" pitchFamily="34" charset="0"/>
+              </a:rPr>
+              <a:t>Lumerical</a:t>
+            </a:r>
+            <a:r>
+              <a:rPr lang="en-US" altLang="ko-KR" sz="1600" dirty="0">
+                <a:latin typeface="Arial" panose="020B0604020202020204" pitchFamily="34" charset="0"/>
+                <a:cs typeface="Arial" panose="020B0604020202020204" pitchFamily="34" charset="0"/>
+              </a:rPr>
+              <a:t> FDTD </a:t>
+            </a:r>
+            <a:r>
+              <a:rPr lang="en-US" altLang="ko-KR" sz="1600" dirty="0" smtClean="0">
+                <a:latin typeface="Arial" panose="020B0604020202020204" pitchFamily="34" charset="0"/>
+                <a:cs typeface="Arial" panose="020B0604020202020204" pitchFamily="34" charset="0"/>
+              </a:rPr>
+              <a:t>solutions</a:t>
+            </a:r>
+          </a:p>
+          <a:p>
+            <a:pPr marL="285750" indent="-285750">
+              <a:lnSpc>
+                <a:spcPct val="150000"/>
+              </a:lnSpc>
+              <a:buFontTx/>
+              <a:buChar char="-"/>
+            </a:pPr>
+            <a:r>
+              <a:rPr lang="en-US" altLang="ko-KR" sz="1600" dirty="0" smtClean="0">
+                <a:latin typeface="Arial" panose="020B0604020202020204" pitchFamily="34" charset="0"/>
+                <a:cs typeface="Arial" panose="020B0604020202020204" pitchFamily="34" charset="0"/>
+              </a:rPr>
+              <a:t> 2 Intel Xeon CPU with 2.5 GHz clock speed and 383 GB RAM about 1 weeks to complete collecting </a:t>
+            </a:r>
+            <a:r>
+              <a:rPr lang="en-US" altLang="ko-KR" sz="1600" dirty="0" smtClean="0">
+                <a:latin typeface="Arial" panose="020B0604020202020204" pitchFamily="34" charset="0"/>
+                <a:cs typeface="Arial" panose="020B0604020202020204" pitchFamily="34" charset="0"/>
+              </a:rPr>
+              <a:t>10,000 </a:t>
+            </a:r>
+            <a:r>
+              <a:rPr lang="en-US" altLang="ko-KR" sz="1600" dirty="0" smtClean="0">
+                <a:latin typeface="Arial" panose="020B0604020202020204" pitchFamily="34" charset="0"/>
+                <a:cs typeface="Arial" panose="020B0604020202020204" pitchFamily="34" charset="0"/>
+              </a:rPr>
+              <a:t>simulation data</a:t>
+            </a:r>
+          </a:p>
+          <a:p>
+            <a:pPr marL="285750" indent="-285750">
+              <a:lnSpc>
+                <a:spcPct val="150000"/>
+              </a:lnSpc>
+              <a:buFontTx/>
+              <a:buChar char="-"/>
+            </a:pPr>
+            <a:r>
+              <a:rPr lang="en-US" altLang="ko-KR" sz="1600" i="1" dirty="0" smtClean="0">
+                <a:latin typeface="Times New Roman" panose="02020603050405020304" pitchFamily="18" charset="0"/>
+                <a:cs typeface="Times New Roman" panose="02020603050405020304" pitchFamily="18" charset="0"/>
+              </a:rPr>
+              <a:t>Figure: Data transmission distribution</a:t>
+            </a:r>
+            <a:endParaRPr lang="en-US" altLang="ko-KR" sz="1600" i="1" dirty="0">
+              <a:latin typeface="Times New Roman" panose="02020603050405020304" pitchFamily="18" charset="0"/>
+              <a:cs typeface="Times New Roman" panose="02020603050405020304" pitchFamily="18" charset="0"/>
+            </a:endParaRPr>
+          </a:p>
+        </p:txBody>
+      </p:sp>
+    </p:spTree>
+    <p:extLst>
+      <p:ext uri="{BB962C8B-B14F-4D97-AF65-F5344CB8AC3E}">
+        <p14:creationId xmlns:p14="http://schemas.microsoft.com/office/powerpoint/2010/main" val="2952532082"/>
+      </p:ext>
+    </p:extLst>
+  </p:cSld>
+  <p:clrMapOvr>
+    <a:masterClrMapping/>
+  </p:clrMapOvr>
+</p:sld>
+</file>
+
+<file path=ppt/slides/slide5.xml><?xml version="1.0" encoding="utf-8"?>
+<p:sld xmlns:a="http://schemas.openxmlformats.org/drawingml/2006/main" xmlns:r="http://schemas.openxmlformats.org/officeDocument/2006/relationships" xmlns:p="http://schemas.openxmlformats.org/presentationml/2006/main">
+  <p:cSld>
+    <p:spTree>
+      <p:nvGrpSpPr>
+        <p:cNvPr id="1" name=""/>
+        <p:cNvGrpSpPr/>
+        <p:nvPr/>
+      </p:nvGrpSpPr>
+      <p:grpSpPr>
+        <a:xfrm>
+          <a:off x="0" y="0"/>
+          <a:ext cx="0" cy="0"/>
+          <a:chOff x="0" y="0"/>
+          <a:chExt cx="0" cy="0"/>
+        </a:xfrm>
+      </p:grpSpPr>
+      <p:sp>
+        <p:nvSpPr>
+          <p:cNvPr id="4" name="TextBox 3"/>
+          <p:cNvSpPr txBox="1"/>
+          <p:nvPr/>
+        </p:nvSpPr>
+        <p:spPr>
+          <a:xfrm>
+            <a:off x="0" y="0"/>
+            <a:ext cx="3367454" cy="400110"/>
+          </a:xfrm>
+          <a:prstGeom prst="rect">
+            <a:avLst/>
+          </a:prstGeom>
+          <a:noFill/>
+        </p:spPr>
+        <p:txBody>
+          <a:bodyPr wrap="square" rtlCol="0">
+            <a:spAutoFit/>
+          </a:bodyPr>
+          <a:lstStyle/>
+          <a:p>
+            <a:r>
+              <a:rPr lang="en-US" altLang="ko-KR" sz="2000" b="1" dirty="0" smtClean="0">
+                <a:latin typeface="Arial" panose="020B0604020202020204" pitchFamily="34" charset="0"/>
+                <a:cs typeface="Arial" panose="020B0604020202020204" pitchFamily="34" charset="0"/>
+              </a:rPr>
               <a:t>Result &amp; Discussion</a:t>
             </a:r>
-            <a:endParaRPr lang="ko-KR" altLang="en-US" sz="2000" b="1" dirty="0"/>
+            <a:endParaRPr lang="ko-KR" altLang="en-US" sz="2000" b="1" dirty="0">
+              <a:latin typeface="Arial" panose="020B0604020202020204" pitchFamily="34" charset="0"/>
+              <a:cs typeface="Arial" panose="020B0604020202020204" pitchFamily="34" charset="0"/>
+            </a:endParaRPr>
           </a:p>
         </p:txBody>
       </p:sp>
@@ -5839,14 +6978,23 @@
               </a:lnSpc>
             </a:pPr>
             <a:r>
-              <a:rPr lang="en-US" altLang="ko-KR" sz="1600" dirty="0" smtClean="0"/>
+              <a:rPr lang="en-US" altLang="ko-KR" sz="1600" dirty="0" smtClean="0">
+                <a:latin typeface="Arial" panose="020B0604020202020204" pitchFamily="34" charset="0"/>
+                <a:cs typeface="Arial" panose="020B0604020202020204" pitchFamily="34" charset="0"/>
+              </a:rPr>
               <a:t>Paragraphs </a:t>
             </a:r>
             <a:r>
-              <a:rPr lang="ko-KR" altLang="en-US" sz="1600" dirty="0" smtClean="0"/>
+              <a:rPr lang="ko-KR" altLang="en-US" sz="1600" dirty="0" smtClean="0">
+                <a:latin typeface="Arial" panose="020B0604020202020204" pitchFamily="34" charset="0"/>
+                <a:cs typeface="Arial" panose="020B0604020202020204" pitchFamily="34" charset="0"/>
+              </a:rPr>
               <a:t>구성</a:t>
             </a:r>
-            <a:endParaRPr lang="en-US" altLang="ko-KR" sz="1600" dirty="0" smtClean="0"/>
+            <a:endParaRPr lang="en-US" altLang="ko-KR" sz="1600" dirty="0" smtClean="0">
+              <a:latin typeface="Arial" panose="020B0604020202020204" pitchFamily="34" charset="0"/>
+              <a:cs typeface="Arial" panose="020B0604020202020204" pitchFamily="34" charset="0"/>
+            </a:endParaRPr>
           </a:p>
           <a:p>
             <a:pPr marL="285750" indent="-285750">
@@ -5857,7 +7005,10 @@
               <a:buChar char="•"/>
             </a:pPr>
             <a:r>
-              <a:rPr lang="en-US" altLang="ko-KR" sz="1600" b="1" dirty="0" smtClean="0"/>
+              <a:rPr lang="en-US" altLang="ko-KR" sz="1600" b="1" dirty="0" smtClean="0">
+                <a:latin typeface="Arial" panose="020B0604020202020204" pitchFamily="34" charset="0"/>
+                <a:cs typeface="Arial" panose="020B0604020202020204" pitchFamily="34" charset="0"/>
+              </a:rPr>
               <a:t>“The two key criteria for a power splitter are low insertion loss, and excellent power uniformity.”[11]</a:t>
             </a:r>
           </a:p>
@@ -5871,7 +7022,8 @@
             </a:pPr>
             <a:r>
               <a:rPr lang="en-US" altLang="ko-KR" sz="1600" dirty="0" smtClean="0">
-                <a:cs typeface="Times New Roman" panose="02020603050405020304" pitchFamily="18" charset="0"/>
+                <a:latin typeface="Arial" panose="020B0604020202020204" pitchFamily="34" charset="0"/>
+                <a:cs typeface="Arial" panose="020B0604020202020204" pitchFamily="34" charset="0"/>
               </a:rPr>
               <a:t>The power uniformity = the ratio between the maximum and minimum</a:t>
             </a:r>
@@ -5905,7 +7057,10 @@
               </a:rPr>
               <a:t>design result (structure, spectrum, power distribution)</a:t>
             </a:r>
-            <a:endParaRPr lang="en-US" altLang="ko-KR" sz="1600" dirty="0"/>
+            <a:endParaRPr lang="en-US" altLang="ko-KR" sz="1600" dirty="0">
+              <a:latin typeface="Times New Roman" panose="02020603050405020304" pitchFamily="18" charset="0"/>
+              <a:cs typeface="Times New Roman" panose="02020603050405020304" pitchFamily="18" charset="0"/>
+            </a:endParaRPr>
           </a:p>
         </p:txBody>
       </p:sp>
@@ -5922,7 +7077,7 @@
 </p:sld>
 </file>
 
-<file path=ppt/slides/slide5.xml><?xml version="1.0" encoding="utf-8"?>
+<file path=ppt/slides/slide6.xml><?xml version="1.0" encoding="utf-8"?>
 <p:sld xmlns:a="http://schemas.openxmlformats.org/drawingml/2006/main" xmlns:r="http://schemas.openxmlformats.org/officeDocument/2006/relationships" xmlns:p="http://schemas.openxmlformats.org/presentationml/2006/main">
   <p:cSld>
     <p:spTree>

--- a/개인/석사학위논문/Manuscript Preparation.pptx
+++ b/개인/석사학위논문/Manuscript Preparation.pptx
@@ -6870,29 +6870,6 @@
           <a:chExt cx="0" cy="0"/>
         </a:xfrm>
       </p:grpSpPr>
-      <p:pic>
-        <p:nvPicPr>
-          <p:cNvPr id="4" name="그림 3"/>
-          <p:cNvPicPr>
-            <a:picLocks noChangeAspect="1"/>
-          </p:cNvPicPr>
-          <p:nvPr/>
-        </p:nvPicPr>
-        <p:blipFill rotWithShape="1">
-          <a:blip r:embed="rId3"/>
-          <a:srcRect t="19161" b="7134"/>
-          <a:stretch/>
-        </p:blipFill>
-        <p:spPr>
-          <a:xfrm>
-            <a:off x="545251" y="533166"/>
-            <a:ext cx="1607495" cy="1857375"/>
-          </a:xfrm>
-          <a:prstGeom prst="rect">
-            <a:avLst/>
-          </a:prstGeom>
-        </p:spPr>
-      </p:pic>
       <p:cxnSp>
         <p:nvCxnSpPr>
           <p:cNvPr id="6" name="직선 화살표 연결선 5"/>
@@ -6934,7 +6911,7 @@
         </p:nvSpPr>
         <p:spPr>
           <a:xfrm>
-            <a:off x="2387138" y="479610"/>
+            <a:off x="2387138" y="521421"/>
             <a:ext cx="2252750" cy="646331"/>
           </a:xfrm>
           <a:prstGeom prst="rect">
@@ -7227,8 +7204,8 @@
           </a:fontRef>
         </p:style>
       </p:cxnSp>
-      <mc:AlternateContent xmlns:mc="http://schemas.openxmlformats.org/markup-compatibility/2006" xmlns:a14="http://schemas.microsoft.com/office/drawing/2010/main">
-        <mc:Choice Requires="a14">
+      <mc:AlternateContent xmlns:mc="http://schemas.openxmlformats.org/markup-compatibility/2006">
+        <mc:Choice xmlns:a14="http://schemas.microsoft.com/office/drawing/2010/main" Requires="a14">
           <p:sp>
             <p:nvSpPr>
               <p:cNvPr id="12" name="TextBox 11"/>
@@ -7237,8 +7214,8 @@
             </p:nvSpPr>
             <p:spPr>
               <a:xfrm>
-                <a:off x="7494001" y="756609"/>
-                <a:ext cx="2386145" cy="369332"/>
+                <a:off x="7494001" y="537135"/>
+                <a:ext cx="2386145" cy="646331"/>
               </a:xfrm>
               <a:prstGeom prst="rect">
                 <a:avLst/>
@@ -7252,7 +7229,7 @@
               <a:lstStyle/>
               <a:p>
                 <a:r>
-                  <a:rPr lang="en-US" altLang="ko-KR" smtClean="0">
+                  <a:rPr lang="en-US" altLang="ko-KR" dirty="0" smtClean="0">
                     <a:latin typeface="Arial" panose="020B0604020202020204" pitchFamily="34" charset="0"/>
                     <a:cs typeface="Arial" panose="020B0604020202020204" pitchFamily="34" charset="0"/>
                   </a:rPr>
@@ -7287,7 +7264,27 @@
                     </m:sSub>
                   </m:oMath>
                 </a14:m>
-                <a:endParaRPr lang="ko-KR" altLang="en-US">
+                <a:endParaRPr lang="en-US" altLang="ko-KR" dirty="0" smtClean="0">
+                  <a:latin typeface="Arial" panose="020B0604020202020204" pitchFamily="34" charset="0"/>
+                  <a:cs typeface="Arial" panose="020B0604020202020204" pitchFamily="34" charset="0"/>
+                </a:endParaRPr>
+              </a:p>
+              <a:p>
+                <a:r>
+                  <a:rPr lang="en-US" altLang="ko-KR" dirty="0">
+                    <a:latin typeface="Arial" panose="020B0604020202020204" pitchFamily="34" charset="0"/>
+                    <a:cs typeface="Arial" panose="020B0604020202020204" pitchFamily="34" charset="0"/>
+                  </a:rPr>
+                  <a:t>f</a:t>
+                </a:r>
+                <a:r>
+                  <a:rPr lang="en-US" altLang="ko-KR" dirty="0" smtClean="0">
+                    <a:latin typeface="Arial" panose="020B0604020202020204" pitchFamily="34" charset="0"/>
+                    <a:cs typeface="Arial" panose="020B0604020202020204" pitchFamily="34" charset="0"/>
+                  </a:rPr>
+                  <a:t>rom transmission</a:t>
+                </a:r>
+                <a:endParaRPr lang="ko-KR" altLang="en-US" dirty="0">
                   <a:latin typeface="Arial" panose="020B0604020202020204" pitchFamily="34" charset="0"/>
                   <a:cs typeface="Arial" panose="020B0604020202020204" pitchFamily="34" charset="0"/>
                 </a:endParaRPr>
@@ -7295,7 +7292,7 @@
             </p:txBody>
           </p:sp>
         </mc:Choice>
-        <mc:Fallback xmlns="">
+        <mc:Fallback>
           <p:sp>
             <p:nvSpPr>
               <p:cNvPr id="12" name="TextBox 11"/>
@@ -7306,8 +7303,8 @@
             </p:nvSpPr>
             <p:spPr>
               <a:xfrm>
-                <a:off x="7494001" y="756609"/>
-                <a:ext cx="2386145" cy="369332"/>
+                <a:off x="7494001" y="537135"/>
+                <a:ext cx="2386145" cy="646331"/>
               </a:xfrm>
               <a:prstGeom prst="rect">
                 <a:avLst/>
@@ -7315,7 +7312,7 @@
               <a:blipFill>
                 <a:blip r:embed="rId5"/>
                 <a:stretch>
-                  <a:fillRect l="-2041" t="-8197" b="-24590"/>
+                  <a:fillRect l="-2041" t="-4717" b="-14151"/>
                 </a:stretch>
               </a:blipFill>
             </p:spPr>
@@ -7334,8 +7331,8 @@
           </p:sp>
         </mc:Fallback>
       </mc:AlternateContent>
-      <mc:AlternateContent xmlns:mc="http://schemas.openxmlformats.org/markup-compatibility/2006" xmlns:a14="http://schemas.microsoft.com/office/drawing/2010/main">
-        <mc:Choice Requires="a14">
+      <mc:AlternateContent xmlns:mc="http://schemas.openxmlformats.org/markup-compatibility/2006">
+        <mc:Choice xmlns:a14="http://schemas.microsoft.com/office/drawing/2010/main" Requires="a14">
           <p:sp>
             <p:nvSpPr>
               <p:cNvPr id="13" name="TextBox 12"/>
@@ -7344,7 +7341,7 @@
             </p:nvSpPr>
             <p:spPr>
               <a:xfrm>
-                <a:off x="10590834" y="1156733"/>
+                <a:off x="10454188" y="1167752"/>
                 <a:ext cx="540148" cy="276999"/>
               </a:xfrm>
               <a:prstGeom prst="rect">
@@ -7432,7 +7429,7 @@
             </p:txBody>
           </p:sp>
         </mc:Choice>
-        <mc:Fallback xmlns="">
+        <mc:Fallback>
           <p:sp>
             <p:nvSpPr>
               <p:cNvPr id="13" name="TextBox 12"/>
@@ -7443,7 +7440,7 @@
             </p:nvSpPr>
             <p:spPr>
               <a:xfrm>
-                <a:off x="10590834" y="1156733"/>
+                <a:off x="10454188" y="1167752"/>
                 <a:ext cx="540148" cy="276999"/>
               </a:xfrm>
               <a:prstGeom prst="rect">
@@ -7452,7 +7449,7 @@
               <a:blipFill>
                 <a:blip r:embed="rId6"/>
                 <a:stretch>
-                  <a:fillRect l="-6742" r="-2247" b="-20000"/>
+                  <a:fillRect l="-7865" r="-1124" b="-20000"/>
                 </a:stretch>
               </a:blipFill>
             </p:spPr>
@@ -7471,8 +7468,8 @@
           </p:sp>
         </mc:Fallback>
       </mc:AlternateContent>
-      <mc:AlternateContent xmlns:mc="http://schemas.openxmlformats.org/markup-compatibility/2006" xmlns:a14="http://schemas.microsoft.com/office/drawing/2010/main">
-        <mc:Choice Requires="a14">
+      <mc:AlternateContent xmlns:mc="http://schemas.openxmlformats.org/markup-compatibility/2006">
+        <mc:Choice xmlns:a14="http://schemas.microsoft.com/office/drawing/2010/main" Requires="a14">
           <p:sp>
             <p:nvSpPr>
               <p:cNvPr id="14" name="TextBox 13"/>
@@ -7481,7 +7478,7 @@
             </p:nvSpPr>
             <p:spPr>
               <a:xfrm>
-                <a:off x="5335087" y="3308270"/>
+                <a:off x="5335087" y="2904480"/>
                 <a:ext cx="1521827" cy="670761"/>
               </a:xfrm>
               <a:prstGeom prst="rect">
@@ -7598,7 +7595,7 @@
             </p:txBody>
           </p:sp>
         </mc:Choice>
-        <mc:Fallback xmlns="">
+        <mc:Fallback>
           <p:sp>
             <p:nvSpPr>
               <p:cNvPr id="14" name="TextBox 13"/>
@@ -7609,7 +7606,7 @@
             </p:nvSpPr>
             <p:spPr>
               <a:xfrm>
-                <a:off x="5335087" y="3308270"/>
+                <a:off x="5335087" y="2904480"/>
                 <a:ext cx="1521827" cy="670761"/>
               </a:xfrm>
               <a:prstGeom prst="rect">
@@ -7637,8 +7634,8 @@
           </p:sp>
         </mc:Fallback>
       </mc:AlternateContent>
-      <mc:AlternateContent xmlns:mc="http://schemas.openxmlformats.org/markup-compatibility/2006" xmlns:a14="http://schemas.microsoft.com/office/drawing/2010/main">
-        <mc:Choice Requires="a14">
+      <mc:AlternateContent xmlns:mc="http://schemas.openxmlformats.org/markup-compatibility/2006">
+        <mc:Choice xmlns:a14="http://schemas.microsoft.com/office/drawing/2010/main" Requires="a14">
           <p:sp>
             <p:nvSpPr>
               <p:cNvPr id="15" name="TextBox 14"/>
@@ -7647,7 +7644,7 @@
             </p:nvSpPr>
             <p:spPr>
               <a:xfrm>
-                <a:off x="5121022" y="4402300"/>
+                <a:off x="5121022" y="3899749"/>
                 <a:ext cx="1949957" cy="607859"/>
               </a:xfrm>
               <a:prstGeom prst="rect">
@@ -7873,7 +7870,7 @@
             </p:txBody>
           </p:sp>
         </mc:Choice>
-        <mc:Fallback xmlns="">
+        <mc:Fallback>
           <p:sp>
             <p:nvSpPr>
               <p:cNvPr id="15" name="TextBox 14"/>
@@ -7884,7 +7881,7 @@
             </p:nvSpPr>
             <p:spPr>
               <a:xfrm>
-                <a:off x="5121022" y="4402300"/>
+                <a:off x="5121022" y="3899749"/>
                 <a:ext cx="1949957" cy="607859"/>
               </a:xfrm>
               <a:prstGeom prst="rect">
@@ -7893,7 +7890,7 @@
               <a:blipFill>
                 <a:blip r:embed="rId8"/>
                 <a:stretch>
-                  <a:fillRect l="-938" r="-1250" b="-12000"/>
+                  <a:fillRect l="-938" r="-1250" b="-13131"/>
                 </a:stretch>
               </a:blipFill>
             </p:spPr>
@@ -7912,8 +7909,8 @@
           </p:sp>
         </mc:Fallback>
       </mc:AlternateContent>
-      <mc:AlternateContent xmlns:mc="http://schemas.openxmlformats.org/markup-compatibility/2006" xmlns:a14="http://schemas.microsoft.com/office/drawing/2010/main">
-        <mc:Choice Requires="a14">
+      <mc:AlternateContent xmlns:mc="http://schemas.openxmlformats.org/markup-compatibility/2006">
+        <mc:Choice xmlns:a14="http://schemas.microsoft.com/office/drawing/2010/main" Requires="a14">
           <p:sp>
             <p:nvSpPr>
               <p:cNvPr id="17" name="TextBox 16"/>
@@ -7922,7 +7919,7 @@
             </p:nvSpPr>
             <p:spPr>
               <a:xfrm>
-                <a:off x="5300878" y="5337082"/>
+                <a:off x="5300878" y="4992406"/>
                 <a:ext cx="1590244" cy="547586"/>
               </a:xfrm>
               <a:prstGeom prst="rect">
@@ -8063,7 +8060,7 @@
             </p:txBody>
           </p:sp>
         </mc:Choice>
-        <mc:Fallback xmlns="">
+        <mc:Fallback>
           <p:sp>
             <p:nvSpPr>
               <p:cNvPr id="17" name="TextBox 16"/>
@@ -8074,7 +8071,7 @@
             </p:nvSpPr>
             <p:spPr>
               <a:xfrm>
-                <a:off x="5300878" y="5337082"/>
+                <a:off x="5300878" y="4992406"/>
                 <a:ext cx="1590244" cy="547586"/>
               </a:xfrm>
               <a:prstGeom prst="rect">
@@ -8102,8 +8099,8 @@
           </p:sp>
         </mc:Fallback>
       </mc:AlternateContent>
-      <mc:AlternateContent xmlns:mc="http://schemas.openxmlformats.org/markup-compatibility/2006" xmlns:a14="http://schemas.microsoft.com/office/drawing/2010/main">
-        <mc:Choice Requires="a14">
+      <mc:AlternateContent xmlns:mc="http://schemas.openxmlformats.org/markup-compatibility/2006">
+        <mc:Choice xmlns:a14="http://schemas.microsoft.com/office/drawing/2010/main" Requires="a14">
           <p:sp>
             <p:nvSpPr>
               <p:cNvPr id="18" name="TextBox 17"/>
@@ -8112,7 +8109,7 @@
             </p:nvSpPr>
             <p:spPr>
               <a:xfrm>
-                <a:off x="4814271" y="5939186"/>
+                <a:off x="4814271" y="5594510"/>
                 <a:ext cx="2563459" cy="719428"/>
               </a:xfrm>
               <a:prstGeom prst="rect">
@@ -8379,7 +8376,7 @@
                     </m:oMath>
                   </m:oMathPara>
                 </a14:m>
-                <a:endParaRPr lang="ko-KR" altLang="en-US">
+                <a:endParaRPr lang="ko-KR" altLang="en-US" dirty="0">
                   <a:latin typeface="Arial" panose="020B0604020202020204" pitchFamily="34" charset="0"/>
                   <a:cs typeface="Arial" panose="020B0604020202020204" pitchFamily="34" charset="0"/>
                 </a:endParaRPr>
@@ -8387,7 +8384,7 @@
             </p:txBody>
           </p:sp>
         </mc:Choice>
-        <mc:Fallback xmlns="">
+        <mc:Fallback>
           <p:sp>
             <p:nvSpPr>
               <p:cNvPr id="18" name="TextBox 17"/>
@@ -8398,7 +8395,7 @@
             </p:nvSpPr>
             <p:spPr>
               <a:xfrm>
-                <a:off x="4814271" y="5939186"/>
+                <a:off x="4814271" y="5594510"/>
                 <a:ext cx="2563459" cy="719428"/>
               </a:xfrm>
               <a:prstGeom prst="rect">
@@ -8434,7 +8431,7 @@
         </p:nvSpPr>
         <p:spPr>
           <a:xfrm>
-            <a:off x="315884" y="2912349"/>
+            <a:off x="315884" y="2508559"/>
             <a:ext cx="5511338" cy="369332"/>
           </a:xfrm>
           <a:prstGeom prst="rect">
@@ -8477,7 +8474,7 @@
         </p:nvSpPr>
         <p:spPr>
           <a:xfrm>
-            <a:off x="315884" y="3903067"/>
+            <a:off x="315884" y="3499277"/>
             <a:ext cx="3589366" cy="369332"/>
           </a:xfrm>
           <a:prstGeom prst="rect">
@@ -8516,7 +8513,7 @@
         </p:nvSpPr>
         <p:spPr>
           <a:xfrm>
-            <a:off x="315884" y="5093168"/>
+            <a:off x="315884" y="4606369"/>
             <a:ext cx="2069869" cy="369332"/>
           </a:xfrm>
           <a:prstGeom prst="rect">
@@ -8552,7 +8549,7 @@
         </p:nvGrpSpPr>
         <p:grpSpPr>
           <a:xfrm>
-            <a:off x="8420793" y="4478264"/>
+            <a:off x="8421794" y="4749204"/>
             <a:ext cx="3526303" cy="1904762"/>
             <a:chOff x="8420793" y="4478264"/>
             <a:chExt cx="3526303" cy="1904762"/>
@@ -9008,7 +9005,7 @@
                       </m:oMath>
                     </m:oMathPara>
                   </a14:m>
-                  <a:endParaRPr lang="ko-KR" altLang="en-US"/>
+                  <a:endParaRPr lang="ko-KR" altLang="en-US" dirty="0"/>
                 </a:p>
               </p:txBody>
             </p:sp>
@@ -9210,7 +9207,7 @@
         </p:nvSpPr>
         <p:spPr>
           <a:xfrm>
-            <a:off x="40508" y="2516428"/>
+            <a:off x="40508" y="2112638"/>
             <a:ext cx="2008710" cy="369332"/>
           </a:xfrm>
           <a:prstGeom prst="rect">
@@ -9239,6 +9236,30 @@
           </a:p>
         </p:txBody>
       </p:sp>
+      <p:pic>
+        <p:nvPicPr>
+          <p:cNvPr id="8" name="그림 7"/>
+          <p:cNvPicPr>
+            <a:picLocks noChangeAspect="1"/>
+          </p:cNvPicPr>
+          <p:nvPr/>
+        </p:nvPicPr>
+        <p:blipFill>
+          <a:blip r:embed="rId14"/>
+          <a:stretch>
+            <a:fillRect/>
+          </a:stretch>
+        </p:blipFill>
+        <p:spPr>
+          <a:xfrm>
+            <a:off x="818738" y="661156"/>
+            <a:ext cx="1076681" cy="1290192"/>
+          </a:xfrm>
+          <a:prstGeom prst="rect">
+            <a:avLst/>
+          </a:prstGeom>
+        </p:spPr>
+      </p:pic>
     </p:spTree>
     <p:extLst>
       <p:ext uri="{BB962C8B-B14F-4D97-AF65-F5344CB8AC3E}">
@@ -9616,7 +9637,56 @@
                 <a:latin typeface="Arial" panose="020B0604020202020204" pitchFamily="34" charset="0"/>
                 <a:cs typeface="Arial" panose="020B0604020202020204" pitchFamily="34" charset="0"/>
               </a:rPr>
-              <a:t> 2 Intel Xeon CPU with 2.5 GHz clock speed and 383 GB RAM about 1 weeks to complete collecting 10,000 simulation data</a:t>
+              <a:t> 2 Intel Xeon CPU with 2.5 GHz clock speed and 383 GB RAM about </a:t>
+            </a:r>
+            <a:r>
+              <a:rPr lang="en-US" altLang="ko-KR" sz="1600" dirty="0">
+                <a:latin typeface="Arial" panose="020B0604020202020204" pitchFamily="34" charset="0"/>
+                <a:cs typeface="Arial" panose="020B0604020202020204" pitchFamily="34" charset="0"/>
+              </a:rPr>
+              <a:t>3</a:t>
+            </a:r>
+            <a:r>
+              <a:rPr lang="en-US" altLang="ko-KR" sz="1600" dirty="0" smtClean="0">
+                <a:latin typeface="Arial" panose="020B0604020202020204" pitchFamily="34" charset="0"/>
+                <a:cs typeface="Arial" panose="020B0604020202020204" pitchFamily="34" charset="0"/>
+              </a:rPr>
+              <a:t> </a:t>
+            </a:r>
+            <a:r>
+              <a:rPr lang="en-US" altLang="ko-KR" sz="1600" dirty="0" smtClean="0">
+                <a:latin typeface="Arial" panose="020B0604020202020204" pitchFamily="34" charset="0"/>
+                <a:cs typeface="Arial" panose="020B0604020202020204" pitchFamily="34" charset="0"/>
+              </a:rPr>
+              <a:t>days</a:t>
+            </a:r>
+            <a:r>
+              <a:rPr lang="en-US" altLang="ko-KR" sz="1600" dirty="0" smtClean="0">
+                <a:latin typeface="Arial" panose="020B0604020202020204" pitchFamily="34" charset="0"/>
+                <a:cs typeface="Arial" panose="020B0604020202020204" pitchFamily="34" charset="0"/>
+              </a:rPr>
+              <a:t> </a:t>
+            </a:r>
+            <a:r>
+              <a:rPr lang="en-US" altLang="ko-KR" sz="1600" dirty="0" smtClean="0">
+                <a:latin typeface="Arial" panose="020B0604020202020204" pitchFamily="34" charset="0"/>
+                <a:cs typeface="Arial" panose="020B0604020202020204" pitchFamily="34" charset="0"/>
+              </a:rPr>
+              <a:t>to complete collecting </a:t>
+            </a:r>
+            <a:r>
+              <a:rPr lang="en-US" altLang="ko-KR" sz="1600" dirty="0" smtClean="0">
+                <a:latin typeface="Arial" panose="020B0604020202020204" pitchFamily="34" charset="0"/>
+                <a:cs typeface="Arial" panose="020B0604020202020204" pitchFamily="34" charset="0"/>
+              </a:rPr>
+              <a:t>30,000 </a:t>
+            </a:r>
+            <a:r>
+              <a:rPr lang="en-US" altLang="ko-KR" sz="1600" dirty="0" smtClean="0">
+                <a:latin typeface="Arial" panose="020B0604020202020204" pitchFamily="34" charset="0"/>
+                <a:cs typeface="Arial" panose="020B0604020202020204" pitchFamily="34" charset="0"/>
+              </a:rPr>
+              <a:t>simulation data</a:t>
             </a:r>
           </a:p>
           <a:p>
@@ -9671,254 +9741,6 @@
           <a:chExt cx="0" cy="0"/>
         </a:xfrm>
       </p:grpSpPr>
-      <p:sp>
-        <p:nvSpPr>
-          <p:cNvPr id="807" name="직사각형 806"/>
-          <p:cNvSpPr/>
-          <p:nvPr/>
-        </p:nvSpPr>
-        <p:spPr>
-          <a:xfrm>
-            <a:off x="2463595" y="1446701"/>
-            <a:ext cx="720000" cy="720000"/>
-          </a:xfrm>
-          <a:prstGeom prst="rect">
-            <a:avLst/>
-          </a:prstGeom>
-          <a:solidFill>
-            <a:srgbClr val="EB6E19"/>
-          </a:solidFill>
-          <a:ln>
-            <a:noFill/>
-          </a:ln>
-        </p:spPr>
-        <p:style>
-          <a:lnRef idx="2">
-            <a:schemeClr val="accent1">
-              <a:shade val="50000"/>
-            </a:schemeClr>
-          </a:lnRef>
-          <a:fillRef idx="1">
-            <a:schemeClr val="accent1"/>
-          </a:fillRef>
-          <a:effectRef idx="0">
-            <a:schemeClr val="accent1"/>
-          </a:effectRef>
-          <a:fontRef idx="minor">
-            <a:schemeClr val="lt1"/>
-          </a:fontRef>
-        </p:style>
-        <p:txBody>
-          <a:bodyPr rtlCol="0" anchor="ctr"/>
-          <a:lstStyle/>
-          <a:p>
-            <a:pPr algn="ctr"/>
-            <a:endParaRPr lang="ko-KR" altLang="en-US" dirty="0"/>
-          </a:p>
-        </p:txBody>
-      </p:sp>
-      <p:sp>
-        <p:nvSpPr>
-          <p:cNvPr id="4" name="직사각형 3"/>
-          <p:cNvSpPr/>
-          <p:nvPr/>
-        </p:nvSpPr>
-        <p:spPr>
-          <a:xfrm>
-            <a:off x="98906" y="135374"/>
-            <a:ext cx="4290405" cy="369332"/>
-          </a:xfrm>
-          <a:prstGeom prst="rect">
-            <a:avLst/>
-          </a:prstGeom>
-        </p:spPr>
-        <p:txBody>
-          <a:bodyPr wrap="none">
-            <a:spAutoFit/>
-          </a:bodyPr>
-          <a:lstStyle/>
-          <a:p>
-            <a:r>
-              <a:rPr lang="en-US" altLang="ko-KR" i="1" dirty="0">
-                <a:latin typeface="Times New Roman" panose="02020603050405020304" pitchFamily="18" charset="0"/>
-                <a:cs typeface="Times New Roman" panose="02020603050405020304" pitchFamily="18" charset="0"/>
-              </a:rPr>
-              <a:t>Figure: Design base structure and condition</a:t>
-            </a:r>
-          </a:p>
-        </p:txBody>
-      </p:sp>
-      <p:sp>
-        <p:nvSpPr>
-          <p:cNvPr id="467" name="직사각형 466"/>
-          <p:cNvSpPr/>
-          <p:nvPr/>
-        </p:nvSpPr>
-        <p:spPr>
-          <a:xfrm>
-            <a:off x="7057968" y="5040144"/>
-            <a:ext cx="660798" cy="360000"/>
-          </a:xfrm>
-          <a:prstGeom prst="rect">
-            <a:avLst/>
-          </a:prstGeom>
-          <a:solidFill>
-            <a:srgbClr val="EB6E19"/>
-          </a:solidFill>
-          <a:ln>
-            <a:noFill/>
-          </a:ln>
-        </p:spPr>
-        <p:style>
-          <a:lnRef idx="2">
-            <a:schemeClr val="accent1">
-              <a:shade val="50000"/>
-            </a:schemeClr>
-          </a:lnRef>
-          <a:fillRef idx="1">
-            <a:schemeClr val="accent1"/>
-          </a:fillRef>
-          <a:effectRef idx="0">
-            <a:schemeClr val="accent1"/>
-          </a:effectRef>
-          <a:fontRef idx="minor">
-            <a:schemeClr val="lt1"/>
-          </a:fontRef>
-        </p:style>
-        <p:txBody>
-          <a:bodyPr rtlCol="0" anchor="ctr"/>
-          <a:lstStyle/>
-          <a:p>
-            <a:pPr algn="ctr"/>
-            <a:endParaRPr lang="ko-KR" altLang="en-US"/>
-          </a:p>
-        </p:txBody>
-      </p:sp>
-      <p:sp>
-        <p:nvSpPr>
-          <p:cNvPr id="468" name="직사각형 467"/>
-          <p:cNvSpPr/>
-          <p:nvPr/>
-        </p:nvSpPr>
-        <p:spPr>
-          <a:xfrm>
-            <a:off x="6172638" y="1078786"/>
-            <a:ext cx="660798" cy="360000"/>
-          </a:xfrm>
-          <a:prstGeom prst="rect">
-            <a:avLst/>
-          </a:prstGeom>
-          <a:solidFill>
-            <a:srgbClr val="EB6E19"/>
-          </a:solidFill>
-          <a:ln>
-            <a:noFill/>
-          </a:ln>
-        </p:spPr>
-        <p:style>
-          <a:lnRef idx="2">
-            <a:schemeClr val="accent1">
-              <a:shade val="50000"/>
-            </a:schemeClr>
-          </a:lnRef>
-          <a:fillRef idx="1">
-            <a:schemeClr val="accent1"/>
-          </a:fillRef>
-          <a:effectRef idx="0">
-            <a:schemeClr val="accent1"/>
-          </a:effectRef>
-          <a:fontRef idx="minor">
-            <a:schemeClr val="lt1"/>
-          </a:fontRef>
-        </p:style>
-        <p:txBody>
-          <a:bodyPr rtlCol="0" anchor="ctr"/>
-          <a:lstStyle/>
-          <a:p>
-            <a:pPr algn="ctr"/>
-            <a:endParaRPr lang="ko-KR" altLang="en-US" dirty="0"/>
-          </a:p>
-        </p:txBody>
-      </p:sp>
-      <p:sp>
-        <p:nvSpPr>
-          <p:cNvPr id="470" name="직사각형 469"/>
-          <p:cNvSpPr/>
-          <p:nvPr/>
-        </p:nvSpPr>
-        <p:spPr>
-          <a:xfrm>
-            <a:off x="7943298" y="1078786"/>
-            <a:ext cx="660798" cy="360000"/>
-          </a:xfrm>
-          <a:prstGeom prst="rect">
-            <a:avLst/>
-          </a:prstGeom>
-          <a:solidFill>
-            <a:srgbClr val="EB6E19"/>
-          </a:solidFill>
-          <a:ln>
-            <a:noFill/>
-          </a:ln>
-        </p:spPr>
-        <p:style>
-          <a:lnRef idx="2">
-            <a:schemeClr val="accent1">
-              <a:shade val="50000"/>
-            </a:schemeClr>
-          </a:lnRef>
-          <a:fillRef idx="1">
-            <a:schemeClr val="accent1"/>
-          </a:fillRef>
-          <a:effectRef idx="0">
-            <a:schemeClr val="accent1"/>
-          </a:effectRef>
-          <a:fontRef idx="minor">
-            <a:schemeClr val="lt1"/>
-          </a:fontRef>
-        </p:style>
-        <p:txBody>
-          <a:bodyPr rtlCol="0" anchor="ctr"/>
-          <a:lstStyle/>
-          <a:p>
-            <a:pPr algn="ctr"/>
-            <a:endParaRPr lang="ko-KR" altLang="en-US" dirty="0"/>
-          </a:p>
-        </p:txBody>
-      </p:sp>
-      <p:cxnSp>
-        <p:nvCxnSpPr>
-          <p:cNvPr id="3" name="직선 연결선 2"/>
-          <p:cNvCxnSpPr/>
-          <p:nvPr/>
-        </p:nvCxnSpPr>
-        <p:spPr>
-          <a:xfrm>
-            <a:off x="7388705" y="721409"/>
-            <a:ext cx="0" cy="4793566"/>
-          </a:xfrm>
-          <a:prstGeom prst="line">
-            <a:avLst/>
-          </a:prstGeom>
-          <a:ln w="28575">
-            <a:prstDash val="dash"/>
-          </a:ln>
-        </p:spPr>
-        <p:style>
-          <a:lnRef idx="1">
-            <a:schemeClr val="dk1"/>
-          </a:lnRef>
-          <a:fillRef idx="0">
-            <a:schemeClr val="dk1"/>
-          </a:fillRef>
-          <a:effectRef idx="0">
-            <a:schemeClr val="dk1"/>
-          </a:effectRef>
-          <a:fontRef idx="minor">
-            <a:schemeClr val="tx1"/>
-          </a:fontRef>
-        </p:style>
-      </p:cxnSp>
       <p:grpSp>
         <p:nvGrpSpPr>
           <p:cNvPr id="16" name="그룹 15"/>
@@ -22262,6 +22084,254 @@
           </p:txBody>
         </p:sp>
       </p:grpSp>
+      <p:sp>
+        <p:nvSpPr>
+          <p:cNvPr id="807" name="직사각형 806"/>
+          <p:cNvSpPr/>
+          <p:nvPr/>
+        </p:nvSpPr>
+        <p:spPr>
+          <a:xfrm>
+            <a:off x="2463595" y="1446701"/>
+            <a:ext cx="720000" cy="720000"/>
+          </a:xfrm>
+          <a:prstGeom prst="rect">
+            <a:avLst/>
+          </a:prstGeom>
+          <a:solidFill>
+            <a:srgbClr val="EB6E19"/>
+          </a:solidFill>
+          <a:ln>
+            <a:noFill/>
+          </a:ln>
+        </p:spPr>
+        <p:style>
+          <a:lnRef idx="2">
+            <a:schemeClr val="accent1">
+              <a:shade val="50000"/>
+            </a:schemeClr>
+          </a:lnRef>
+          <a:fillRef idx="1">
+            <a:schemeClr val="accent1"/>
+          </a:fillRef>
+          <a:effectRef idx="0">
+            <a:schemeClr val="accent1"/>
+          </a:effectRef>
+          <a:fontRef idx="minor">
+            <a:schemeClr val="lt1"/>
+          </a:fontRef>
+        </p:style>
+        <p:txBody>
+          <a:bodyPr rtlCol="0" anchor="ctr"/>
+          <a:lstStyle/>
+          <a:p>
+            <a:pPr algn="ctr"/>
+            <a:endParaRPr lang="ko-KR" altLang="en-US" dirty="0"/>
+          </a:p>
+        </p:txBody>
+      </p:sp>
+      <p:sp>
+        <p:nvSpPr>
+          <p:cNvPr id="4" name="직사각형 3"/>
+          <p:cNvSpPr/>
+          <p:nvPr/>
+        </p:nvSpPr>
+        <p:spPr>
+          <a:xfrm>
+            <a:off x="98906" y="135374"/>
+            <a:ext cx="4290405" cy="369332"/>
+          </a:xfrm>
+          <a:prstGeom prst="rect">
+            <a:avLst/>
+          </a:prstGeom>
+        </p:spPr>
+        <p:txBody>
+          <a:bodyPr wrap="none">
+            <a:spAutoFit/>
+          </a:bodyPr>
+          <a:lstStyle/>
+          <a:p>
+            <a:r>
+              <a:rPr lang="en-US" altLang="ko-KR" i="1" dirty="0">
+                <a:latin typeface="Times New Roman" panose="02020603050405020304" pitchFamily="18" charset="0"/>
+                <a:cs typeface="Times New Roman" panose="02020603050405020304" pitchFamily="18" charset="0"/>
+              </a:rPr>
+              <a:t>Figure: Design base structure and condition</a:t>
+            </a:r>
+          </a:p>
+        </p:txBody>
+      </p:sp>
+      <p:sp>
+        <p:nvSpPr>
+          <p:cNvPr id="467" name="직사각형 466"/>
+          <p:cNvSpPr/>
+          <p:nvPr/>
+        </p:nvSpPr>
+        <p:spPr>
+          <a:xfrm>
+            <a:off x="7057968" y="5032524"/>
+            <a:ext cx="660798" cy="360000"/>
+          </a:xfrm>
+          <a:prstGeom prst="rect">
+            <a:avLst/>
+          </a:prstGeom>
+          <a:solidFill>
+            <a:srgbClr val="EB6E19"/>
+          </a:solidFill>
+          <a:ln>
+            <a:noFill/>
+          </a:ln>
+        </p:spPr>
+        <p:style>
+          <a:lnRef idx="2">
+            <a:schemeClr val="accent1">
+              <a:shade val="50000"/>
+            </a:schemeClr>
+          </a:lnRef>
+          <a:fillRef idx="1">
+            <a:schemeClr val="accent1"/>
+          </a:fillRef>
+          <a:effectRef idx="0">
+            <a:schemeClr val="accent1"/>
+          </a:effectRef>
+          <a:fontRef idx="minor">
+            <a:schemeClr val="lt1"/>
+          </a:fontRef>
+        </p:style>
+        <p:txBody>
+          <a:bodyPr rtlCol="0" anchor="ctr"/>
+          <a:lstStyle/>
+          <a:p>
+            <a:pPr algn="ctr"/>
+            <a:endParaRPr lang="ko-KR" altLang="en-US"/>
+          </a:p>
+        </p:txBody>
+      </p:sp>
+      <p:sp>
+        <p:nvSpPr>
+          <p:cNvPr id="468" name="직사각형 467"/>
+          <p:cNvSpPr/>
+          <p:nvPr/>
+        </p:nvSpPr>
+        <p:spPr>
+          <a:xfrm>
+            <a:off x="6172638" y="1086406"/>
+            <a:ext cx="660798" cy="360000"/>
+          </a:xfrm>
+          <a:prstGeom prst="rect">
+            <a:avLst/>
+          </a:prstGeom>
+          <a:solidFill>
+            <a:srgbClr val="EB6E19"/>
+          </a:solidFill>
+          <a:ln>
+            <a:noFill/>
+          </a:ln>
+        </p:spPr>
+        <p:style>
+          <a:lnRef idx="2">
+            <a:schemeClr val="accent1">
+              <a:shade val="50000"/>
+            </a:schemeClr>
+          </a:lnRef>
+          <a:fillRef idx="1">
+            <a:schemeClr val="accent1"/>
+          </a:fillRef>
+          <a:effectRef idx="0">
+            <a:schemeClr val="accent1"/>
+          </a:effectRef>
+          <a:fontRef idx="minor">
+            <a:schemeClr val="lt1"/>
+          </a:fontRef>
+        </p:style>
+        <p:txBody>
+          <a:bodyPr rtlCol="0" anchor="ctr"/>
+          <a:lstStyle/>
+          <a:p>
+            <a:pPr algn="ctr"/>
+            <a:endParaRPr lang="ko-KR" altLang="en-US" dirty="0"/>
+          </a:p>
+        </p:txBody>
+      </p:sp>
+      <p:sp>
+        <p:nvSpPr>
+          <p:cNvPr id="470" name="직사각형 469"/>
+          <p:cNvSpPr/>
+          <p:nvPr/>
+        </p:nvSpPr>
+        <p:spPr>
+          <a:xfrm>
+            <a:off x="7943298" y="1086406"/>
+            <a:ext cx="660798" cy="360000"/>
+          </a:xfrm>
+          <a:prstGeom prst="rect">
+            <a:avLst/>
+          </a:prstGeom>
+          <a:solidFill>
+            <a:srgbClr val="EB6E19"/>
+          </a:solidFill>
+          <a:ln>
+            <a:noFill/>
+          </a:ln>
+        </p:spPr>
+        <p:style>
+          <a:lnRef idx="2">
+            <a:schemeClr val="accent1">
+              <a:shade val="50000"/>
+            </a:schemeClr>
+          </a:lnRef>
+          <a:fillRef idx="1">
+            <a:schemeClr val="accent1"/>
+          </a:fillRef>
+          <a:effectRef idx="0">
+            <a:schemeClr val="accent1"/>
+          </a:effectRef>
+          <a:fontRef idx="minor">
+            <a:schemeClr val="lt1"/>
+          </a:fontRef>
+        </p:style>
+        <p:txBody>
+          <a:bodyPr rtlCol="0" anchor="ctr"/>
+          <a:lstStyle/>
+          <a:p>
+            <a:pPr algn="ctr"/>
+            <a:endParaRPr lang="ko-KR" altLang="en-US" dirty="0"/>
+          </a:p>
+        </p:txBody>
+      </p:sp>
+      <p:cxnSp>
+        <p:nvCxnSpPr>
+          <p:cNvPr id="3" name="직선 연결선 2"/>
+          <p:cNvCxnSpPr/>
+          <p:nvPr/>
+        </p:nvCxnSpPr>
+        <p:spPr>
+          <a:xfrm>
+            <a:off x="7388705" y="721409"/>
+            <a:ext cx="0" cy="4793566"/>
+          </a:xfrm>
+          <a:prstGeom prst="line">
+            <a:avLst/>
+          </a:prstGeom>
+          <a:ln w="28575">
+            <a:prstDash val="dash"/>
+          </a:ln>
+        </p:spPr>
+        <p:style>
+          <a:lnRef idx="1">
+            <a:schemeClr val="dk1"/>
+          </a:lnRef>
+          <a:fillRef idx="0">
+            <a:schemeClr val="dk1"/>
+          </a:fillRef>
+          <a:effectRef idx="0">
+            <a:schemeClr val="dk1"/>
+          </a:effectRef>
+          <a:fontRef idx="minor">
+            <a:schemeClr val="tx1"/>
+          </a:fontRef>
+        </p:style>
+      </p:cxnSp>
       <p:sp>
         <p:nvSpPr>
           <p:cNvPr id="806" name="타원 805"/>

--- a/개인/석사학위논문/Manuscript Preparation.pptx
+++ b/개인/석사학위논문/Manuscript Preparation.pptx
@@ -205,7 +205,7 @@
           <a:p>
             <a:fld id="{DC6EF66D-2E18-4762-A913-8FC90DE37648}" type="datetimeFigureOut">
               <a:rPr lang="ko-KR" altLang="en-US" smtClean="0"/>
-              <a:t>2019-09-19</a:t>
+              <a:t>2019-09-20</a:t>
             </a:fld>
             <a:endParaRPr lang="ko-KR" altLang="en-US"/>
           </a:p>
@@ -688,7 +688,7 @@
           <a:p>
             <a:fld id="{CEDA20BB-A36C-44CB-A9A0-32BED543DE31}" type="datetimeFigureOut">
               <a:rPr lang="ko-KR" altLang="en-US" smtClean="0"/>
-              <a:t>2019-09-19</a:t>
+              <a:t>2019-09-20</a:t>
             </a:fld>
             <a:endParaRPr lang="ko-KR" altLang="en-US"/>
           </a:p>
@@ -858,7 +858,7 @@
           <a:p>
             <a:fld id="{CEDA20BB-A36C-44CB-A9A0-32BED543DE31}" type="datetimeFigureOut">
               <a:rPr lang="ko-KR" altLang="en-US" smtClean="0"/>
-              <a:t>2019-09-19</a:t>
+              <a:t>2019-09-20</a:t>
             </a:fld>
             <a:endParaRPr lang="ko-KR" altLang="en-US"/>
           </a:p>
@@ -1038,7 +1038,7 @@
           <a:p>
             <a:fld id="{CEDA20BB-A36C-44CB-A9A0-32BED543DE31}" type="datetimeFigureOut">
               <a:rPr lang="ko-KR" altLang="en-US" smtClean="0"/>
-              <a:t>2019-09-19</a:t>
+              <a:t>2019-09-20</a:t>
             </a:fld>
             <a:endParaRPr lang="ko-KR" altLang="en-US"/>
           </a:p>
@@ -1208,7 +1208,7 @@
           <a:p>
             <a:fld id="{CEDA20BB-A36C-44CB-A9A0-32BED543DE31}" type="datetimeFigureOut">
               <a:rPr lang="ko-KR" altLang="en-US" smtClean="0"/>
-              <a:t>2019-09-19</a:t>
+              <a:t>2019-09-20</a:t>
             </a:fld>
             <a:endParaRPr lang="ko-KR" altLang="en-US"/>
           </a:p>
@@ -1454,7 +1454,7 @@
           <a:p>
             <a:fld id="{CEDA20BB-A36C-44CB-A9A0-32BED543DE31}" type="datetimeFigureOut">
               <a:rPr lang="ko-KR" altLang="en-US" smtClean="0"/>
-              <a:t>2019-09-19</a:t>
+              <a:t>2019-09-20</a:t>
             </a:fld>
             <a:endParaRPr lang="ko-KR" altLang="en-US"/>
           </a:p>
@@ -1686,7 +1686,7 @@
           <a:p>
             <a:fld id="{CEDA20BB-A36C-44CB-A9A0-32BED543DE31}" type="datetimeFigureOut">
               <a:rPr lang="ko-KR" altLang="en-US" smtClean="0"/>
-              <a:t>2019-09-19</a:t>
+              <a:t>2019-09-20</a:t>
             </a:fld>
             <a:endParaRPr lang="ko-KR" altLang="en-US"/>
           </a:p>
@@ -2053,7 +2053,7 @@
           <a:p>
             <a:fld id="{CEDA20BB-A36C-44CB-A9A0-32BED543DE31}" type="datetimeFigureOut">
               <a:rPr lang="ko-KR" altLang="en-US" smtClean="0"/>
-              <a:t>2019-09-19</a:t>
+              <a:t>2019-09-20</a:t>
             </a:fld>
             <a:endParaRPr lang="ko-KR" altLang="en-US"/>
           </a:p>
@@ -2171,7 +2171,7 @@
           <a:p>
             <a:fld id="{CEDA20BB-A36C-44CB-A9A0-32BED543DE31}" type="datetimeFigureOut">
               <a:rPr lang="ko-KR" altLang="en-US" smtClean="0"/>
-              <a:t>2019-09-19</a:t>
+              <a:t>2019-09-20</a:t>
             </a:fld>
             <a:endParaRPr lang="ko-KR" altLang="en-US"/>
           </a:p>
@@ -2266,7 +2266,7 @@
           <a:p>
             <a:fld id="{CEDA20BB-A36C-44CB-A9A0-32BED543DE31}" type="datetimeFigureOut">
               <a:rPr lang="ko-KR" altLang="en-US" smtClean="0"/>
-              <a:t>2019-09-19</a:t>
+              <a:t>2019-09-20</a:t>
             </a:fld>
             <a:endParaRPr lang="ko-KR" altLang="en-US"/>
           </a:p>
@@ -2543,7 +2543,7 @@
           <a:p>
             <a:fld id="{CEDA20BB-A36C-44CB-A9A0-32BED543DE31}" type="datetimeFigureOut">
               <a:rPr lang="ko-KR" altLang="en-US" smtClean="0"/>
-              <a:t>2019-09-19</a:t>
+              <a:t>2019-09-20</a:t>
             </a:fld>
             <a:endParaRPr lang="ko-KR" altLang="en-US"/>
           </a:p>
@@ -2796,7 +2796,7 @@
           <a:p>
             <a:fld id="{CEDA20BB-A36C-44CB-A9A0-32BED543DE31}" type="datetimeFigureOut">
               <a:rPr lang="ko-KR" altLang="en-US" smtClean="0"/>
-              <a:t>2019-09-19</a:t>
+              <a:t>2019-09-20</a:t>
             </a:fld>
             <a:endParaRPr lang="ko-KR" altLang="en-US"/>
           </a:p>
@@ -3009,7 +3009,7 @@
           <a:p>
             <a:fld id="{CEDA20BB-A36C-44CB-A9A0-32BED543DE31}" type="datetimeFigureOut">
               <a:rPr lang="ko-KR" altLang="en-US" smtClean="0"/>
-              <a:t>2019-09-19</a:t>
+              <a:t>2019-09-20</a:t>
             </a:fld>
             <a:endParaRPr lang="ko-KR" altLang="en-US"/>
           </a:p>
@@ -7233,7 +7233,7 @@
                     <a:latin typeface="Arial" panose="020B0604020202020204" pitchFamily="34" charset="0"/>
                     <a:cs typeface="Arial" panose="020B0604020202020204" pitchFamily="34" charset="0"/>
                   </a:rPr>
-                  <a:t>Calculated reward, </a:t>
+                  <a:t>Calculated reward </a:t>
                 </a:r>
                 <a14:m>
                   <m:oMath xmlns:m="http://schemas.openxmlformats.org/officeDocument/2006/math">
@@ -7282,8 +7282,44 @@
                     <a:latin typeface="Arial" panose="020B0604020202020204" pitchFamily="34" charset="0"/>
                     <a:cs typeface="Arial" panose="020B0604020202020204" pitchFamily="34" charset="0"/>
                   </a:rPr>
-                  <a:t>rom transmission</a:t>
+                  <a:t>rom </a:t>
                 </a:r>
+                <a:r>
+                  <a:rPr lang="en-US" altLang="ko-KR" dirty="0" smtClean="0">
+                    <a:latin typeface="Arial" panose="020B0604020202020204" pitchFamily="34" charset="0"/>
+                    <a:cs typeface="Arial" panose="020B0604020202020204" pitchFamily="34" charset="0"/>
+                  </a:rPr>
+                  <a:t>transmission </a:t>
+                </a:r>
+                <a14:m>
+                  <m:oMath xmlns:m="http://schemas.openxmlformats.org/officeDocument/2006/math">
+                    <m:sSub>
+                      <m:sSubPr>
+                        <m:ctrlPr>
+                          <a:rPr lang="en-US" altLang="ko-KR" i="1">
+                            <a:latin typeface="Cambria Math" panose="02040503050406030204" pitchFamily="18" charset="0"/>
+                          </a:rPr>
+                        </m:ctrlPr>
+                      </m:sSubPr>
+                      <m:e>
+                        <m:r>
+                          <a:rPr lang="en-US" altLang="ko-KR" b="0" i="1" smtClean="0">
+                            <a:latin typeface="Cambria Math" panose="02040503050406030204" pitchFamily="18" charset="0"/>
+                          </a:rPr>
+                          <m:t>𝑇</m:t>
+                        </m:r>
+                      </m:e>
+                      <m:sub>
+                        <m:r>
+                          <a:rPr lang="en-US" altLang="ko-KR" i="1">
+                            <a:latin typeface="Cambria Math" panose="02040503050406030204" pitchFamily="18" charset="0"/>
+                          </a:rPr>
+                          <m:t>𝑖</m:t>
+                        </m:r>
+                      </m:sub>
+                    </m:sSub>
+                  </m:oMath>
+                </a14:m>
                 <a:endParaRPr lang="ko-KR" altLang="en-US" dirty="0">
                   <a:latin typeface="Arial" panose="020B0604020202020204" pitchFamily="34" charset="0"/>
                   <a:cs typeface="Arial" panose="020B0604020202020204" pitchFamily="34" charset="0"/>
@@ -7331,8 +7367,8 @@
           </p:sp>
         </mc:Fallback>
       </mc:AlternateContent>
-      <mc:AlternateContent xmlns:mc="http://schemas.openxmlformats.org/markup-compatibility/2006">
-        <mc:Choice xmlns:a14="http://schemas.microsoft.com/office/drawing/2010/main" Requires="a14">
+      <mc:AlternateContent xmlns:mc="http://schemas.openxmlformats.org/markup-compatibility/2006" xmlns:a14="http://schemas.microsoft.com/office/drawing/2010/main">
+        <mc:Choice Requires="a14">
           <p:sp>
             <p:nvSpPr>
               <p:cNvPr id="13" name="TextBox 12"/>
@@ -7429,7 +7465,7 @@
             </p:txBody>
           </p:sp>
         </mc:Choice>
-        <mc:Fallback>
+        <mc:Fallback xmlns="">
           <p:sp>
             <p:nvSpPr>
               <p:cNvPr id="13" name="TextBox 12"/>
@@ -7468,8 +7504,8 @@
           </p:sp>
         </mc:Fallback>
       </mc:AlternateContent>
-      <mc:AlternateContent xmlns:mc="http://schemas.openxmlformats.org/markup-compatibility/2006">
-        <mc:Choice xmlns:a14="http://schemas.microsoft.com/office/drawing/2010/main" Requires="a14">
+      <mc:AlternateContent xmlns:mc="http://schemas.openxmlformats.org/markup-compatibility/2006" xmlns:a14="http://schemas.microsoft.com/office/drawing/2010/main">
+        <mc:Choice Requires="a14">
           <p:sp>
             <p:nvSpPr>
               <p:cNvPr id="14" name="TextBox 13"/>
@@ -7595,7 +7631,7 @@
             </p:txBody>
           </p:sp>
         </mc:Choice>
-        <mc:Fallback>
+        <mc:Fallback xmlns="">
           <p:sp>
             <p:nvSpPr>
               <p:cNvPr id="14" name="TextBox 13"/>
@@ -7634,8 +7670,8 @@
           </p:sp>
         </mc:Fallback>
       </mc:AlternateContent>
-      <mc:AlternateContent xmlns:mc="http://schemas.openxmlformats.org/markup-compatibility/2006">
-        <mc:Choice xmlns:a14="http://schemas.microsoft.com/office/drawing/2010/main" Requires="a14">
+      <mc:AlternateContent xmlns:mc="http://schemas.openxmlformats.org/markup-compatibility/2006" xmlns:a14="http://schemas.microsoft.com/office/drawing/2010/main">
+        <mc:Choice Requires="a14">
           <p:sp>
             <p:nvSpPr>
               <p:cNvPr id="15" name="TextBox 14"/>
@@ -7870,7 +7906,7 @@
             </p:txBody>
           </p:sp>
         </mc:Choice>
-        <mc:Fallback>
+        <mc:Fallback xmlns="">
           <p:sp>
             <p:nvSpPr>
               <p:cNvPr id="15" name="TextBox 14"/>
@@ -7909,8 +7945,8 @@
           </p:sp>
         </mc:Fallback>
       </mc:AlternateContent>
-      <mc:AlternateContent xmlns:mc="http://schemas.openxmlformats.org/markup-compatibility/2006">
-        <mc:Choice xmlns:a14="http://schemas.microsoft.com/office/drawing/2010/main" Requires="a14">
+      <mc:AlternateContent xmlns:mc="http://schemas.openxmlformats.org/markup-compatibility/2006" xmlns:a14="http://schemas.microsoft.com/office/drawing/2010/main">
+        <mc:Choice Requires="a14">
           <p:sp>
             <p:nvSpPr>
               <p:cNvPr id="17" name="TextBox 16"/>
@@ -8060,7 +8096,7 @@
             </p:txBody>
           </p:sp>
         </mc:Choice>
-        <mc:Fallback>
+        <mc:Fallback xmlns="">
           <p:sp>
             <p:nvSpPr>
               <p:cNvPr id="17" name="TextBox 16"/>
@@ -8099,8 +8135,8 @@
           </p:sp>
         </mc:Fallback>
       </mc:AlternateContent>
-      <mc:AlternateContent xmlns:mc="http://schemas.openxmlformats.org/markup-compatibility/2006">
-        <mc:Choice xmlns:a14="http://schemas.microsoft.com/office/drawing/2010/main" Requires="a14">
+      <mc:AlternateContent xmlns:mc="http://schemas.openxmlformats.org/markup-compatibility/2006" xmlns:a14="http://schemas.microsoft.com/office/drawing/2010/main">
+        <mc:Choice Requires="a14">
           <p:sp>
             <p:nvSpPr>
               <p:cNvPr id="18" name="TextBox 17"/>
@@ -8384,7 +8420,7 @@
             </p:txBody>
           </p:sp>
         </mc:Choice>
-        <mc:Fallback>
+        <mc:Fallback xmlns="">
           <p:sp>
             <p:nvSpPr>
               <p:cNvPr id="18" name="TextBox 17"/>
@@ -9651,42 +9687,7 @@
                 <a:latin typeface="Arial" panose="020B0604020202020204" pitchFamily="34" charset="0"/>
                 <a:cs typeface="Arial" panose="020B0604020202020204" pitchFamily="34" charset="0"/>
               </a:rPr>
-              <a:t> </a:t>
-            </a:r>
-            <a:r>
-              <a:rPr lang="en-US" altLang="ko-KR" sz="1600" dirty="0" smtClean="0">
-                <a:latin typeface="Arial" panose="020B0604020202020204" pitchFamily="34" charset="0"/>
-                <a:cs typeface="Arial" panose="020B0604020202020204" pitchFamily="34" charset="0"/>
-              </a:rPr>
-              <a:t>days</a:t>
-            </a:r>
-            <a:r>
-              <a:rPr lang="en-US" altLang="ko-KR" sz="1600" dirty="0" smtClean="0">
-                <a:latin typeface="Arial" panose="020B0604020202020204" pitchFamily="34" charset="0"/>
-                <a:cs typeface="Arial" panose="020B0604020202020204" pitchFamily="34" charset="0"/>
-              </a:rPr>
-              <a:t> </a:t>
-            </a:r>
-            <a:r>
-              <a:rPr lang="en-US" altLang="ko-KR" sz="1600" dirty="0" smtClean="0">
-                <a:latin typeface="Arial" panose="020B0604020202020204" pitchFamily="34" charset="0"/>
-                <a:cs typeface="Arial" panose="020B0604020202020204" pitchFamily="34" charset="0"/>
-              </a:rPr>
-              <a:t>to complete collecting </a:t>
-            </a:r>
-            <a:r>
-              <a:rPr lang="en-US" altLang="ko-KR" sz="1600" dirty="0" smtClean="0">
-                <a:latin typeface="Arial" panose="020B0604020202020204" pitchFamily="34" charset="0"/>
-                <a:cs typeface="Arial" panose="020B0604020202020204" pitchFamily="34" charset="0"/>
-              </a:rPr>
-              <a:t>30,000 </a:t>
-            </a:r>
-            <a:r>
-              <a:rPr lang="en-US" altLang="ko-KR" sz="1600" dirty="0" smtClean="0">
-                <a:latin typeface="Arial" panose="020B0604020202020204" pitchFamily="34" charset="0"/>
-                <a:cs typeface="Arial" panose="020B0604020202020204" pitchFamily="34" charset="0"/>
-              </a:rPr>
-              <a:t>simulation data</a:t>
+              <a:t> days to complete collecting 30,000 simulation data</a:t>
             </a:r>
           </a:p>
           <a:p>
